--- a/presentation/thesis/presentation_thesis.pptx
+++ b/presentation/thesis/presentation_thesis.pptx
@@ -11,10 +11,10 @@
   <p:sldIdLst>
     <p:sldId id="257" r:id="rId3"/>
     <p:sldId id="260" r:id="rId4"/>
-    <p:sldId id="263" r:id="rId5"/>
-    <p:sldId id="299" r:id="rId6"/>
-    <p:sldId id="286" r:id="rId7"/>
-    <p:sldId id="298" r:id="rId8"/>
+    <p:sldId id="286" r:id="rId5"/>
+    <p:sldId id="298" r:id="rId6"/>
+    <p:sldId id="299" r:id="rId7"/>
+    <p:sldId id="263" r:id="rId8"/>
     <p:sldId id="266" r:id="rId9"/>
     <p:sldId id="297" r:id="rId10"/>
     <p:sldId id="291" r:id="rId11"/>
@@ -131,10 +131,10 @@
           <p14:sldIdLst>
             <p14:sldId id="257"/>
             <p14:sldId id="260"/>
-            <p14:sldId id="263"/>
-            <p14:sldId id="299"/>
             <p14:sldId id="286"/>
             <p14:sldId id="298"/>
+            <p14:sldId id="299"/>
+            <p14:sldId id="263"/>
             <p14:sldId id="266"/>
             <p14:sldId id="297"/>
             <p14:sldId id="291"/>
@@ -956,7 +956,7 @@
           <p:cNvPr id="2" name="Folienbildplatzhalter 1">
             <a:extLst>
               <a:ext uri="{FF2B5EF4-FFF2-40B4-BE49-F238E27FC236}">
-                <a16:creationId xmlns:a16="http://schemas.microsoft.com/office/drawing/2014/main" id="{1BD8296B-9D0B-A590-1894-71496A23F905}"/>
+                <a16:creationId xmlns:a16="http://schemas.microsoft.com/office/drawing/2014/main" id="{BE9B42C8-7EC7-0EB9-CA5B-2C849B8AF47F}"/>
               </a:ext>
             </a:extLst>
           </p:cNvPr>
@@ -979,7 +979,7 @@
           <p:cNvPr id="3" name="Notizenplatzhalter 2">
             <a:extLst>
               <a:ext uri="{FF2B5EF4-FFF2-40B4-BE49-F238E27FC236}">
-                <a16:creationId xmlns:a16="http://schemas.microsoft.com/office/drawing/2014/main" id="{13DEA6CB-C73F-960E-7342-6DCFE6C3A1B9}"/>
+                <a16:creationId xmlns:a16="http://schemas.microsoft.com/office/drawing/2014/main" id="{0D49AC49-0E47-6615-99F3-3E8B3B3FE106}"/>
               </a:ext>
             </a:extLst>
           </p:cNvPr>
@@ -1004,7 +1004,7 @@
           <p:cNvPr id="4" name="Foliennummernplatzhalter 3">
             <a:extLst>
               <a:ext uri="{FF2B5EF4-FFF2-40B4-BE49-F238E27FC236}">
-                <a16:creationId xmlns:a16="http://schemas.microsoft.com/office/drawing/2014/main" id="{ED052AC6-ADB8-8F91-2244-DE41D3A918FA}"/>
+                <a16:creationId xmlns:a16="http://schemas.microsoft.com/office/drawing/2014/main" id="{3A9584A1-3531-8A86-AD6A-484CC49B2C9E}"/>
               </a:ext>
             </a:extLst>
           </p:cNvPr>
@@ -1049,7 +1049,7 @@
                 <a:uFillTx/>
               </a:defRPr>
             </a:pPr>
-            <a:fld id="{1AA4DEA2-B4E1-4FB2-8ABA-11FD1E7E75FF}" type="slidenum">
+            <a:fld id="{A8AEAA63-4B01-4438-8C8B-0389635FF789}" type="slidenum">
               <a:t>3</a:t>
             </a:fld>
             <a:endParaRPr lang="de-DE" sz="1200" b="0" i="0" u="none" strike="noStrike" kern="1200" cap="none" spc="0" baseline="0">
@@ -1655,6 +1655,153 @@
         <p:cNvPr id="1" name="">
           <a:extLst>
             <a:ext uri="{FF2B5EF4-FFF2-40B4-BE49-F238E27FC236}">
+              <a16:creationId xmlns:a16="http://schemas.microsoft.com/office/drawing/2014/main" id="{9D315475-9008-7D54-8217-873E49911473}"/>
+            </a:ext>
+          </a:extLst>
+        </p:cNvPr>
+        <p:cNvGrpSpPr/>
+        <p:nvPr/>
+      </p:nvGrpSpPr>
+      <p:grpSpPr>
+        <a:xfrm>
+          <a:off x="0" y="0"/>
+          <a:ext cx="0" cy="0"/>
+          <a:chOff x="0" y="0"/>
+          <a:chExt cx="0" cy="0"/>
+        </a:xfrm>
+      </p:grpSpPr>
+      <p:sp>
+        <p:nvSpPr>
+          <p:cNvPr id="2" name="Folienbildplatzhalter 1">
+            <a:extLst>
+              <a:ext uri="{FF2B5EF4-FFF2-40B4-BE49-F238E27FC236}">
+                <a16:creationId xmlns:a16="http://schemas.microsoft.com/office/drawing/2014/main" id="{FC3ECF29-9179-99FE-1D8F-E71D8C3770B2}"/>
+              </a:ext>
+            </a:extLst>
+          </p:cNvPr>
+          <p:cNvSpPr>
+            <a:spLocks noGrp="1" noRot="1" noChangeAspect="1"/>
+          </p:cNvSpPr>
+          <p:nvPr>
+            <p:ph type="sldImg"/>
+          </p:nvPr>
+        </p:nvSpPr>
+        <p:spPr>
+          <a:xfrm>
+            <a:off x="685800" y="1143000"/>
+            <a:ext cx="5486400" cy="3086100"/>
+          </a:xfrm>
+        </p:spPr>
+      </p:sp>
+      <p:sp>
+        <p:nvSpPr>
+          <p:cNvPr id="3" name="Notizenplatzhalter 2">
+            <a:extLst>
+              <a:ext uri="{FF2B5EF4-FFF2-40B4-BE49-F238E27FC236}">
+                <a16:creationId xmlns:a16="http://schemas.microsoft.com/office/drawing/2014/main" id="{6087C759-2683-84EB-1B05-31094E07BBAF}"/>
+              </a:ext>
+            </a:extLst>
+          </p:cNvPr>
+          <p:cNvSpPr txBox="1">
+            <a:spLocks noGrp="1"/>
+          </p:cNvSpPr>
+          <p:nvPr>
+            <p:ph type="body" sz="quarter" idx="1"/>
+          </p:nvPr>
+        </p:nvSpPr>
+        <p:spPr/>
+        <p:txBody>
+          <a:bodyPr/>
+          <a:lstStyle/>
+          <a:p>
+            <a:endParaRPr lang="de-DE"/>
+          </a:p>
+        </p:txBody>
+      </p:sp>
+      <p:sp>
+        <p:nvSpPr>
+          <p:cNvPr id="4" name="Foliennummernplatzhalter 3">
+            <a:extLst>
+              <a:ext uri="{FF2B5EF4-FFF2-40B4-BE49-F238E27FC236}">
+                <a16:creationId xmlns:a16="http://schemas.microsoft.com/office/drawing/2014/main" id="{CCAD9DF5-0103-9B7F-2765-108CCD52E7B3}"/>
+              </a:ext>
+            </a:extLst>
+          </p:cNvPr>
+          <p:cNvSpPr txBox="1"/>
+          <p:nvPr/>
+        </p:nvSpPr>
+        <p:spPr>
+          <a:xfrm>
+            <a:off x="3884608" y="8685208"/>
+            <a:ext cx="2971800" cy="458791"/>
+          </a:xfrm>
+          <a:prstGeom prst="rect">
+            <a:avLst/>
+          </a:prstGeom>
+          <a:noFill/>
+          <a:ln cap="flat">
+            <a:noFill/>
+          </a:ln>
+        </p:spPr>
+        <p:txBody>
+          <a:bodyPr vert="horz" wrap="square" lIns="91440" tIns="45720" rIns="91440" bIns="45720" anchor="b" anchorCtr="0" compatLnSpc="1">
+            <a:noAutofit/>
+          </a:bodyPr>
+          <a:lstStyle/>
+          <a:p>
+            <a:pPr marL="0" marR="0" lvl="0" indent="0" algn="r" defTabSz="914400" rtl="0" fontAlgn="auto" hangingPunct="1">
+              <a:lnSpc>
+                <a:spcPct val="100000"/>
+              </a:lnSpc>
+              <a:spcBef>
+                <a:spcPts val="0"/>
+              </a:spcBef>
+              <a:spcAft>
+                <a:spcPts val="0"/>
+              </a:spcAft>
+              <a:buNone/>
+              <a:tabLst/>
+              <a:defRPr sz="1800" b="0" i="0" u="none" strike="noStrike" kern="0" cap="none" spc="0" baseline="0">
+                <a:solidFill>
+                  <a:srgbClr val="000000"/>
+                </a:solidFill>
+                <a:uFillTx/>
+              </a:defRPr>
+            </a:pPr>
+            <a:fld id="{A8AEAA63-4B01-4438-8C8B-0389635FF789}" type="slidenum">
+              <a:t>4</a:t>
+            </a:fld>
+            <a:endParaRPr lang="de-DE" sz="1200" b="0" i="0" u="none" strike="noStrike" kern="1200" cap="none" spc="0" baseline="0">
+              <a:solidFill>
+                <a:srgbClr val="000000"/>
+              </a:solidFill>
+              <a:uFillTx/>
+              <a:latin typeface="Calibri"/>
+            </a:endParaRPr>
+          </a:p>
+        </p:txBody>
+      </p:sp>
+    </p:spTree>
+    <p:extLst>
+      <p:ext uri="{BB962C8B-B14F-4D97-AF65-F5344CB8AC3E}">
+        <p14:creationId xmlns:p14="http://schemas.microsoft.com/office/powerpoint/2010/main" val="2252026389"/>
+      </p:ext>
+    </p:extLst>
+  </p:cSld>
+  <p:clrMapOvr>
+    <a:masterClrMapping/>
+  </p:clrMapOvr>
+</p:notes>
+</file>
+
+<file path=ppt/notesSlides/notesSlide3.xml><?xml version="1.0" encoding="utf-8"?>
+<p:notes xmlns:a="http://schemas.openxmlformats.org/drawingml/2006/main" xmlns:r="http://schemas.openxmlformats.org/officeDocument/2006/relationships" xmlns:p="http://schemas.openxmlformats.org/presentationml/2006/main">
+  <p:cSld>
+    <p:spTree>
+      <p:nvGrpSpPr>
+        <p:cNvPr id="1" name="">
+          <a:extLst>
+            <a:ext uri="{FF2B5EF4-FFF2-40B4-BE49-F238E27FC236}">
               <a16:creationId xmlns:a16="http://schemas.microsoft.com/office/drawing/2014/main" id="{B3054A86-FC88-9D4B-CAA9-BB6B03A58458}"/>
             </a:ext>
           </a:extLst>
@@ -1769,7 +1916,7 @@
               </a:defRPr>
             </a:pPr>
             <a:fld id="{1AA4DEA2-B4E1-4FB2-8ABA-11FD1E7E75FF}" type="slidenum">
-              <a:t>4</a:t>
+              <a:t>5</a:t>
             </a:fld>
             <a:endParaRPr lang="de-DE" sz="1200" b="0" i="0" u="none" strike="noStrike" kern="1200" cap="none" spc="0" baseline="0">
               <a:solidFill>
@@ -1794,7 +1941,7 @@
 </p:notes>
 </file>
 
-<file path=ppt/notesSlides/notesSlide3.xml><?xml version="1.0" encoding="utf-8"?>
+<file path=ppt/notesSlides/notesSlide4.xml><?xml version="1.0" encoding="utf-8"?>
 <p:notes xmlns:a="http://schemas.openxmlformats.org/drawingml/2006/main" xmlns:r="http://schemas.openxmlformats.org/officeDocument/2006/relationships" xmlns:p="http://schemas.openxmlformats.org/presentationml/2006/main">
   <p:cSld>
     <p:spTree>
@@ -1816,7 +1963,7 @@
           <p:cNvPr id="2" name="Folienbildplatzhalter 1">
             <a:extLst>
               <a:ext uri="{FF2B5EF4-FFF2-40B4-BE49-F238E27FC236}">
-                <a16:creationId xmlns:a16="http://schemas.microsoft.com/office/drawing/2014/main" id="{BE9B42C8-7EC7-0EB9-CA5B-2C849B8AF47F}"/>
+                <a16:creationId xmlns:a16="http://schemas.microsoft.com/office/drawing/2014/main" id="{1BD8296B-9D0B-A590-1894-71496A23F905}"/>
               </a:ext>
             </a:extLst>
           </p:cNvPr>
@@ -1839,7 +1986,7 @@
           <p:cNvPr id="3" name="Notizenplatzhalter 2">
             <a:extLst>
               <a:ext uri="{FF2B5EF4-FFF2-40B4-BE49-F238E27FC236}">
-                <a16:creationId xmlns:a16="http://schemas.microsoft.com/office/drawing/2014/main" id="{0D49AC49-0E47-6615-99F3-3E8B3B3FE106}"/>
+                <a16:creationId xmlns:a16="http://schemas.microsoft.com/office/drawing/2014/main" id="{13DEA6CB-C73F-960E-7342-6DCFE6C3A1B9}"/>
               </a:ext>
             </a:extLst>
           </p:cNvPr>
@@ -1864,7 +2011,7 @@
           <p:cNvPr id="4" name="Foliennummernplatzhalter 3">
             <a:extLst>
               <a:ext uri="{FF2B5EF4-FFF2-40B4-BE49-F238E27FC236}">
-                <a16:creationId xmlns:a16="http://schemas.microsoft.com/office/drawing/2014/main" id="{3A9584A1-3531-8A86-AD6A-484CC49B2C9E}"/>
+                <a16:creationId xmlns:a16="http://schemas.microsoft.com/office/drawing/2014/main" id="{ED052AC6-ADB8-8F91-2244-DE41D3A918FA}"/>
               </a:ext>
             </a:extLst>
           </p:cNvPr>
@@ -1909,149 +2056,7 @@
                 <a:uFillTx/>
               </a:defRPr>
             </a:pPr>
-            <a:fld id="{A8AEAA63-4B01-4438-8C8B-0389635FF789}" type="slidenum">
-              <a:t>5</a:t>
-            </a:fld>
-            <a:endParaRPr lang="de-DE" sz="1200" b="0" i="0" u="none" strike="noStrike" kern="1200" cap="none" spc="0" baseline="0">
-              <a:solidFill>
-                <a:srgbClr val="000000"/>
-              </a:solidFill>
-              <a:uFillTx/>
-              <a:latin typeface="Calibri"/>
-            </a:endParaRPr>
-          </a:p>
-        </p:txBody>
-      </p:sp>
-    </p:spTree>
-  </p:cSld>
-  <p:clrMapOvr>
-    <a:masterClrMapping/>
-  </p:clrMapOvr>
-</p:notes>
-</file>
-
-<file path=ppt/notesSlides/notesSlide4.xml><?xml version="1.0" encoding="utf-8"?>
-<p:notes xmlns:a="http://schemas.openxmlformats.org/drawingml/2006/main" xmlns:r="http://schemas.openxmlformats.org/officeDocument/2006/relationships" xmlns:p="http://schemas.openxmlformats.org/presentationml/2006/main">
-  <p:cSld>
-    <p:spTree>
-      <p:nvGrpSpPr>
-        <p:cNvPr id="1" name="">
-          <a:extLst>
-            <a:ext uri="{FF2B5EF4-FFF2-40B4-BE49-F238E27FC236}">
-              <a16:creationId xmlns:a16="http://schemas.microsoft.com/office/drawing/2014/main" id="{9D315475-9008-7D54-8217-873E49911473}"/>
-            </a:ext>
-          </a:extLst>
-        </p:cNvPr>
-        <p:cNvGrpSpPr/>
-        <p:nvPr/>
-      </p:nvGrpSpPr>
-      <p:grpSpPr>
-        <a:xfrm>
-          <a:off x="0" y="0"/>
-          <a:ext cx="0" cy="0"/>
-          <a:chOff x="0" y="0"/>
-          <a:chExt cx="0" cy="0"/>
-        </a:xfrm>
-      </p:grpSpPr>
-      <p:sp>
-        <p:nvSpPr>
-          <p:cNvPr id="2" name="Folienbildplatzhalter 1">
-            <a:extLst>
-              <a:ext uri="{FF2B5EF4-FFF2-40B4-BE49-F238E27FC236}">
-                <a16:creationId xmlns:a16="http://schemas.microsoft.com/office/drawing/2014/main" id="{FC3ECF29-9179-99FE-1D8F-E71D8C3770B2}"/>
-              </a:ext>
-            </a:extLst>
-          </p:cNvPr>
-          <p:cNvSpPr>
-            <a:spLocks noGrp="1" noRot="1" noChangeAspect="1"/>
-          </p:cNvSpPr>
-          <p:nvPr>
-            <p:ph type="sldImg"/>
-          </p:nvPr>
-        </p:nvSpPr>
-        <p:spPr>
-          <a:xfrm>
-            <a:off x="685800" y="1143000"/>
-            <a:ext cx="5486400" cy="3086100"/>
-          </a:xfrm>
-        </p:spPr>
-      </p:sp>
-      <p:sp>
-        <p:nvSpPr>
-          <p:cNvPr id="3" name="Notizenplatzhalter 2">
-            <a:extLst>
-              <a:ext uri="{FF2B5EF4-FFF2-40B4-BE49-F238E27FC236}">
-                <a16:creationId xmlns:a16="http://schemas.microsoft.com/office/drawing/2014/main" id="{6087C759-2683-84EB-1B05-31094E07BBAF}"/>
-              </a:ext>
-            </a:extLst>
-          </p:cNvPr>
-          <p:cNvSpPr txBox="1">
-            <a:spLocks noGrp="1"/>
-          </p:cNvSpPr>
-          <p:nvPr>
-            <p:ph type="body" sz="quarter" idx="1"/>
-          </p:nvPr>
-        </p:nvSpPr>
-        <p:spPr/>
-        <p:txBody>
-          <a:bodyPr/>
-          <a:lstStyle/>
-          <a:p>
-            <a:endParaRPr lang="de-DE"/>
-          </a:p>
-        </p:txBody>
-      </p:sp>
-      <p:sp>
-        <p:nvSpPr>
-          <p:cNvPr id="4" name="Foliennummernplatzhalter 3">
-            <a:extLst>
-              <a:ext uri="{FF2B5EF4-FFF2-40B4-BE49-F238E27FC236}">
-                <a16:creationId xmlns:a16="http://schemas.microsoft.com/office/drawing/2014/main" id="{CCAD9DF5-0103-9B7F-2765-108CCD52E7B3}"/>
-              </a:ext>
-            </a:extLst>
-          </p:cNvPr>
-          <p:cNvSpPr txBox="1"/>
-          <p:nvPr/>
-        </p:nvSpPr>
-        <p:spPr>
-          <a:xfrm>
-            <a:off x="3884608" y="8685208"/>
-            <a:ext cx="2971800" cy="458791"/>
-          </a:xfrm>
-          <a:prstGeom prst="rect">
-            <a:avLst/>
-          </a:prstGeom>
-          <a:noFill/>
-          <a:ln cap="flat">
-            <a:noFill/>
-          </a:ln>
-        </p:spPr>
-        <p:txBody>
-          <a:bodyPr vert="horz" wrap="square" lIns="91440" tIns="45720" rIns="91440" bIns="45720" anchor="b" anchorCtr="0" compatLnSpc="1">
-            <a:noAutofit/>
-          </a:bodyPr>
-          <a:lstStyle/>
-          <a:p>
-            <a:pPr marL="0" marR="0" lvl="0" indent="0" algn="r" defTabSz="914400" rtl="0" fontAlgn="auto" hangingPunct="1">
-              <a:lnSpc>
-                <a:spcPct val="100000"/>
-              </a:lnSpc>
-              <a:spcBef>
-                <a:spcPts val="0"/>
-              </a:spcBef>
-              <a:spcAft>
-                <a:spcPts val="0"/>
-              </a:spcAft>
-              <a:buNone/>
-              <a:tabLst/>
-              <a:defRPr sz="1800" b="0" i="0" u="none" strike="noStrike" kern="0" cap="none" spc="0" baseline="0">
-                <a:solidFill>
-                  <a:srgbClr val="000000"/>
-                </a:solidFill>
-                <a:uFillTx/>
-              </a:defRPr>
-            </a:pPr>
-            <a:fld id="{A8AEAA63-4B01-4438-8C8B-0389635FF789}" type="slidenum">
+            <a:fld id="{1AA4DEA2-B4E1-4FB2-8ABA-11FD1E7E75FF}" type="slidenum">
               <a:t>6</a:t>
             </a:fld>
             <a:endParaRPr lang="de-DE" sz="1200" b="0" i="0" u="none" strike="noStrike" kern="1200" cap="none" spc="0" baseline="0">
@@ -2065,11 +2070,6 @@
         </p:txBody>
       </p:sp>
     </p:spTree>
-    <p:extLst>
-      <p:ext uri="{BB962C8B-B14F-4D97-AF65-F5344CB8AC3E}">
-        <p14:creationId xmlns:p14="http://schemas.microsoft.com/office/powerpoint/2010/main" val="2252026389"/>
-      </p:ext>
-    </p:extLst>
   </p:cSld>
   <p:clrMapOvr>
     <a:masterClrMapping/>
@@ -19311,15 +19311,7 @@
             </a:r>
             <a:r>
               <a:rPr lang="en-US" dirty="0"/>
-              <a:t>-Tools: A </a:t>
-            </a:r>
-            <a:r>
-              <a:rPr lang="en-US" dirty="0" err="1"/>
-              <a:t>VSCode</a:t>
-            </a:r>
-            <a:r>
-              <a:rPr lang="en-US" dirty="0"/>
-              <a:t> Extension for</a:t>
+              <a:t>-Tools: A VS Code Extension for</a:t>
             </a:r>
             <a:br>
               <a:rPr lang="en-US" dirty="0"/>
@@ -19853,7 +19845,7 @@
                 <a:uFillTx/>
                 <a:latin typeface="Arial"/>
               </a:rPr>
-              <a:t>Fig 8</a:t>
+              <a:t>Fig 7</a:t>
             </a:r>
             <a:r>
               <a:rPr lang="en-US" sz="1100" dirty="0">
@@ -19932,25 +19924,18 @@
               <a:buChar char="•"/>
             </a:pPr>
             <a:r>
+              <a:rPr lang="de-DE" dirty="0" err="1"/>
+              <a:t>Autocomplete</a:t>
+            </a:r>
+            <a:r>
               <a:rPr lang="de-DE" dirty="0"/>
-              <a:t>Tooltips (</a:t>
+              <a:t> </a:t>
             </a:r>
             <a:r>
               <a:rPr lang="de-DE" dirty="0" err="1"/>
-              <a:t>syntax</a:t>
-            </a:r>
-            <a:r>
-              <a:rPr lang="de-DE" dirty="0"/>
-              <a:t> and </a:t>
-            </a:r>
-            <a:r>
-              <a:rPr lang="de-DE" dirty="0" err="1"/>
-              <a:t>documentation</a:t>
-            </a:r>
-            <a:r>
-              <a:rPr lang="de-DE" dirty="0"/>
-              <a:t>)</a:t>
-            </a:r>
+              <a:t>suggestions</a:t>
+            </a:r>
+            <a:endParaRPr lang="de-DE" dirty="0"/>
           </a:p>
           <a:p>
             <a:pPr marL="285750" indent="-285750">
@@ -19959,11 +19944,11 @@
             </a:pPr>
             <a:r>
               <a:rPr lang="de-DE" dirty="0"/>
-              <a:t>Realtime </a:t>
+              <a:t>Tooltips (</a:t>
             </a:r>
             <a:r>
               <a:rPr lang="de-DE" dirty="0" err="1"/>
-              <a:t>compilation</a:t>
+              <a:t>syntax</a:t>
             </a:r>
             <a:r>
               <a:rPr lang="de-DE" dirty="0"/>
@@ -19971,9 +19956,12 @@
             </a:r>
             <a:r>
               <a:rPr lang="de-DE" dirty="0" err="1"/>
-              <a:t>checking</a:t>
-            </a:r>
-            <a:endParaRPr lang="de-DE" dirty="0"/>
+              <a:t>documentation</a:t>
+            </a:r>
+            <a:r>
+              <a:rPr lang="de-DE" dirty="0"/>
+              <a:t>)</a:t>
+            </a:r>
           </a:p>
           <a:p>
             <a:pPr marL="285750" indent="-285750">
@@ -19981,16 +19969,20 @@
               <a:buChar char="•"/>
             </a:pPr>
             <a:r>
+              <a:rPr lang="de-DE" dirty="0"/>
+              <a:t>Realtime </a:t>
+            </a:r>
+            <a:r>
               <a:rPr lang="de-DE" dirty="0" err="1"/>
-              <a:t>Autocomplete</a:t>
+              <a:t>compilation</a:t>
             </a:r>
             <a:r>
               <a:rPr lang="de-DE" dirty="0"/>
-              <a:t> </a:t>
+              <a:t> and </a:t>
             </a:r>
             <a:r>
               <a:rPr lang="de-DE" dirty="0" err="1"/>
-              <a:t>suggestions</a:t>
+              <a:t>checking</a:t>
             </a:r>
             <a:endParaRPr lang="de-DE" dirty="0"/>
           </a:p>
@@ -20768,7 +20760,7 @@
                 <a:uFillTx/>
                 <a:latin typeface="Arial"/>
               </a:rPr>
-              <a:t>Fig 9</a:t>
+              <a:t>Fig 8</a:t>
             </a:r>
             <a:r>
               <a:rPr lang="en-US" sz="1100" dirty="0">
@@ -21925,7 +21917,7 @@
                 <a:uFillTx/>
                 <a:latin typeface="Arial"/>
               </a:rPr>
-              <a:t>Fig. 10</a:t>
+              <a:t>Fig. 9</a:t>
             </a:r>
             <a:r>
               <a:rPr lang="en-US" sz="1100" dirty="0">
@@ -25009,7 +25001,7 @@
                 <a:uFillTx/>
                 <a:latin typeface="Arial"/>
               </a:rPr>
-              <a:t>Fig. 11</a:t>
+              <a:t>Fig. 10</a:t>
             </a:r>
             <a:r>
               <a:rPr lang="en-US" sz="1100" dirty="0">
@@ -25770,7 +25762,7 @@
                 <a:uFillTx/>
                 <a:latin typeface="Arial"/>
               </a:rPr>
-              <a:t>Fig. 12</a:t>
+              <a:t>Fig. 11</a:t>
             </a:r>
             <a:r>
               <a:rPr lang="en-US" sz="1100" dirty="0">
@@ -26234,7 +26226,7 @@
                 <a:uFillTx/>
                 <a:latin typeface="Arial"/>
               </a:rPr>
-              <a:t>Fig. 13</a:t>
+              <a:t>Fig. 12</a:t>
             </a:r>
             <a:r>
               <a:rPr lang="en-US" sz="1100" dirty="0">
@@ -26900,7 +26892,62 @@
                   <a:schemeClr val="tx1"/>
                 </a:solidFill>
               </a:rPr>
-              <a:t>, from https://code.visualstudio.com/api/extension-guides/debugger-extension</a:t>
+              <a:t>, from </a:t>
+            </a:r>
+            <a:r>
+              <a:rPr lang="en-US" dirty="0">
+                <a:solidFill>
+                  <a:schemeClr val="tx1"/>
+                </a:solidFill>
+                <a:hlinkClick r:id="rId2"/>
+              </a:rPr>
+              <a:t>https://code.visualstudio.com/api/extension-guides/debugger-extension</a:t>
+            </a:r>
+            <a:endParaRPr lang="en-US" dirty="0">
+              <a:solidFill>
+                <a:schemeClr val="tx1"/>
+              </a:solidFill>
+            </a:endParaRPr>
+          </a:p>
+          <a:p>
+            <a:pPr marL="0" lvl="0" indent="0">
+              <a:lnSpc>
+                <a:spcPct val="100000"/>
+              </a:lnSpc>
+              <a:spcBef>
+                <a:spcPts val="0"/>
+              </a:spcBef>
+              <a:buNone/>
+              <a:defRPr sz="1800" b="0" i="0" u="none" strike="noStrike" kern="0" cap="none" spc="0" baseline="0">
+                <a:solidFill>
+                  <a:srgbClr val="000000"/>
+                </a:solidFill>
+                <a:uFillTx/>
+              </a:defRPr>
+            </a:pPr>
+            <a:r>
+              <a:rPr lang="en-US" dirty="0">
+                <a:solidFill>
+                  <a:schemeClr val="tx1"/>
+                </a:solidFill>
+              </a:rPr>
+              <a:t>[6]: </a:t>
+            </a:r>
+            <a:r>
+              <a:rPr lang="en-US" dirty="0" err="1">
+                <a:solidFill>
+                  <a:schemeClr val="tx1"/>
+                </a:solidFill>
+              </a:rPr>
+              <a:t>ReTI</a:t>
+            </a:r>
+            <a:r>
+              <a:rPr lang="en-US" dirty="0">
+                <a:solidFill>
+                  <a:schemeClr val="tx1"/>
+                </a:solidFill>
+              </a:rPr>
+              <a:t>-Tools by Malte Pullich, https://github.com/mlt279/vscode-reti</a:t>
             </a:r>
           </a:p>
           <a:p>
@@ -27042,6 +27089,28 @@
                   <a:srgbClr val="344A9A"/>
                 </a:solidFill>
               </a:rPr>
+              <a:t>Background: </a:t>
+            </a:r>
+            <a:r>
+              <a:rPr lang="en-US" dirty="0" err="1"/>
+              <a:t>ReTI</a:t>
+            </a:r>
+            <a:r>
+              <a:rPr lang="en-US" dirty="0"/>
+              <a:t> Architecture and Differences between both Versions</a:t>
+            </a:r>
+          </a:p>
+          <a:p>
+            <a:pPr marL="342900" indent="-342900">
+              <a:buFont typeface="Arial" pitchFamily="34"/>
+              <a:buAutoNum type="arabicPeriod"/>
+            </a:pPr>
+            <a:r>
+              <a:rPr lang="en-US" b="1" dirty="0">
+                <a:solidFill>
+                  <a:srgbClr val="344A9A"/>
+                </a:solidFill>
+              </a:rPr>
               <a:t>Motivation: </a:t>
             </a:r>
             <a:r>
@@ -27052,27 +27121,7 @@
               </a:rPr>
               <a:t>State of the Art and Usage</a:t>
             </a:r>
-          </a:p>
-          <a:p>
-            <a:pPr marL="342900" lvl="0" indent="-342900">
-              <a:buAutoNum type="arabicPeriod"/>
-            </a:pPr>
-            <a:r>
-              <a:rPr lang="en-US" b="1" dirty="0">
-                <a:solidFill>
-                  <a:srgbClr val="344A9A"/>
-                </a:solidFill>
-              </a:rPr>
-              <a:t>Background: </a:t>
-            </a:r>
-            <a:r>
-              <a:rPr lang="en-US" dirty="0" err="1"/>
-              <a:t>ReTI</a:t>
-            </a:r>
-            <a:r>
-              <a:rPr lang="en-US" dirty="0"/>
-              <a:t> Architecture and Differences between both Versions</a:t>
-            </a:r>
+            <a:endParaRPr lang="en-US" dirty="0"/>
           </a:p>
           <a:p>
             <a:pPr marL="342900" lvl="0" indent="-342900">
@@ -27439,7 +27488,7 @@
 
 <file path=ppt/slides/slide3.xml><?xml version="1.0" encoding="utf-8"?>
 <p:sld xmlns:a="http://schemas.openxmlformats.org/drawingml/2006/main" xmlns:r="http://schemas.openxmlformats.org/officeDocument/2006/relationships" xmlns:p="http://schemas.openxmlformats.org/presentationml/2006/main">
-  <p:cSld name="Slide8">
+  <p:cSld name="Slide31">
     <p:spTree>
       <p:nvGrpSpPr>
         <p:cNvPr id="1" name=""/>
@@ -27456,49 +27505,10 @@
       </p:grpSpPr>
       <p:sp>
         <p:nvSpPr>
-          <p:cNvPr id="2" name="Titel 6">
-            <a:extLst>
-              <a:ext uri="{FF2B5EF4-FFF2-40B4-BE49-F238E27FC236}">
-                <a16:creationId xmlns:a16="http://schemas.microsoft.com/office/drawing/2014/main" id="{6CA760F3-0AF4-A986-DD94-DA8B601214FF}"/>
-              </a:ext>
-            </a:extLst>
-          </p:cNvPr>
-          <p:cNvSpPr txBox="1">
-            <a:spLocks noGrp="1"/>
-          </p:cNvSpPr>
-          <p:nvPr>
-            <p:ph type="title"/>
-          </p:nvPr>
-        </p:nvSpPr>
-        <p:spPr>
-          <a:xfrm>
-            <a:off x="442917" y="365129"/>
-            <a:ext cx="11341102" cy="361709"/>
-          </a:xfrm>
-        </p:spPr>
-        <p:txBody>
-          <a:bodyPr/>
-          <a:lstStyle/>
-          <a:p>
-            <a:pPr lvl="0"/>
-            <a:r>
-              <a:rPr lang="en-US"/>
-              <a:t>Motivation</a:t>
-            </a:r>
-            <a:endParaRPr lang="en-US">
-              <a:solidFill>
-                <a:srgbClr val="000000"/>
-              </a:solidFill>
-            </a:endParaRPr>
-          </a:p>
-        </p:txBody>
-      </p:sp>
-      <p:sp>
-        <p:nvSpPr>
-          <p:cNvPr id="3" name="Datumsplatzhalter 3">
-            <a:extLst>
-              <a:ext uri="{FF2B5EF4-FFF2-40B4-BE49-F238E27FC236}">
-                <a16:creationId xmlns:a16="http://schemas.microsoft.com/office/drawing/2014/main" id="{700A7EAA-C623-6B35-8354-5432F79D1980}"/>
+          <p:cNvPr id="2" name="Datumsplatzhalter 3">
+            <a:extLst>
+              <a:ext uri="{FF2B5EF4-FFF2-40B4-BE49-F238E27FC236}">
+                <a16:creationId xmlns:a16="http://schemas.microsoft.com/office/drawing/2014/main" id="{F8777A55-B31E-D026-E477-88053EFB7BE4}"/>
               </a:ext>
             </a:extLst>
           </p:cNvPr>
@@ -27543,7 +27553,484 @@
                 <a:uFillTx/>
               </a:defRPr>
             </a:pPr>
-            <a:fld id="{27D67F97-4545-442D-B0E5-FFE75471992B}" type="datetime4">
+            <a:fld id="{B17F62CB-A6D3-42C7-9FE0-43D9137E7D6C}" type="datetime4">
+              <a:rPr lang="en-US" sz="900" b="0" i="0" u="none" strike="noStrike" kern="1200" cap="none" spc="0" baseline="0">
+                <a:solidFill>
+                  <a:srgbClr val="344A9A"/>
+                </a:solidFill>
+                <a:uFillTx/>
+                <a:latin typeface="Arial" pitchFamily="34"/>
+                <a:cs typeface="Arial" pitchFamily="34"/>
+              </a:rPr>
+              <a:pPr marL="0" marR="0" lvl="0" indent="0" algn="l" defTabSz="914400" rtl="0" fontAlgn="auto" hangingPunct="1">
+                <a:lnSpc>
+                  <a:spcPct val="100000"/>
+                </a:lnSpc>
+                <a:spcBef>
+                  <a:spcPts val="0"/>
+                </a:spcBef>
+                <a:spcAft>
+                  <a:spcPts val="0"/>
+                </a:spcAft>
+                <a:buNone/>
+                <a:tabLst/>
+                <a:defRPr sz="1800" b="0" i="0" u="none" strike="noStrike" kern="0" cap="none" spc="0" baseline="0">
+                  <a:solidFill>
+                    <a:srgbClr val="000000"/>
+                  </a:solidFill>
+                  <a:uFillTx/>
+                </a:defRPr>
+              </a:pPr>
+              <a:t>November 12, 2025</a:t>
+            </a:fld>
+            <a:endParaRPr lang="en-US" sz="900" b="0" i="0" u="none" strike="noStrike" kern="1200" cap="none" spc="0" baseline="0" dirty="0">
+              <a:solidFill>
+                <a:srgbClr val="344A9A"/>
+              </a:solidFill>
+              <a:uFillTx/>
+              <a:latin typeface="Arial" pitchFamily="34"/>
+              <a:cs typeface="Arial" pitchFamily="34"/>
+            </a:endParaRPr>
+          </a:p>
+        </p:txBody>
+      </p:sp>
+      <p:sp>
+        <p:nvSpPr>
+          <p:cNvPr id="3" name="Fußzeilenplatzhalter 4">
+            <a:extLst>
+              <a:ext uri="{FF2B5EF4-FFF2-40B4-BE49-F238E27FC236}">
+                <a16:creationId xmlns:a16="http://schemas.microsoft.com/office/drawing/2014/main" id="{7FB79E39-C4E2-3BDA-5765-4A2160EA8262}"/>
+              </a:ext>
+            </a:extLst>
+          </p:cNvPr>
+          <p:cNvSpPr txBox="1"/>
+          <p:nvPr/>
+        </p:nvSpPr>
+        <p:spPr>
+          <a:xfrm>
+            <a:off x="2980797" y="6462000"/>
+            <a:ext cx="6263996" cy="179999"/>
+          </a:xfrm>
+          <a:prstGeom prst="rect">
+            <a:avLst/>
+          </a:prstGeom>
+          <a:noFill/>
+          <a:ln cap="flat">
+            <a:noFill/>
+          </a:ln>
+        </p:spPr>
+        <p:txBody>
+          <a:bodyPr vert="horz" wrap="square" lIns="0" tIns="0" rIns="0" bIns="0" anchor="t" anchorCtr="0" compatLnSpc="1">
+            <a:noAutofit/>
+          </a:bodyPr>
+          <a:lstStyle/>
+          <a:p>
+            <a:pPr lvl="0" algn="r">
+              <a:defRPr sz="1800" b="0" i="0" u="none" strike="noStrike" kern="0" cap="none" spc="0" baseline="0">
+                <a:solidFill>
+                  <a:srgbClr val="000000"/>
+                </a:solidFill>
+                <a:uFillTx/>
+              </a:defRPr>
+            </a:pPr>
+            <a:r>
+              <a:rPr lang="en-US" sz="900" dirty="0">
+                <a:solidFill>
+                  <a:srgbClr val="344A9A"/>
+                </a:solidFill>
+                <a:latin typeface="Arial" pitchFamily="34"/>
+                <a:cs typeface="Arial" pitchFamily="34"/>
+              </a:rPr>
+              <a:t>Albert-Ludwigs-Universität Freiburg | </a:t>
+            </a:r>
+            <a:r>
+              <a:rPr lang="en-US" sz="900" dirty="0" err="1">
+                <a:solidFill>
+                  <a:srgbClr val="344A9A"/>
+                </a:solidFill>
+                <a:latin typeface="Arial" pitchFamily="34"/>
+                <a:cs typeface="Arial" pitchFamily="34"/>
+              </a:rPr>
+              <a:t>ReTI</a:t>
+            </a:r>
+            <a:r>
+              <a:rPr lang="en-US" sz="900" dirty="0">
+                <a:solidFill>
+                  <a:srgbClr val="344A9A"/>
+                </a:solidFill>
+                <a:latin typeface="Arial" pitchFamily="34"/>
+                <a:cs typeface="Arial" pitchFamily="34"/>
+              </a:rPr>
+              <a:t>-Tools: A </a:t>
+            </a:r>
+            <a:r>
+              <a:rPr lang="en-US" sz="900" dirty="0" err="1">
+                <a:solidFill>
+                  <a:srgbClr val="344A9A"/>
+                </a:solidFill>
+                <a:latin typeface="Arial" pitchFamily="34"/>
+                <a:cs typeface="Arial" pitchFamily="34"/>
+              </a:rPr>
+              <a:t>VSCode</a:t>
+            </a:r>
+            <a:r>
+              <a:rPr lang="en-US" sz="900" dirty="0">
+                <a:solidFill>
+                  <a:srgbClr val="344A9A"/>
+                </a:solidFill>
+                <a:latin typeface="Arial" pitchFamily="34"/>
+                <a:cs typeface="Arial" pitchFamily="34"/>
+              </a:rPr>
+              <a:t> Extension for </a:t>
+            </a:r>
+            <a:r>
+              <a:rPr lang="en-US" sz="900" dirty="0" err="1">
+                <a:solidFill>
+                  <a:srgbClr val="344A9A"/>
+                </a:solidFill>
+                <a:latin typeface="Arial" pitchFamily="34"/>
+                <a:cs typeface="Arial" pitchFamily="34"/>
+              </a:rPr>
+              <a:t>ReTI</a:t>
+            </a:r>
+            <a:r>
+              <a:rPr lang="en-US" sz="900" dirty="0">
+                <a:solidFill>
+                  <a:srgbClr val="344A9A"/>
+                </a:solidFill>
+                <a:latin typeface="Arial" pitchFamily="34"/>
+                <a:cs typeface="Arial" pitchFamily="34"/>
+              </a:rPr>
+              <a:t> Assembly Programming |</a:t>
+            </a:r>
+          </a:p>
+        </p:txBody>
+      </p:sp>
+      <p:sp>
+        <p:nvSpPr>
+          <p:cNvPr id="4" name="Foliennummernplatzhalter 5">
+            <a:extLst>
+              <a:ext uri="{FF2B5EF4-FFF2-40B4-BE49-F238E27FC236}">
+                <a16:creationId xmlns:a16="http://schemas.microsoft.com/office/drawing/2014/main" id="{96550627-6498-7D00-648F-9802DA0DFB60}"/>
+              </a:ext>
+            </a:extLst>
+          </p:cNvPr>
+          <p:cNvSpPr txBox="1"/>
+          <p:nvPr/>
+        </p:nvSpPr>
+        <p:spPr>
+          <a:xfrm>
+            <a:off x="11424010" y="6462311"/>
+            <a:ext cx="359999" cy="179999"/>
+          </a:xfrm>
+          <a:prstGeom prst="rect">
+            <a:avLst/>
+          </a:prstGeom>
+          <a:noFill/>
+          <a:ln cap="flat">
+            <a:noFill/>
+          </a:ln>
+        </p:spPr>
+        <p:txBody>
+          <a:bodyPr vert="horz" wrap="square" lIns="0" tIns="0" rIns="0" bIns="0" anchor="t" anchorCtr="0" compatLnSpc="1">
+            <a:noAutofit/>
+          </a:bodyPr>
+          <a:lstStyle/>
+          <a:p>
+            <a:pPr marL="0" marR="0" lvl="0" indent="0" algn="r" defTabSz="914400" rtl="0" fontAlgn="auto" hangingPunct="1">
+              <a:lnSpc>
+                <a:spcPct val="100000"/>
+              </a:lnSpc>
+              <a:spcBef>
+                <a:spcPts val="0"/>
+              </a:spcBef>
+              <a:spcAft>
+                <a:spcPts val="0"/>
+              </a:spcAft>
+              <a:buNone/>
+              <a:tabLst/>
+              <a:defRPr sz="1800" b="0" i="0" u="none" strike="noStrike" kern="0" cap="none" spc="0" baseline="0">
+                <a:solidFill>
+                  <a:srgbClr val="000000"/>
+                </a:solidFill>
+                <a:uFillTx/>
+              </a:defRPr>
+            </a:pPr>
+            <a:fld id="{554DAC00-2F27-4FC3-8A41-F99783442A22}" type="slidenum">
+              <a:rPr/>
+              <a:t>3</a:t>
+            </a:fld>
+            <a:endParaRPr lang="en-US" sz="900" b="0" i="0" u="none" strike="noStrike" kern="1200" cap="none" spc="0" baseline="0">
+              <a:solidFill>
+                <a:srgbClr val="344A9A"/>
+              </a:solidFill>
+              <a:uFillTx/>
+              <a:latin typeface="Arial" pitchFamily="34"/>
+              <a:cs typeface="Arial" pitchFamily="34"/>
+            </a:endParaRPr>
+          </a:p>
+        </p:txBody>
+      </p:sp>
+      <p:pic>
+        <p:nvPicPr>
+          <p:cNvPr id="5" name="Picture 9">
+            <a:extLst>
+              <a:ext uri="{FF2B5EF4-FFF2-40B4-BE49-F238E27FC236}">
+                <a16:creationId xmlns:a16="http://schemas.microsoft.com/office/drawing/2014/main" id="{82DEAFB8-A703-5E8B-6F1D-B3A704D9A43D}"/>
+              </a:ext>
+            </a:extLst>
+          </p:cNvPr>
+          <p:cNvPicPr>
+            <a:picLocks noChangeAspect="1"/>
+          </p:cNvPicPr>
+          <p:nvPr/>
+        </p:nvPicPr>
+        <p:blipFill>
+          <a:blip r:embed="rId3"/>
+          <a:srcRect l="3047" t="5084" r="4969" b="1627"/>
+          <a:stretch>
+            <a:fillRect/>
+          </a:stretch>
+        </p:blipFill>
+        <p:spPr>
+          <a:xfrm>
+            <a:off x="2240711" y="1212618"/>
+            <a:ext cx="7744168" cy="4820051"/>
+          </a:xfrm>
+          <a:prstGeom prst="rect">
+            <a:avLst/>
+          </a:prstGeom>
+          <a:noFill/>
+          <a:ln cap="flat">
+            <a:noFill/>
+          </a:ln>
+        </p:spPr>
+      </p:pic>
+      <p:sp>
+        <p:nvSpPr>
+          <p:cNvPr id="6" name="TextBox 10">
+            <a:extLst>
+              <a:ext uri="{FF2B5EF4-FFF2-40B4-BE49-F238E27FC236}">
+                <a16:creationId xmlns:a16="http://schemas.microsoft.com/office/drawing/2014/main" id="{529E8020-11E7-73F3-E1E7-66BB3778D567}"/>
+              </a:ext>
+            </a:extLst>
+          </p:cNvPr>
+          <p:cNvSpPr txBox="1"/>
+          <p:nvPr/>
+        </p:nvSpPr>
+        <p:spPr>
+          <a:xfrm>
+            <a:off x="2240711" y="5985724"/>
+            <a:ext cx="5855114" cy="261610"/>
+          </a:xfrm>
+          <a:prstGeom prst="rect">
+            <a:avLst/>
+          </a:prstGeom>
+          <a:noFill/>
+          <a:ln cap="flat">
+            <a:noFill/>
+          </a:ln>
+        </p:spPr>
+        <p:txBody>
+          <a:bodyPr vert="horz" wrap="square" lIns="91440" tIns="45720" rIns="91440" bIns="45720" anchor="t" anchorCtr="0" compatLnSpc="1">
+            <a:spAutoFit/>
+          </a:bodyPr>
+          <a:lstStyle/>
+          <a:p>
+            <a:pPr lvl="0">
+              <a:defRPr sz="1800" b="0" i="0" u="none" strike="noStrike" kern="0" cap="none" spc="0" baseline="0">
+                <a:solidFill>
+                  <a:srgbClr val="000000"/>
+                </a:solidFill>
+                <a:uFillTx/>
+              </a:defRPr>
+            </a:pPr>
+            <a:r>
+              <a:rPr lang="en-US" sz="1100" b="0" i="0" u="none" strike="noStrike" kern="1200" cap="none" spc="0" baseline="0" dirty="0">
+                <a:solidFill>
+                  <a:srgbClr val="344A9A"/>
+                </a:solidFill>
+                <a:uFillTx/>
+                <a:latin typeface="Arial"/>
+              </a:rPr>
+              <a:t>Fig </a:t>
+            </a:r>
+            <a:r>
+              <a:rPr lang="en-US" sz="1100" dirty="0">
+                <a:solidFill>
+                  <a:srgbClr val="344A9A"/>
+                </a:solidFill>
+                <a:latin typeface="Arial"/>
+              </a:rPr>
+              <a:t>1: Abstract </a:t>
+            </a:r>
+            <a:r>
+              <a:rPr lang="en-US" sz="1100" dirty="0" err="1">
+                <a:solidFill>
+                  <a:srgbClr val="344A9A"/>
+                </a:solidFill>
+                <a:latin typeface="Arial"/>
+              </a:rPr>
+              <a:t>ReTI</a:t>
+            </a:r>
+            <a:r>
+              <a:rPr lang="en-US" sz="1100" dirty="0">
+                <a:solidFill>
+                  <a:srgbClr val="344A9A"/>
+                </a:solidFill>
+                <a:latin typeface="Arial"/>
+              </a:rPr>
+              <a:t> </a:t>
+            </a:r>
+            <a:r>
+              <a:rPr lang="en-US" sz="1100" b="0" i="0" u="none" strike="noStrike" kern="1200" cap="none" spc="0" baseline="0" dirty="0">
+                <a:solidFill>
+                  <a:srgbClr val="344A9A"/>
+                </a:solidFill>
+                <a:uFillTx/>
+                <a:latin typeface="Arial"/>
+              </a:rPr>
+              <a:t>architecture </a:t>
+            </a:r>
+            <a:r>
+              <a:rPr lang="en-US" sz="1100" dirty="0">
+                <a:solidFill>
+                  <a:srgbClr val="344A9A"/>
+                </a:solidFill>
+              </a:rPr>
+              <a:t>[2]</a:t>
+            </a:r>
+            <a:endParaRPr lang="en-US" sz="1100" b="0" i="0" u="none" strike="noStrike" kern="1200" cap="none" spc="0" baseline="0" dirty="0">
+              <a:solidFill>
+                <a:srgbClr val="344A9A"/>
+              </a:solidFill>
+              <a:uFillTx/>
+              <a:latin typeface="Arial"/>
+            </a:endParaRPr>
+          </a:p>
+        </p:txBody>
+      </p:sp>
+      <p:sp>
+        <p:nvSpPr>
+          <p:cNvPr id="9" name="Titel 6">
+            <a:extLst>
+              <a:ext uri="{FF2B5EF4-FFF2-40B4-BE49-F238E27FC236}">
+                <a16:creationId xmlns:a16="http://schemas.microsoft.com/office/drawing/2014/main" id="{049244EC-F49A-E530-60A3-922015CFD33A}"/>
+              </a:ext>
+            </a:extLst>
+          </p:cNvPr>
+          <p:cNvSpPr txBox="1">
+            <a:spLocks noGrp="1"/>
+          </p:cNvSpPr>
+          <p:nvPr>
+            <p:ph type="title"/>
+          </p:nvPr>
+        </p:nvSpPr>
+        <p:spPr>
+          <a:xfrm>
+            <a:off x="442917" y="365129"/>
+            <a:ext cx="11341102" cy="361709"/>
+          </a:xfrm>
+        </p:spPr>
+        <p:txBody>
+          <a:bodyPr/>
+          <a:lstStyle/>
+          <a:p>
+            <a:pPr lvl="0"/>
+            <a:r>
+              <a:rPr lang="en-US"/>
+              <a:t>ReTi-Architecture</a:t>
+            </a:r>
+            <a:endParaRPr lang="en-US">
+              <a:solidFill>
+                <a:srgbClr val="000000"/>
+              </a:solidFill>
+            </a:endParaRPr>
+          </a:p>
+        </p:txBody>
+      </p:sp>
+    </p:spTree>
+  </p:cSld>
+  <p:clrMapOvr>
+    <a:masterClrMapping/>
+  </p:clrMapOvr>
+</p:sld>
+</file>
+
+<file path=ppt/slides/slide4.xml><?xml version="1.0" encoding="utf-8"?>
+<p:sld xmlns:a="http://schemas.openxmlformats.org/drawingml/2006/main" xmlns:r="http://schemas.openxmlformats.org/officeDocument/2006/relationships" xmlns:p="http://schemas.openxmlformats.org/presentationml/2006/main">
+  <p:cSld>
+    <p:spTree>
+      <p:nvGrpSpPr>
+        <p:cNvPr id="1" name="">
+          <a:extLst>
+            <a:ext uri="{FF2B5EF4-FFF2-40B4-BE49-F238E27FC236}">
+              <a16:creationId xmlns:a16="http://schemas.microsoft.com/office/drawing/2014/main" id="{04F12B48-53A4-F710-2A77-1EFAD6D038B8}"/>
+            </a:ext>
+          </a:extLst>
+        </p:cNvPr>
+        <p:cNvGrpSpPr/>
+        <p:nvPr/>
+      </p:nvGrpSpPr>
+      <p:grpSpPr>
+        <a:xfrm>
+          <a:off x="0" y="0"/>
+          <a:ext cx="0" cy="0"/>
+          <a:chOff x="0" y="0"/>
+          <a:chExt cx="0" cy="0"/>
+        </a:xfrm>
+      </p:grpSpPr>
+      <p:sp>
+        <p:nvSpPr>
+          <p:cNvPr id="2" name="Datumsplatzhalter 3">
+            <a:extLst>
+              <a:ext uri="{FF2B5EF4-FFF2-40B4-BE49-F238E27FC236}">
+                <a16:creationId xmlns:a16="http://schemas.microsoft.com/office/drawing/2014/main" id="{16D84F0A-24CA-8294-5203-4E5D48206D5E}"/>
+              </a:ext>
+            </a:extLst>
+          </p:cNvPr>
+          <p:cNvSpPr txBox="1"/>
+          <p:nvPr/>
+        </p:nvSpPr>
+        <p:spPr>
+          <a:xfrm>
+            <a:off x="9248095" y="6462000"/>
+            <a:ext cx="1439997" cy="179999"/>
+          </a:xfrm>
+          <a:prstGeom prst="rect">
+            <a:avLst/>
+          </a:prstGeom>
+          <a:noFill/>
+          <a:ln cap="flat">
+            <a:noFill/>
+          </a:ln>
+        </p:spPr>
+        <p:txBody>
+          <a:bodyPr vert="horz" wrap="square" lIns="35999" tIns="0" rIns="0" bIns="0" anchor="t" anchorCtr="0" compatLnSpc="1">
+            <a:noAutofit/>
+          </a:bodyPr>
+          <a:lstStyle/>
+          <a:p>
+            <a:pPr marL="0" marR="0" lvl="0" indent="0" algn="l" defTabSz="914400" rtl="0" fontAlgn="auto" hangingPunct="1">
+              <a:lnSpc>
+                <a:spcPct val="100000"/>
+              </a:lnSpc>
+              <a:spcBef>
+                <a:spcPts val="0"/>
+              </a:spcBef>
+              <a:spcAft>
+                <a:spcPts val="0"/>
+              </a:spcAft>
+              <a:buNone/>
+              <a:tabLst/>
+              <a:defRPr sz="1800" b="0" i="0" u="none" strike="noStrike" kern="0" cap="none" spc="0" baseline="0">
+                <a:solidFill>
+                  <a:srgbClr val="000000"/>
+                </a:solidFill>
+                <a:uFillTx/>
+              </a:defRPr>
+            </a:pPr>
+            <a:fld id="{B17F62CB-A6D3-42C7-9FE0-43D9137E7D6C}" type="datetime4">
               <a:rPr lang="en-US" sz="900" b="0" i="0" u="none" strike="noStrike" kern="1200" cap="none" spc="0" baseline="0">
                 <a:solidFill>
                   <a:srgbClr val="344A9A"/>
@@ -27586,10 +28073,10 @@
       </p:sp>
       <p:sp>
         <p:nvSpPr>
-          <p:cNvPr id="4" name="Fußzeilenplatzhalter 4">
-            <a:extLst>
-              <a:ext uri="{FF2B5EF4-FFF2-40B4-BE49-F238E27FC236}">
-                <a16:creationId xmlns:a16="http://schemas.microsoft.com/office/drawing/2014/main" id="{5369D3B9-D244-AF0A-C79F-49190350A44A}"/>
+          <p:cNvPr id="3" name="Fußzeilenplatzhalter 4">
+            <a:extLst>
+              <a:ext uri="{FF2B5EF4-FFF2-40B4-BE49-F238E27FC236}">
+                <a16:creationId xmlns:a16="http://schemas.microsoft.com/office/drawing/2014/main" id="{9ABE13ED-D017-3323-95AE-43443EED44A0}"/>
               </a:ext>
             </a:extLst>
           </p:cNvPr>
@@ -27698,10 +28185,10 @@
       </p:sp>
       <p:sp>
         <p:nvSpPr>
-          <p:cNvPr id="5" name="Foliennummernplatzhalter 5">
-            <a:extLst>
-              <a:ext uri="{FF2B5EF4-FFF2-40B4-BE49-F238E27FC236}">
-                <a16:creationId xmlns:a16="http://schemas.microsoft.com/office/drawing/2014/main" id="{653B225A-F092-B1A4-33DD-5F3E4A0B83EF}"/>
+          <p:cNvPr id="4" name="Foliennummernplatzhalter 5">
+            <a:extLst>
+              <a:ext uri="{FF2B5EF4-FFF2-40B4-BE49-F238E27FC236}">
+                <a16:creationId xmlns:a16="http://schemas.microsoft.com/office/drawing/2014/main" id="{A29BE55B-E2B0-78CB-3A44-6D02C8818A2C}"/>
               </a:ext>
             </a:extLst>
           </p:cNvPr>
@@ -27746,2330 +28233,9 @@
                 <a:uFillTx/>
               </a:defRPr>
             </a:pPr>
-            <a:fld id="{F90024A3-8795-48F5-A2E6-DADFA7309283}" type="slidenum">
-              <a:rPr/>
-              <a:t>3</a:t>
-            </a:fld>
-            <a:endParaRPr lang="en-US" sz="900" b="0" i="0" u="none" strike="noStrike" kern="1200" cap="none" spc="0" baseline="0">
-              <a:solidFill>
-                <a:srgbClr val="344A9A"/>
-              </a:solidFill>
-              <a:uFillTx/>
-              <a:latin typeface="Arial" pitchFamily="34"/>
-              <a:cs typeface="Arial" pitchFamily="34"/>
-            </a:endParaRPr>
-          </a:p>
-        </p:txBody>
-      </p:sp>
-      <p:sp>
-        <p:nvSpPr>
-          <p:cNvPr id="6" name="AutoShape 2">
-            <a:extLst>
-              <a:ext uri="{FF2B5EF4-FFF2-40B4-BE49-F238E27FC236}">
-                <a16:creationId xmlns:a16="http://schemas.microsoft.com/office/drawing/2014/main" id="{9F03BB43-EE4B-C10C-E303-CF56B4DB2B8A}"/>
-              </a:ext>
-            </a:extLst>
-          </p:cNvPr>
-          <p:cNvSpPr/>
-          <p:nvPr/>
-        </p:nvSpPr>
-        <p:spPr>
-          <a:xfrm>
-            <a:off x="5943600" y="3276596"/>
-            <a:ext cx="304796" cy="304796"/>
-          </a:xfrm>
-          <a:prstGeom prst="rect">
-            <a:avLst/>
-          </a:prstGeom>
-          <a:noFill/>
-          <a:ln cap="flat">
-            <a:noFill/>
-            <a:prstDash val="solid"/>
-          </a:ln>
-        </p:spPr>
-        <p:txBody>
-          <a:bodyPr vert="horz" wrap="square" lIns="91440" tIns="45720" rIns="91440" bIns="45720" anchor="t" anchorCtr="0" compatLnSpc="1">
-            <a:noAutofit/>
-          </a:bodyPr>
-          <a:lstStyle/>
-          <a:p>
-            <a:pPr marL="0" marR="0" lvl="0" indent="0" algn="l" defTabSz="914400" rtl="0" fontAlgn="auto" hangingPunct="1">
-              <a:lnSpc>
-                <a:spcPct val="100000"/>
-              </a:lnSpc>
-              <a:spcBef>
-                <a:spcPts val="0"/>
-              </a:spcBef>
-              <a:spcAft>
-                <a:spcPts val="0"/>
-              </a:spcAft>
-              <a:buNone/>
-              <a:tabLst/>
-              <a:defRPr sz="1800" b="0" i="0" u="none" strike="noStrike" kern="0" cap="none" spc="0" baseline="0">
-                <a:solidFill>
-                  <a:srgbClr val="000000"/>
-                </a:solidFill>
-                <a:uFillTx/>
-              </a:defRPr>
-            </a:pPr>
-            <a:endParaRPr lang="de-DE" sz="1800" b="0" i="0" u="none" strike="noStrike" kern="1200" cap="none" spc="0" baseline="0">
-              <a:solidFill>
-                <a:srgbClr val="000000"/>
-              </a:solidFill>
-              <a:uFillTx/>
-              <a:latin typeface="Calibri"/>
-            </a:endParaRPr>
-          </a:p>
-        </p:txBody>
-      </p:sp>
-      <p:sp>
-        <p:nvSpPr>
-          <p:cNvPr id="7" name="AutoShape 4">
-            <a:extLst>
-              <a:ext uri="{FF2B5EF4-FFF2-40B4-BE49-F238E27FC236}">
-                <a16:creationId xmlns:a16="http://schemas.microsoft.com/office/drawing/2014/main" id="{A25180CC-3D38-7EA1-B59E-B8BD964C550D}"/>
-              </a:ext>
-            </a:extLst>
-          </p:cNvPr>
-          <p:cNvSpPr/>
-          <p:nvPr/>
-        </p:nvSpPr>
-        <p:spPr>
-          <a:xfrm>
-            <a:off x="6096003" y="3429000"/>
-            <a:ext cx="304796" cy="304796"/>
-          </a:xfrm>
-          <a:prstGeom prst="rect">
-            <a:avLst/>
-          </a:prstGeom>
-          <a:noFill/>
-          <a:ln cap="flat">
-            <a:noFill/>
-            <a:prstDash val="solid"/>
-          </a:ln>
-        </p:spPr>
-        <p:txBody>
-          <a:bodyPr vert="horz" wrap="square" lIns="91440" tIns="45720" rIns="91440" bIns="45720" anchor="t" anchorCtr="0" compatLnSpc="1">
-            <a:noAutofit/>
-          </a:bodyPr>
-          <a:lstStyle/>
-          <a:p>
-            <a:pPr marL="0" marR="0" lvl="0" indent="0" algn="l" defTabSz="914400" rtl="0" fontAlgn="auto" hangingPunct="1">
-              <a:lnSpc>
-                <a:spcPct val="100000"/>
-              </a:lnSpc>
-              <a:spcBef>
-                <a:spcPts val="0"/>
-              </a:spcBef>
-              <a:spcAft>
-                <a:spcPts val="0"/>
-              </a:spcAft>
-              <a:buNone/>
-              <a:tabLst/>
-              <a:defRPr sz="1800" b="0" i="0" u="none" strike="noStrike" kern="0" cap="none" spc="0" baseline="0">
-                <a:solidFill>
-                  <a:srgbClr val="000000"/>
-                </a:solidFill>
-                <a:uFillTx/>
-              </a:defRPr>
-            </a:pPr>
-            <a:endParaRPr lang="de-DE" sz="1800" b="0" i="0" u="none" strike="noStrike" kern="1200" cap="none" spc="0" baseline="0">
-              <a:solidFill>
-                <a:srgbClr val="000000"/>
-              </a:solidFill>
-              <a:uFillTx/>
-              <a:latin typeface="Calibri"/>
-            </a:endParaRPr>
-          </a:p>
-        </p:txBody>
-      </p:sp>
-      <p:sp>
-        <p:nvSpPr>
-          <p:cNvPr id="8" name="AutoShape 6">
-            <a:extLst>
-              <a:ext uri="{FF2B5EF4-FFF2-40B4-BE49-F238E27FC236}">
-                <a16:creationId xmlns:a16="http://schemas.microsoft.com/office/drawing/2014/main" id="{616C9CB9-4344-113F-646A-77104F1709C4}"/>
-              </a:ext>
-            </a:extLst>
-          </p:cNvPr>
-          <p:cNvSpPr/>
-          <p:nvPr/>
-        </p:nvSpPr>
-        <p:spPr>
-          <a:xfrm>
-            <a:off x="6248396" y="3581403"/>
-            <a:ext cx="304796" cy="304796"/>
-          </a:xfrm>
-          <a:prstGeom prst="rect">
-            <a:avLst/>
-          </a:prstGeom>
-          <a:noFill/>
-          <a:ln cap="flat">
-            <a:noFill/>
-            <a:prstDash val="solid"/>
-          </a:ln>
-        </p:spPr>
-        <p:txBody>
-          <a:bodyPr vert="horz" wrap="square" lIns="91440" tIns="45720" rIns="91440" bIns="45720" anchor="t" anchorCtr="0" compatLnSpc="1">
-            <a:noAutofit/>
-          </a:bodyPr>
-          <a:lstStyle/>
-          <a:p>
-            <a:pPr marL="0" marR="0" lvl="0" indent="0" algn="l" defTabSz="914400" rtl="0" fontAlgn="auto" hangingPunct="1">
-              <a:lnSpc>
-                <a:spcPct val="100000"/>
-              </a:lnSpc>
-              <a:spcBef>
-                <a:spcPts val="0"/>
-              </a:spcBef>
-              <a:spcAft>
-                <a:spcPts val="0"/>
-              </a:spcAft>
-              <a:buNone/>
-              <a:tabLst/>
-              <a:defRPr sz="1800" b="0" i="0" u="none" strike="noStrike" kern="0" cap="none" spc="0" baseline="0">
-                <a:solidFill>
-                  <a:srgbClr val="000000"/>
-                </a:solidFill>
-                <a:uFillTx/>
-              </a:defRPr>
-            </a:pPr>
-            <a:endParaRPr lang="de-DE" sz="1800" b="0" i="0" u="none" strike="noStrike" kern="1200" cap="none" spc="0" baseline="0">
-              <a:solidFill>
-                <a:srgbClr val="000000"/>
-              </a:solidFill>
-              <a:uFillTx/>
-              <a:latin typeface="Calibri"/>
-            </a:endParaRPr>
-          </a:p>
-        </p:txBody>
-      </p:sp>
-      <p:sp>
-        <p:nvSpPr>
-          <p:cNvPr id="15" name="TextBox 10">
-            <a:extLst>
-              <a:ext uri="{FF2B5EF4-FFF2-40B4-BE49-F238E27FC236}">
-                <a16:creationId xmlns:a16="http://schemas.microsoft.com/office/drawing/2014/main" id="{D1C72C52-B0BA-BEA5-D186-2D77C2C03C85}"/>
-              </a:ext>
-            </a:extLst>
-          </p:cNvPr>
-          <p:cNvSpPr txBox="1"/>
-          <p:nvPr/>
-        </p:nvSpPr>
-        <p:spPr>
-          <a:xfrm>
-            <a:off x="4797723" y="4929925"/>
-            <a:ext cx="5351828" cy="253916"/>
-          </a:xfrm>
-          <a:prstGeom prst="rect">
-            <a:avLst/>
-          </a:prstGeom>
-          <a:noFill/>
-          <a:ln cap="flat">
-            <a:noFill/>
-          </a:ln>
-        </p:spPr>
-        <p:txBody>
-          <a:bodyPr vert="horz" wrap="square" lIns="91440" tIns="45720" rIns="91440" bIns="45720" anchor="t" anchorCtr="0" compatLnSpc="1">
-            <a:spAutoFit/>
-          </a:bodyPr>
-          <a:lstStyle/>
-          <a:p>
-            <a:pPr lvl="0">
-              <a:defRPr sz="1800" b="0" i="0" u="none" strike="noStrike" kern="0" cap="none" spc="0" baseline="0">
-                <a:solidFill>
-                  <a:srgbClr val="000000"/>
-                </a:solidFill>
-                <a:uFillTx/>
-              </a:defRPr>
-            </a:pPr>
-            <a:r>
-              <a:rPr lang="en-US" sz="1050" b="0" i="0" u="none" strike="noStrike" kern="1200" cap="none" spc="0" baseline="0" dirty="0">
-                <a:solidFill>
-                  <a:srgbClr val="344A9A"/>
-                </a:solidFill>
-                <a:uFillTx/>
-                <a:latin typeface="Arial"/>
-              </a:rPr>
-              <a:t>Fig.1</a:t>
-            </a:r>
-            <a:r>
-              <a:rPr lang="en-US" sz="1050" dirty="0">
-                <a:solidFill>
-                  <a:srgbClr val="344A9A"/>
-                </a:solidFill>
-                <a:latin typeface="Arial"/>
-              </a:rPr>
-              <a:t> </a:t>
-            </a:r>
-            <a:r>
-              <a:rPr lang="en-US" sz="1050" b="0" i="0" u="none" strike="noStrike" kern="1200" cap="none" spc="0" baseline="0" dirty="0">
-                <a:solidFill>
-                  <a:srgbClr val="344A9A"/>
-                </a:solidFill>
-                <a:uFillTx/>
-                <a:latin typeface="Arial"/>
-              </a:rPr>
-              <a:t>: Screenshot of the Emulator by Jürgen Mattheis [1]</a:t>
-            </a:r>
-          </a:p>
-        </p:txBody>
-      </p:sp>
-      <p:pic>
-        <p:nvPicPr>
-          <p:cNvPr id="18" name="Picture 17">
-            <a:extLst>
-              <a:ext uri="{FF2B5EF4-FFF2-40B4-BE49-F238E27FC236}">
-                <a16:creationId xmlns:a16="http://schemas.microsoft.com/office/drawing/2014/main" id="{FEE79DDD-F484-A1D9-A5F0-4D3F870D4522}"/>
-              </a:ext>
-            </a:extLst>
-          </p:cNvPr>
-          <p:cNvPicPr>
-            <a:picLocks noChangeAspect="1"/>
-          </p:cNvPicPr>
-          <p:nvPr/>
-        </p:nvPicPr>
-        <p:blipFill>
-          <a:blip r:embed="rId3">
-            <a:extLst>
-              <a:ext uri="{28A0092B-C50C-407E-A947-70E740481C1C}">
-                <a14:useLocalDpi xmlns:a14="http://schemas.microsoft.com/office/drawing/2010/main" val="0"/>
-              </a:ext>
-            </a:extLst>
-          </a:blip>
-          <a:srcRect/>
-          <a:stretch/>
-        </p:blipFill>
-        <p:spPr>
-          <a:xfrm>
-            <a:off x="271293" y="854301"/>
-            <a:ext cx="8067422" cy="4128018"/>
-          </a:xfrm>
-          <a:prstGeom prst="rect">
-            <a:avLst/>
-          </a:prstGeom>
-        </p:spPr>
-      </p:pic>
-      <p:sp>
-        <p:nvSpPr>
-          <p:cNvPr id="25" name="Inhaltsplatzhalter 3">
-            <a:extLst>
-              <a:ext uri="{FF2B5EF4-FFF2-40B4-BE49-F238E27FC236}">
-                <a16:creationId xmlns:a16="http://schemas.microsoft.com/office/drawing/2014/main" id="{D3DDC8A7-84C2-4CD6-3391-4603D3DFF46A}"/>
-              </a:ext>
-            </a:extLst>
-          </p:cNvPr>
-          <p:cNvSpPr txBox="1">
-            <a:spLocks noGrp="1"/>
-          </p:cNvSpPr>
-          <p:nvPr>
-            <p:ph type="body" idx="4294967295"/>
-          </p:nvPr>
-        </p:nvSpPr>
-        <p:spPr>
-          <a:xfrm>
-            <a:off x="271294" y="5015884"/>
-            <a:ext cx="8067421" cy="1562100"/>
-          </a:xfrm>
-        </p:spPr>
-        <p:txBody>
-          <a:bodyPr/>
-          <a:lstStyle/>
-          <a:p>
-            <a:pPr marL="0" indent="0">
-              <a:buNone/>
-            </a:pPr>
-            <a:r>
-              <a:rPr lang="en-US" b="1" dirty="0">
-                <a:solidFill>
-                  <a:srgbClr val="344A9A"/>
-                </a:solidFill>
-                <a:latin typeface="Calibri"/>
-              </a:rPr>
-              <a:t>Emulator by Jürgen Mattheis:</a:t>
-            </a:r>
-          </a:p>
-          <a:p>
-            <a:r>
-              <a:rPr lang="en-US" dirty="0">
-                <a:solidFill>
-                  <a:srgbClr val="344A9A"/>
-                </a:solidFill>
-                <a:latin typeface="Calibri"/>
-              </a:rPr>
-              <a:t>OS-dependent (only Linux support)</a:t>
-            </a:r>
-          </a:p>
-          <a:p>
-            <a:r>
-              <a:rPr lang="en-US" dirty="0">
-                <a:solidFill>
-                  <a:srgbClr val="344A9A"/>
-                </a:solidFill>
-                <a:latin typeface="Calibri"/>
-              </a:rPr>
-              <a:t>Workflow requires switching between editor and debugger</a:t>
-            </a:r>
-          </a:p>
-        </p:txBody>
-      </p:sp>
-    </p:spTree>
-  </p:cSld>
-  <p:clrMapOvr>
-    <a:masterClrMapping/>
-  </p:clrMapOvr>
-  <p:timing>
-    <p:tnLst>
-      <p:par>
-        <p:cTn id="1" dur="indefinite" restart="never" nodeType="tmRoot">
-          <p:childTnLst>
-            <p:seq concurrent="1" nextAc="seek">
-              <p:cTn id="2" dur="indefinite" nodeType="mainSeq">
-                <p:childTnLst>
-                  <p:par>
-                    <p:cTn id="3" fill="hold">
-                      <p:stCondLst>
-                        <p:cond delay="indefinite"/>
-                      </p:stCondLst>
-                      <p:childTnLst>
-                        <p:par>
-                          <p:cTn id="4" fill="hold">
-                            <p:stCondLst>
-                              <p:cond delay="0"/>
-                            </p:stCondLst>
-                            <p:childTnLst>
-                              <p:par>
-                                <p:cTn id="5" presetID="1" presetClass="entr" presetSubtype="0" fill="hold" grpId="0" nodeType="clickEffect">
-                                  <p:stCondLst>
-                                    <p:cond delay="0"/>
-                                  </p:stCondLst>
-                                  <p:childTnLst>
-                                    <p:set>
-                                      <p:cBhvr>
-                                        <p:cTn id="6" dur="1" fill="hold">
-                                          <p:stCondLst>
-                                            <p:cond delay="0"/>
-                                          </p:stCondLst>
-                                        </p:cTn>
-                                        <p:tgtEl>
-                                          <p:spTgt spid="25">
-                                            <p:txEl>
-                                              <p:pRg st="0" end="0"/>
-                                            </p:txEl>
-                                          </p:spTgt>
-                                        </p:tgtEl>
-                                        <p:attrNameLst>
-                                          <p:attrName>style.visibility</p:attrName>
-                                        </p:attrNameLst>
-                                      </p:cBhvr>
-                                      <p:to>
-                                        <p:strVal val="visible"/>
-                                      </p:to>
-                                    </p:set>
-                                  </p:childTnLst>
-                                </p:cTn>
-                              </p:par>
-                            </p:childTnLst>
-                          </p:cTn>
-                        </p:par>
-                      </p:childTnLst>
-                    </p:cTn>
-                  </p:par>
-                  <p:par>
-                    <p:cTn id="7" fill="hold">
-                      <p:stCondLst>
-                        <p:cond delay="indefinite"/>
-                      </p:stCondLst>
-                      <p:childTnLst>
-                        <p:par>
-                          <p:cTn id="8" fill="hold">
-                            <p:stCondLst>
-                              <p:cond delay="0"/>
-                            </p:stCondLst>
-                            <p:childTnLst>
-                              <p:par>
-                                <p:cTn id="9" presetID="1" presetClass="entr" presetSubtype="0" fill="hold" grpId="0" nodeType="clickEffect">
-                                  <p:stCondLst>
-                                    <p:cond delay="0"/>
-                                  </p:stCondLst>
-                                  <p:childTnLst>
-                                    <p:set>
-                                      <p:cBhvr>
-                                        <p:cTn id="10" dur="1" fill="hold">
-                                          <p:stCondLst>
-                                            <p:cond delay="0"/>
-                                          </p:stCondLst>
-                                        </p:cTn>
-                                        <p:tgtEl>
-                                          <p:spTgt spid="25">
-                                            <p:txEl>
-                                              <p:pRg st="1" end="1"/>
-                                            </p:txEl>
-                                          </p:spTgt>
-                                        </p:tgtEl>
-                                        <p:attrNameLst>
-                                          <p:attrName>style.visibility</p:attrName>
-                                        </p:attrNameLst>
-                                      </p:cBhvr>
-                                      <p:to>
-                                        <p:strVal val="visible"/>
-                                      </p:to>
-                                    </p:set>
-                                  </p:childTnLst>
-                                </p:cTn>
-                              </p:par>
-                            </p:childTnLst>
-                          </p:cTn>
-                        </p:par>
-                      </p:childTnLst>
-                    </p:cTn>
-                  </p:par>
-                  <p:par>
-                    <p:cTn id="11" fill="hold">
-                      <p:stCondLst>
-                        <p:cond delay="indefinite"/>
-                      </p:stCondLst>
-                      <p:childTnLst>
-                        <p:par>
-                          <p:cTn id="12" fill="hold">
-                            <p:stCondLst>
-                              <p:cond delay="0"/>
-                            </p:stCondLst>
-                            <p:childTnLst>
-                              <p:par>
-                                <p:cTn id="13" presetID="1" presetClass="entr" presetSubtype="0" fill="hold" grpId="0" nodeType="clickEffect">
-                                  <p:stCondLst>
-                                    <p:cond delay="0"/>
-                                  </p:stCondLst>
-                                  <p:childTnLst>
-                                    <p:set>
-                                      <p:cBhvr>
-                                        <p:cTn id="14" dur="1" fill="hold">
-                                          <p:stCondLst>
-                                            <p:cond delay="0"/>
-                                          </p:stCondLst>
-                                        </p:cTn>
-                                        <p:tgtEl>
-                                          <p:spTgt spid="25">
-                                            <p:txEl>
-                                              <p:pRg st="2" end="2"/>
-                                            </p:txEl>
-                                          </p:spTgt>
-                                        </p:tgtEl>
-                                        <p:attrNameLst>
-                                          <p:attrName>style.visibility</p:attrName>
-                                        </p:attrNameLst>
-                                      </p:cBhvr>
-                                      <p:to>
-                                        <p:strVal val="visible"/>
-                                      </p:to>
-                                    </p:set>
-                                  </p:childTnLst>
-                                </p:cTn>
-                              </p:par>
-                            </p:childTnLst>
-                          </p:cTn>
-                        </p:par>
-                      </p:childTnLst>
-                    </p:cTn>
-                  </p:par>
-                </p:childTnLst>
-              </p:cTn>
-              <p:prevCondLst>
-                <p:cond evt="onPrev" delay="0">
-                  <p:tgtEl>
-                    <p:sldTgt/>
-                  </p:tgtEl>
-                </p:cond>
-              </p:prevCondLst>
-              <p:nextCondLst>
-                <p:cond evt="onNext" delay="0">
-                  <p:tgtEl>
-                    <p:sldTgt/>
-                  </p:tgtEl>
-                </p:cond>
-              </p:nextCondLst>
-            </p:seq>
-          </p:childTnLst>
-        </p:cTn>
-      </p:par>
-    </p:tnLst>
-    <p:bldLst>
-      <p:bldP spid="25" grpId="0" build="p"/>
-    </p:bldLst>
-  </p:timing>
-</p:sld>
-</file>
-
-<file path=ppt/slides/slide4.xml><?xml version="1.0" encoding="utf-8"?>
-<p:sld xmlns:a="http://schemas.openxmlformats.org/drawingml/2006/main" xmlns:r="http://schemas.openxmlformats.org/officeDocument/2006/relationships" xmlns:p="http://schemas.openxmlformats.org/presentationml/2006/main">
-  <p:cSld>
-    <p:spTree>
-      <p:nvGrpSpPr>
-        <p:cNvPr id="1" name="">
-          <a:extLst>
-            <a:ext uri="{FF2B5EF4-FFF2-40B4-BE49-F238E27FC236}">
-              <a16:creationId xmlns:a16="http://schemas.microsoft.com/office/drawing/2014/main" id="{45965FF6-631E-97C1-6E89-AA549BC98546}"/>
-            </a:ext>
-          </a:extLst>
-        </p:cNvPr>
-        <p:cNvGrpSpPr/>
-        <p:nvPr/>
-      </p:nvGrpSpPr>
-      <p:grpSpPr>
-        <a:xfrm>
-          <a:off x="0" y="0"/>
-          <a:ext cx="0" cy="0"/>
-          <a:chOff x="0" y="0"/>
-          <a:chExt cx="0" cy="0"/>
-        </a:xfrm>
-      </p:grpSpPr>
-      <p:sp>
-        <p:nvSpPr>
-          <p:cNvPr id="2" name="Titel 6">
-            <a:extLst>
-              <a:ext uri="{FF2B5EF4-FFF2-40B4-BE49-F238E27FC236}">
-                <a16:creationId xmlns:a16="http://schemas.microsoft.com/office/drawing/2014/main" id="{8BFE97E9-93EF-4738-A05A-62A3FC817CC0}"/>
-              </a:ext>
-            </a:extLst>
-          </p:cNvPr>
-          <p:cNvSpPr txBox="1">
-            <a:spLocks noGrp="1"/>
-          </p:cNvSpPr>
-          <p:nvPr>
-            <p:ph type="title"/>
-          </p:nvPr>
-        </p:nvSpPr>
-        <p:spPr>
-          <a:xfrm>
-            <a:off x="442917" y="365129"/>
-            <a:ext cx="11341102" cy="361709"/>
-          </a:xfrm>
-        </p:spPr>
-        <p:txBody>
-          <a:bodyPr/>
-          <a:lstStyle/>
-          <a:p>
-            <a:pPr lvl="0"/>
-            <a:r>
-              <a:rPr lang="en-US"/>
-              <a:t>Motivation</a:t>
-            </a:r>
-            <a:endParaRPr lang="en-US">
-              <a:solidFill>
-                <a:srgbClr val="000000"/>
-              </a:solidFill>
-            </a:endParaRPr>
-          </a:p>
-        </p:txBody>
-      </p:sp>
-      <p:sp>
-        <p:nvSpPr>
-          <p:cNvPr id="3" name="Datumsplatzhalter 3">
-            <a:extLst>
-              <a:ext uri="{FF2B5EF4-FFF2-40B4-BE49-F238E27FC236}">
-                <a16:creationId xmlns:a16="http://schemas.microsoft.com/office/drawing/2014/main" id="{E4E00250-2707-2073-A3A6-AC8FC895D014}"/>
-              </a:ext>
-            </a:extLst>
-          </p:cNvPr>
-          <p:cNvSpPr txBox="1"/>
-          <p:nvPr/>
-        </p:nvSpPr>
-        <p:spPr>
-          <a:xfrm>
-            <a:off x="9248095" y="6462000"/>
-            <a:ext cx="1439997" cy="179999"/>
-          </a:xfrm>
-          <a:prstGeom prst="rect">
-            <a:avLst/>
-          </a:prstGeom>
-          <a:noFill/>
-          <a:ln cap="flat">
-            <a:noFill/>
-          </a:ln>
-        </p:spPr>
-        <p:txBody>
-          <a:bodyPr vert="horz" wrap="square" lIns="35999" tIns="0" rIns="0" bIns="0" anchor="t" anchorCtr="0" compatLnSpc="1">
-            <a:noAutofit/>
-          </a:bodyPr>
-          <a:lstStyle/>
-          <a:p>
-            <a:pPr marL="0" marR="0" lvl="0" indent="0" algn="l" defTabSz="914400" rtl="0" fontAlgn="auto" hangingPunct="1">
-              <a:lnSpc>
-                <a:spcPct val="100000"/>
-              </a:lnSpc>
-              <a:spcBef>
-                <a:spcPts val="0"/>
-              </a:spcBef>
-              <a:spcAft>
-                <a:spcPts val="0"/>
-              </a:spcAft>
-              <a:buNone/>
-              <a:tabLst/>
-              <a:defRPr sz="1800" b="0" i="0" u="none" strike="noStrike" kern="0" cap="none" spc="0" baseline="0">
-                <a:solidFill>
-                  <a:srgbClr val="000000"/>
-                </a:solidFill>
-                <a:uFillTx/>
-              </a:defRPr>
-            </a:pPr>
-            <a:fld id="{27D67F97-4545-442D-B0E5-FFE75471992B}" type="datetime4">
-              <a:rPr lang="en-US" sz="900" b="0" i="0" u="none" strike="noStrike" kern="1200" cap="none" spc="0" baseline="0">
-                <a:solidFill>
-                  <a:srgbClr val="344A9A"/>
-                </a:solidFill>
-                <a:uFillTx/>
-                <a:latin typeface="Arial" pitchFamily="34"/>
-                <a:cs typeface="Arial" pitchFamily="34"/>
-              </a:rPr>
-              <a:pPr marL="0" marR="0" lvl="0" indent="0" algn="l" defTabSz="914400" rtl="0" fontAlgn="auto" hangingPunct="1">
-                <a:lnSpc>
-                  <a:spcPct val="100000"/>
-                </a:lnSpc>
-                <a:spcBef>
-                  <a:spcPts val="0"/>
-                </a:spcBef>
-                <a:spcAft>
-                  <a:spcPts val="0"/>
-                </a:spcAft>
-                <a:buNone/>
-                <a:tabLst/>
-                <a:defRPr sz="1800" b="0" i="0" u="none" strike="noStrike" kern="0" cap="none" spc="0" baseline="0">
-                  <a:solidFill>
-                    <a:srgbClr val="000000"/>
-                  </a:solidFill>
-                  <a:uFillTx/>
-                </a:defRPr>
-              </a:pPr>
-              <a:t>November 12, 2025</a:t>
-            </a:fld>
-            <a:endParaRPr lang="en-US" sz="900" b="0" i="0" u="none" strike="noStrike" kern="1200" cap="none" spc="0" baseline="0">
-              <a:solidFill>
-                <a:srgbClr val="344A9A"/>
-              </a:solidFill>
-              <a:uFillTx/>
-              <a:latin typeface="Arial" pitchFamily="34"/>
-              <a:cs typeface="Arial" pitchFamily="34"/>
-            </a:endParaRPr>
-          </a:p>
-        </p:txBody>
-      </p:sp>
-      <p:sp>
-        <p:nvSpPr>
-          <p:cNvPr id="4" name="Fußzeilenplatzhalter 4">
-            <a:extLst>
-              <a:ext uri="{FF2B5EF4-FFF2-40B4-BE49-F238E27FC236}">
-                <a16:creationId xmlns:a16="http://schemas.microsoft.com/office/drawing/2014/main" id="{9E088312-FBB9-EB7E-DA91-51C8EE2C56E5}"/>
-              </a:ext>
-            </a:extLst>
-          </p:cNvPr>
-          <p:cNvSpPr txBox="1"/>
-          <p:nvPr/>
-        </p:nvSpPr>
-        <p:spPr>
-          <a:xfrm>
-            <a:off x="2980797" y="6462000"/>
-            <a:ext cx="6263996" cy="179999"/>
-          </a:xfrm>
-          <a:prstGeom prst="rect">
-            <a:avLst/>
-          </a:prstGeom>
-          <a:noFill/>
-          <a:ln cap="flat">
-            <a:noFill/>
-          </a:ln>
-        </p:spPr>
-        <p:txBody>
-          <a:bodyPr vert="horz" wrap="square" lIns="0" tIns="0" rIns="0" bIns="0" anchor="t" anchorCtr="0" compatLnSpc="1">
-            <a:noAutofit/>
-          </a:bodyPr>
-          <a:lstStyle/>
-          <a:p>
-            <a:pPr lvl="0" algn="r">
-              <a:defRPr sz="1800" b="0" i="0" u="none" strike="noStrike" kern="0" cap="none" spc="0" baseline="0">
-                <a:solidFill>
-                  <a:srgbClr val="000000"/>
-                </a:solidFill>
-                <a:uFillTx/>
-              </a:defRPr>
-            </a:pPr>
-            <a:r>
-              <a:rPr lang="en-US" sz="900" dirty="0">
-                <a:solidFill>
-                  <a:srgbClr val="344A9A"/>
-                </a:solidFill>
-                <a:latin typeface="Arial" pitchFamily="34"/>
-                <a:cs typeface="Arial" pitchFamily="34"/>
-              </a:rPr>
-              <a:t>Albert-Ludwigs-Universität Freiburg | </a:t>
-            </a:r>
-            <a:r>
-              <a:rPr lang="en-US" sz="900" dirty="0" err="1">
-                <a:solidFill>
-                  <a:srgbClr val="344A9A"/>
-                </a:solidFill>
-                <a:latin typeface="Arial" pitchFamily="34"/>
-                <a:cs typeface="Arial" pitchFamily="34"/>
-              </a:rPr>
-              <a:t>ReTI</a:t>
-            </a:r>
-            <a:r>
-              <a:rPr lang="en-US" sz="900" dirty="0">
-                <a:solidFill>
-                  <a:srgbClr val="344A9A"/>
-                </a:solidFill>
-                <a:latin typeface="Arial" pitchFamily="34"/>
-                <a:cs typeface="Arial" pitchFamily="34"/>
-              </a:rPr>
-              <a:t>-Tools: A </a:t>
-            </a:r>
-            <a:r>
-              <a:rPr lang="en-US" sz="900" dirty="0" err="1">
-                <a:solidFill>
-                  <a:srgbClr val="344A9A"/>
-                </a:solidFill>
-                <a:latin typeface="Arial" pitchFamily="34"/>
-                <a:cs typeface="Arial" pitchFamily="34"/>
-              </a:rPr>
-              <a:t>VSCode</a:t>
-            </a:r>
-            <a:r>
-              <a:rPr lang="en-US" sz="900" dirty="0">
-                <a:solidFill>
-                  <a:srgbClr val="344A9A"/>
-                </a:solidFill>
-                <a:latin typeface="Arial" pitchFamily="34"/>
-                <a:cs typeface="Arial" pitchFamily="34"/>
-              </a:rPr>
-              <a:t> Extension for </a:t>
-            </a:r>
-            <a:r>
-              <a:rPr lang="en-US" sz="900" dirty="0" err="1">
-                <a:solidFill>
-                  <a:srgbClr val="344A9A"/>
-                </a:solidFill>
-                <a:latin typeface="Arial" pitchFamily="34"/>
-                <a:cs typeface="Arial" pitchFamily="34"/>
-              </a:rPr>
-              <a:t>ReTI</a:t>
-            </a:r>
-            <a:r>
-              <a:rPr lang="en-US" sz="900" dirty="0">
-                <a:solidFill>
-                  <a:srgbClr val="344A9A"/>
-                </a:solidFill>
-                <a:latin typeface="Arial" pitchFamily="34"/>
-                <a:cs typeface="Arial" pitchFamily="34"/>
-              </a:rPr>
-              <a:t> Assembly Programming |</a:t>
-            </a:r>
-          </a:p>
-        </p:txBody>
-      </p:sp>
-      <p:sp>
-        <p:nvSpPr>
-          <p:cNvPr id="5" name="Foliennummernplatzhalter 5">
-            <a:extLst>
-              <a:ext uri="{FF2B5EF4-FFF2-40B4-BE49-F238E27FC236}">
-                <a16:creationId xmlns:a16="http://schemas.microsoft.com/office/drawing/2014/main" id="{24D93C2B-FF16-BE4F-D541-C80828D0B38A}"/>
-              </a:ext>
-            </a:extLst>
-          </p:cNvPr>
-          <p:cNvSpPr txBox="1"/>
-          <p:nvPr/>
-        </p:nvSpPr>
-        <p:spPr>
-          <a:xfrm>
-            <a:off x="11424010" y="6462311"/>
-            <a:ext cx="359999" cy="179999"/>
-          </a:xfrm>
-          <a:prstGeom prst="rect">
-            <a:avLst/>
-          </a:prstGeom>
-          <a:noFill/>
-          <a:ln cap="flat">
-            <a:noFill/>
-          </a:ln>
-        </p:spPr>
-        <p:txBody>
-          <a:bodyPr vert="horz" wrap="square" lIns="0" tIns="0" rIns="0" bIns="0" anchor="t" anchorCtr="0" compatLnSpc="1">
-            <a:noAutofit/>
-          </a:bodyPr>
-          <a:lstStyle/>
-          <a:p>
-            <a:pPr marL="0" marR="0" lvl="0" indent="0" algn="r" defTabSz="914400" rtl="0" fontAlgn="auto" hangingPunct="1">
-              <a:lnSpc>
-                <a:spcPct val="100000"/>
-              </a:lnSpc>
-              <a:spcBef>
-                <a:spcPts val="0"/>
-              </a:spcBef>
-              <a:spcAft>
-                <a:spcPts val="0"/>
-              </a:spcAft>
-              <a:buNone/>
-              <a:tabLst/>
-              <a:defRPr sz="1800" b="0" i="0" u="none" strike="noStrike" kern="0" cap="none" spc="0" baseline="0">
-                <a:solidFill>
-                  <a:srgbClr val="000000"/>
-                </a:solidFill>
-                <a:uFillTx/>
-              </a:defRPr>
-            </a:pPr>
-            <a:fld id="{F90024A3-8795-48F5-A2E6-DADFA7309283}" type="slidenum">
+            <a:fld id="{554DAC00-2F27-4FC3-8A41-F99783442A22}" type="slidenum">
               <a:rPr/>
               <a:t>4</a:t>
-            </a:fld>
-            <a:endParaRPr lang="en-US" sz="900" b="0" i="0" u="none" strike="noStrike" kern="1200" cap="none" spc="0" baseline="0">
-              <a:solidFill>
-                <a:srgbClr val="344A9A"/>
-              </a:solidFill>
-              <a:uFillTx/>
-              <a:latin typeface="Arial" pitchFamily="34"/>
-              <a:cs typeface="Arial" pitchFamily="34"/>
-            </a:endParaRPr>
-          </a:p>
-        </p:txBody>
-      </p:sp>
-      <p:sp>
-        <p:nvSpPr>
-          <p:cNvPr id="6" name="AutoShape 2">
-            <a:extLst>
-              <a:ext uri="{FF2B5EF4-FFF2-40B4-BE49-F238E27FC236}">
-                <a16:creationId xmlns:a16="http://schemas.microsoft.com/office/drawing/2014/main" id="{906DBD19-427E-08F5-AF6A-6B5BB4D73F74}"/>
-              </a:ext>
-            </a:extLst>
-          </p:cNvPr>
-          <p:cNvSpPr/>
-          <p:nvPr/>
-        </p:nvSpPr>
-        <p:spPr>
-          <a:xfrm>
-            <a:off x="5943600" y="3276596"/>
-            <a:ext cx="304796" cy="304796"/>
-          </a:xfrm>
-          <a:prstGeom prst="rect">
-            <a:avLst/>
-          </a:prstGeom>
-          <a:noFill/>
-          <a:ln cap="flat">
-            <a:noFill/>
-            <a:prstDash val="solid"/>
-          </a:ln>
-        </p:spPr>
-        <p:txBody>
-          <a:bodyPr vert="horz" wrap="square" lIns="91440" tIns="45720" rIns="91440" bIns="45720" anchor="t" anchorCtr="0" compatLnSpc="1">
-            <a:noAutofit/>
-          </a:bodyPr>
-          <a:lstStyle/>
-          <a:p>
-            <a:pPr marL="0" marR="0" lvl="0" indent="0" algn="l" defTabSz="914400" rtl="0" fontAlgn="auto" hangingPunct="1">
-              <a:lnSpc>
-                <a:spcPct val="100000"/>
-              </a:lnSpc>
-              <a:spcBef>
-                <a:spcPts val="0"/>
-              </a:spcBef>
-              <a:spcAft>
-                <a:spcPts val="0"/>
-              </a:spcAft>
-              <a:buNone/>
-              <a:tabLst/>
-              <a:defRPr sz="1800" b="0" i="0" u="none" strike="noStrike" kern="0" cap="none" spc="0" baseline="0">
-                <a:solidFill>
-                  <a:srgbClr val="000000"/>
-                </a:solidFill>
-                <a:uFillTx/>
-              </a:defRPr>
-            </a:pPr>
-            <a:endParaRPr lang="de-DE" sz="1800" b="0" i="0" u="none" strike="noStrike" kern="1200" cap="none" spc="0" baseline="0">
-              <a:solidFill>
-                <a:srgbClr val="000000"/>
-              </a:solidFill>
-              <a:uFillTx/>
-              <a:latin typeface="Calibri"/>
-            </a:endParaRPr>
-          </a:p>
-        </p:txBody>
-      </p:sp>
-      <p:sp>
-        <p:nvSpPr>
-          <p:cNvPr id="7" name="AutoShape 4">
-            <a:extLst>
-              <a:ext uri="{FF2B5EF4-FFF2-40B4-BE49-F238E27FC236}">
-                <a16:creationId xmlns:a16="http://schemas.microsoft.com/office/drawing/2014/main" id="{3ED6E21B-3CF7-F4CD-A7AE-94A83C35E10E}"/>
-              </a:ext>
-            </a:extLst>
-          </p:cNvPr>
-          <p:cNvSpPr/>
-          <p:nvPr/>
-        </p:nvSpPr>
-        <p:spPr>
-          <a:xfrm>
-            <a:off x="6096003" y="3429000"/>
-            <a:ext cx="304796" cy="304796"/>
-          </a:xfrm>
-          <a:prstGeom prst="rect">
-            <a:avLst/>
-          </a:prstGeom>
-          <a:noFill/>
-          <a:ln cap="flat">
-            <a:noFill/>
-            <a:prstDash val="solid"/>
-          </a:ln>
-        </p:spPr>
-        <p:txBody>
-          <a:bodyPr vert="horz" wrap="square" lIns="91440" tIns="45720" rIns="91440" bIns="45720" anchor="t" anchorCtr="0" compatLnSpc="1">
-            <a:noAutofit/>
-          </a:bodyPr>
-          <a:lstStyle/>
-          <a:p>
-            <a:pPr marL="0" marR="0" lvl="0" indent="0" algn="l" defTabSz="914400" rtl="0" fontAlgn="auto" hangingPunct="1">
-              <a:lnSpc>
-                <a:spcPct val="100000"/>
-              </a:lnSpc>
-              <a:spcBef>
-                <a:spcPts val="0"/>
-              </a:spcBef>
-              <a:spcAft>
-                <a:spcPts val="0"/>
-              </a:spcAft>
-              <a:buNone/>
-              <a:tabLst/>
-              <a:defRPr sz="1800" b="0" i="0" u="none" strike="noStrike" kern="0" cap="none" spc="0" baseline="0">
-                <a:solidFill>
-                  <a:srgbClr val="000000"/>
-                </a:solidFill>
-                <a:uFillTx/>
-              </a:defRPr>
-            </a:pPr>
-            <a:endParaRPr lang="de-DE" sz="1800" b="0" i="0" u="none" strike="noStrike" kern="1200" cap="none" spc="0" baseline="0">
-              <a:solidFill>
-                <a:srgbClr val="000000"/>
-              </a:solidFill>
-              <a:uFillTx/>
-              <a:latin typeface="Calibri"/>
-            </a:endParaRPr>
-          </a:p>
-        </p:txBody>
-      </p:sp>
-      <p:sp>
-        <p:nvSpPr>
-          <p:cNvPr id="8" name="AutoShape 6">
-            <a:extLst>
-              <a:ext uri="{FF2B5EF4-FFF2-40B4-BE49-F238E27FC236}">
-                <a16:creationId xmlns:a16="http://schemas.microsoft.com/office/drawing/2014/main" id="{78EB74D9-4C6E-7B51-D98E-A49754948B95}"/>
-              </a:ext>
-            </a:extLst>
-          </p:cNvPr>
-          <p:cNvSpPr/>
-          <p:nvPr/>
-        </p:nvSpPr>
-        <p:spPr>
-          <a:xfrm>
-            <a:off x="6248396" y="3581403"/>
-            <a:ext cx="304796" cy="304796"/>
-          </a:xfrm>
-          <a:prstGeom prst="rect">
-            <a:avLst/>
-          </a:prstGeom>
-          <a:noFill/>
-          <a:ln cap="flat">
-            <a:noFill/>
-            <a:prstDash val="solid"/>
-          </a:ln>
-        </p:spPr>
-        <p:txBody>
-          <a:bodyPr vert="horz" wrap="square" lIns="91440" tIns="45720" rIns="91440" bIns="45720" anchor="t" anchorCtr="0" compatLnSpc="1">
-            <a:noAutofit/>
-          </a:bodyPr>
-          <a:lstStyle/>
-          <a:p>
-            <a:pPr marL="0" marR="0" lvl="0" indent="0" algn="l" defTabSz="914400" rtl="0" fontAlgn="auto" hangingPunct="1">
-              <a:lnSpc>
-                <a:spcPct val="100000"/>
-              </a:lnSpc>
-              <a:spcBef>
-                <a:spcPts val="0"/>
-              </a:spcBef>
-              <a:spcAft>
-                <a:spcPts val="0"/>
-              </a:spcAft>
-              <a:buNone/>
-              <a:tabLst/>
-              <a:defRPr sz="1800" b="0" i="0" u="none" strike="noStrike" kern="0" cap="none" spc="0" baseline="0">
-                <a:solidFill>
-                  <a:srgbClr val="000000"/>
-                </a:solidFill>
-                <a:uFillTx/>
-              </a:defRPr>
-            </a:pPr>
-            <a:endParaRPr lang="de-DE" sz="1800" b="0" i="0" u="none" strike="noStrike" kern="1200" cap="none" spc="0" baseline="0">
-              <a:solidFill>
-                <a:srgbClr val="000000"/>
-              </a:solidFill>
-              <a:uFillTx/>
-              <a:latin typeface="Calibri"/>
-            </a:endParaRPr>
-          </a:p>
-        </p:txBody>
-      </p:sp>
-      <p:pic>
-        <p:nvPicPr>
-          <p:cNvPr id="23" name="Picture 22">
-            <a:extLst>
-              <a:ext uri="{FF2B5EF4-FFF2-40B4-BE49-F238E27FC236}">
-                <a16:creationId xmlns:a16="http://schemas.microsoft.com/office/drawing/2014/main" id="{4F8C6EDD-BCB3-2754-8E18-434759CD6FE9}"/>
-              </a:ext>
-            </a:extLst>
-          </p:cNvPr>
-          <p:cNvPicPr>
-            <a:picLocks noChangeAspect="1"/>
-          </p:cNvPicPr>
-          <p:nvPr/>
-        </p:nvPicPr>
-        <p:blipFill>
-          <a:blip r:embed="rId3">
-            <a:extLst>
-              <a:ext uri="{28A0092B-C50C-407E-A947-70E740481C1C}">
-                <a14:useLocalDpi xmlns:a14="http://schemas.microsoft.com/office/drawing/2010/main" val="0"/>
-              </a:ext>
-            </a:extLst>
-          </a:blip>
-          <a:stretch>
-            <a:fillRect/>
-          </a:stretch>
-        </p:blipFill>
-        <p:spPr>
-          <a:xfrm>
-            <a:off x="442917" y="822255"/>
-            <a:ext cx="9252228" cy="4213455"/>
-          </a:xfrm>
-          <a:prstGeom prst="rect">
-            <a:avLst/>
-          </a:prstGeom>
-        </p:spPr>
-      </p:pic>
-      <p:sp>
-        <p:nvSpPr>
-          <p:cNvPr id="24" name="TextBox 10">
-            <a:extLst>
-              <a:ext uri="{FF2B5EF4-FFF2-40B4-BE49-F238E27FC236}">
-                <a16:creationId xmlns:a16="http://schemas.microsoft.com/office/drawing/2014/main" id="{09E07E64-3439-B1F1-2925-9EA342CD0E72}"/>
-              </a:ext>
-            </a:extLst>
-          </p:cNvPr>
-          <p:cNvSpPr txBox="1"/>
-          <p:nvPr/>
-        </p:nvSpPr>
-        <p:spPr>
-          <a:xfrm>
-            <a:off x="6277228" y="4875922"/>
-            <a:ext cx="3417917" cy="253916"/>
-          </a:xfrm>
-          <a:prstGeom prst="rect">
-            <a:avLst/>
-          </a:prstGeom>
-          <a:noFill/>
-          <a:ln cap="flat">
-            <a:noFill/>
-          </a:ln>
-        </p:spPr>
-        <p:txBody>
-          <a:bodyPr vert="horz" wrap="square" lIns="91440" tIns="45720" rIns="91440" bIns="45720" anchor="t" anchorCtr="0" compatLnSpc="1">
-            <a:spAutoFit/>
-          </a:bodyPr>
-          <a:lstStyle/>
-          <a:p>
-            <a:pPr lvl="0">
-              <a:defRPr sz="1800" b="0" i="0" u="none" strike="noStrike" kern="0" cap="none" spc="0" baseline="0">
-                <a:solidFill>
-                  <a:srgbClr val="000000"/>
-                </a:solidFill>
-                <a:uFillTx/>
-              </a:defRPr>
-            </a:pPr>
-            <a:r>
-              <a:rPr lang="en-US" sz="1050" b="0" i="0" u="none" strike="noStrike" kern="1200" cap="none" spc="0" baseline="0" dirty="0">
-                <a:solidFill>
-                  <a:srgbClr val="344A9A"/>
-                </a:solidFill>
-                <a:uFillTx/>
-                <a:latin typeface="Arial"/>
-              </a:rPr>
-              <a:t>Fig. </a:t>
-            </a:r>
-            <a:r>
-              <a:rPr lang="en-US" sz="1050" dirty="0">
-                <a:solidFill>
-                  <a:srgbClr val="344A9A"/>
-                </a:solidFill>
-                <a:latin typeface="Arial"/>
-              </a:rPr>
-              <a:t>2 </a:t>
-            </a:r>
-            <a:r>
-              <a:rPr lang="en-US" sz="1050" b="0" i="0" u="none" strike="noStrike" kern="1200" cap="none" spc="0" baseline="0" dirty="0">
-                <a:solidFill>
-                  <a:srgbClr val="344A9A"/>
-                </a:solidFill>
-                <a:uFillTx/>
-                <a:latin typeface="Arial"/>
-              </a:rPr>
-              <a:t>: Screenshot of the Emulator by Michel Giehl [3]</a:t>
-            </a:r>
-          </a:p>
-        </p:txBody>
-      </p:sp>
-      <p:sp>
-        <p:nvSpPr>
-          <p:cNvPr id="28" name="Inhaltsplatzhalter 3">
-            <a:extLst>
-              <a:ext uri="{FF2B5EF4-FFF2-40B4-BE49-F238E27FC236}">
-                <a16:creationId xmlns:a16="http://schemas.microsoft.com/office/drawing/2014/main" id="{2FB06923-DC85-1A16-81DA-B8EBE1227ADC}"/>
-              </a:ext>
-            </a:extLst>
-          </p:cNvPr>
-          <p:cNvSpPr txBox="1">
-            <a:spLocks noGrp="1"/>
-          </p:cNvSpPr>
-          <p:nvPr>
-            <p:ph type="body" idx="4294967295"/>
-          </p:nvPr>
-        </p:nvSpPr>
-        <p:spPr>
-          <a:xfrm>
-            <a:off x="442917" y="5036140"/>
-            <a:ext cx="10460990" cy="1269518"/>
-          </a:xfrm>
-        </p:spPr>
-        <p:txBody>
-          <a:bodyPr/>
-          <a:lstStyle/>
-          <a:p>
-            <a:pPr marL="0" indent="0">
-              <a:buNone/>
-            </a:pPr>
-            <a:r>
-              <a:rPr lang="en-US" b="1" dirty="0">
-                <a:solidFill>
-                  <a:srgbClr val="344A9A"/>
-                </a:solidFill>
-                <a:latin typeface="Calibri"/>
-              </a:rPr>
-              <a:t>Emulator by Michel Giehl:</a:t>
-            </a:r>
-            <a:endParaRPr lang="en-US" dirty="0">
-              <a:solidFill>
-                <a:srgbClr val="344A9A"/>
-              </a:solidFill>
-              <a:latin typeface="Calibri"/>
-            </a:endParaRPr>
-          </a:p>
-          <a:p>
-            <a:r>
-              <a:rPr lang="en-US" dirty="0">
-                <a:solidFill>
-                  <a:srgbClr val="344A9A"/>
-                </a:solidFill>
-                <a:latin typeface="Calibri"/>
-              </a:rPr>
-              <a:t>Web app, as of Monday 10</a:t>
-            </a:r>
-            <a:r>
-              <a:rPr lang="en-US" baseline="30000" dirty="0">
-                <a:solidFill>
-                  <a:srgbClr val="344A9A"/>
-                </a:solidFill>
-                <a:latin typeface="Calibri"/>
-              </a:rPr>
-              <a:t>th</a:t>
-            </a:r>
-            <a:r>
-              <a:rPr lang="en-US" dirty="0">
-                <a:solidFill>
-                  <a:srgbClr val="344A9A"/>
-                </a:solidFill>
-                <a:latin typeface="Calibri"/>
-              </a:rPr>
-              <a:t> November, only accessible through Uni network</a:t>
-            </a:r>
-          </a:p>
-          <a:p>
-            <a:r>
-              <a:rPr lang="en-US" dirty="0">
-                <a:solidFill>
-                  <a:srgbClr val="344A9A"/>
-                </a:solidFill>
-                <a:latin typeface="Calibri"/>
-              </a:rPr>
-              <a:t>Doesn’t support interrupts</a:t>
-            </a:r>
-            <a:endParaRPr lang="en-US" dirty="0"/>
-          </a:p>
-        </p:txBody>
-      </p:sp>
-    </p:spTree>
-    <p:extLst>
-      <p:ext uri="{BB962C8B-B14F-4D97-AF65-F5344CB8AC3E}">
-        <p14:creationId xmlns:p14="http://schemas.microsoft.com/office/powerpoint/2010/main" val="3271750732"/>
-      </p:ext>
-    </p:extLst>
-  </p:cSld>
-  <p:clrMapOvr>
-    <a:masterClrMapping/>
-  </p:clrMapOvr>
-  <p:timing>
-    <p:tnLst>
-      <p:par>
-        <p:cTn id="1" dur="indefinite" restart="never" nodeType="tmRoot">
-          <p:childTnLst>
-            <p:seq concurrent="1" nextAc="seek">
-              <p:cTn id="2" dur="indefinite" nodeType="mainSeq">
-                <p:childTnLst>
-                  <p:par>
-                    <p:cTn id="3" fill="hold">
-                      <p:stCondLst>
-                        <p:cond delay="indefinite"/>
-                      </p:stCondLst>
-                      <p:childTnLst>
-                        <p:par>
-                          <p:cTn id="4" fill="hold">
-                            <p:stCondLst>
-                              <p:cond delay="0"/>
-                            </p:stCondLst>
-                            <p:childTnLst>
-                              <p:par>
-                                <p:cTn id="5" presetID="1" presetClass="entr" presetSubtype="0" fill="hold" grpId="0" nodeType="clickEffect">
-                                  <p:stCondLst>
-                                    <p:cond delay="0"/>
-                                  </p:stCondLst>
-                                  <p:childTnLst>
-                                    <p:set>
-                                      <p:cBhvr>
-                                        <p:cTn id="6" dur="1" fill="hold">
-                                          <p:stCondLst>
-                                            <p:cond delay="0"/>
-                                          </p:stCondLst>
-                                        </p:cTn>
-                                        <p:tgtEl>
-                                          <p:spTgt spid="28">
-                                            <p:txEl>
-                                              <p:pRg st="0" end="0"/>
-                                            </p:txEl>
-                                          </p:spTgt>
-                                        </p:tgtEl>
-                                        <p:attrNameLst>
-                                          <p:attrName>style.visibility</p:attrName>
-                                        </p:attrNameLst>
-                                      </p:cBhvr>
-                                      <p:to>
-                                        <p:strVal val="visible"/>
-                                      </p:to>
-                                    </p:set>
-                                  </p:childTnLst>
-                                </p:cTn>
-                              </p:par>
-                            </p:childTnLst>
-                          </p:cTn>
-                        </p:par>
-                      </p:childTnLst>
-                    </p:cTn>
-                  </p:par>
-                  <p:par>
-                    <p:cTn id="7" fill="hold">
-                      <p:stCondLst>
-                        <p:cond delay="indefinite"/>
-                      </p:stCondLst>
-                      <p:childTnLst>
-                        <p:par>
-                          <p:cTn id="8" fill="hold">
-                            <p:stCondLst>
-                              <p:cond delay="0"/>
-                            </p:stCondLst>
-                            <p:childTnLst>
-                              <p:par>
-                                <p:cTn id="9" presetID="1" presetClass="entr" presetSubtype="0" fill="hold" grpId="0" nodeType="clickEffect">
-                                  <p:stCondLst>
-                                    <p:cond delay="0"/>
-                                  </p:stCondLst>
-                                  <p:childTnLst>
-                                    <p:set>
-                                      <p:cBhvr>
-                                        <p:cTn id="10" dur="1" fill="hold">
-                                          <p:stCondLst>
-                                            <p:cond delay="0"/>
-                                          </p:stCondLst>
-                                        </p:cTn>
-                                        <p:tgtEl>
-                                          <p:spTgt spid="28">
-                                            <p:txEl>
-                                              <p:pRg st="1" end="1"/>
-                                            </p:txEl>
-                                          </p:spTgt>
-                                        </p:tgtEl>
-                                        <p:attrNameLst>
-                                          <p:attrName>style.visibility</p:attrName>
-                                        </p:attrNameLst>
-                                      </p:cBhvr>
-                                      <p:to>
-                                        <p:strVal val="visible"/>
-                                      </p:to>
-                                    </p:set>
-                                  </p:childTnLst>
-                                </p:cTn>
-                              </p:par>
-                            </p:childTnLst>
-                          </p:cTn>
-                        </p:par>
-                      </p:childTnLst>
-                    </p:cTn>
-                  </p:par>
-                  <p:par>
-                    <p:cTn id="11" fill="hold">
-                      <p:stCondLst>
-                        <p:cond delay="indefinite"/>
-                      </p:stCondLst>
-                      <p:childTnLst>
-                        <p:par>
-                          <p:cTn id="12" fill="hold">
-                            <p:stCondLst>
-                              <p:cond delay="0"/>
-                            </p:stCondLst>
-                            <p:childTnLst>
-                              <p:par>
-                                <p:cTn id="13" presetID="1" presetClass="entr" presetSubtype="0" fill="hold" grpId="0" nodeType="clickEffect">
-                                  <p:stCondLst>
-                                    <p:cond delay="0"/>
-                                  </p:stCondLst>
-                                  <p:childTnLst>
-                                    <p:set>
-                                      <p:cBhvr>
-                                        <p:cTn id="14" dur="1" fill="hold">
-                                          <p:stCondLst>
-                                            <p:cond delay="0"/>
-                                          </p:stCondLst>
-                                        </p:cTn>
-                                        <p:tgtEl>
-                                          <p:spTgt spid="28">
-                                            <p:txEl>
-                                              <p:pRg st="2" end="2"/>
-                                            </p:txEl>
-                                          </p:spTgt>
-                                        </p:tgtEl>
-                                        <p:attrNameLst>
-                                          <p:attrName>style.visibility</p:attrName>
-                                        </p:attrNameLst>
-                                      </p:cBhvr>
-                                      <p:to>
-                                        <p:strVal val="visible"/>
-                                      </p:to>
-                                    </p:set>
-                                  </p:childTnLst>
-                                </p:cTn>
-                              </p:par>
-                            </p:childTnLst>
-                          </p:cTn>
-                        </p:par>
-                      </p:childTnLst>
-                    </p:cTn>
-                  </p:par>
-                </p:childTnLst>
-              </p:cTn>
-              <p:prevCondLst>
-                <p:cond evt="onPrev" delay="0">
-                  <p:tgtEl>
-                    <p:sldTgt/>
-                  </p:tgtEl>
-                </p:cond>
-              </p:prevCondLst>
-              <p:nextCondLst>
-                <p:cond evt="onNext" delay="0">
-                  <p:tgtEl>
-                    <p:sldTgt/>
-                  </p:tgtEl>
-                </p:cond>
-              </p:nextCondLst>
-            </p:seq>
-          </p:childTnLst>
-        </p:cTn>
-      </p:par>
-    </p:tnLst>
-    <p:bldLst>
-      <p:bldP spid="28" grpId="0" build="p"/>
-    </p:bldLst>
-  </p:timing>
-</p:sld>
-</file>
-
-<file path=ppt/slides/slide5.xml><?xml version="1.0" encoding="utf-8"?>
-<p:sld xmlns:a="http://schemas.openxmlformats.org/drawingml/2006/main" xmlns:r="http://schemas.openxmlformats.org/officeDocument/2006/relationships" xmlns:p="http://schemas.openxmlformats.org/presentationml/2006/main">
-  <p:cSld name="Slide31">
-    <p:spTree>
-      <p:nvGrpSpPr>
-        <p:cNvPr id="1" name=""/>
-        <p:cNvGrpSpPr/>
-        <p:nvPr/>
-      </p:nvGrpSpPr>
-      <p:grpSpPr>
-        <a:xfrm>
-          <a:off x="0" y="0"/>
-          <a:ext cx="0" cy="0"/>
-          <a:chOff x="0" y="0"/>
-          <a:chExt cx="0" cy="0"/>
-        </a:xfrm>
-      </p:grpSpPr>
-      <p:sp>
-        <p:nvSpPr>
-          <p:cNvPr id="2" name="Datumsplatzhalter 3">
-            <a:extLst>
-              <a:ext uri="{FF2B5EF4-FFF2-40B4-BE49-F238E27FC236}">
-                <a16:creationId xmlns:a16="http://schemas.microsoft.com/office/drawing/2014/main" id="{F8777A55-B31E-D026-E477-88053EFB7BE4}"/>
-              </a:ext>
-            </a:extLst>
-          </p:cNvPr>
-          <p:cNvSpPr txBox="1"/>
-          <p:nvPr/>
-        </p:nvSpPr>
-        <p:spPr>
-          <a:xfrm>
-            <a:off x="9248095" y="6462000"/>
-            <a:ext cx="1439997" cy="179999"/>
-          </a:xfrm>
-          <a:prstGeom prst="rect">
-            <a:avLst/>
-          </a:prstGeom>
-          <a:noFill/>
-          <a:ln cap="flat">
-            <a:noFill/>
-          </a:ln>
-        </p:spPr>
-        <p:txBody>
-          <a:bodyPr vert="horz" wrap="square" lIns="35999" tIns="0" rIns="0" bIns="0" anchor="t" anchorCtr="0" compatLnSpc="1">
-            <a:noAutofit/>
-          </a:bodyPr>
-          <a:lstStyle/>
-          <a:p>
-            <a:pPr marL="0" marR="0" lvl="0" indent="0" algn="l" defTabSz="914400" rtl="0" fontAlgn="auto" hangingPunct="1">
-              <a:lnSpc>
-                <a:spcPct val="100000"/>
-              </a:lnSpc>
-              <a:spcBef>
-                <a:spcPts val="0"/>
-              </a:spcBef>
-              <a:spcAft>
-                <a:spcPts val="0"/>
-              </a:spcAft>
-              <a:buNone/>
-              <a:tabLst/>
-              <a:defRPr sz="1800" b="0" i="0" u="none" strike="noStrike" kern="0" cap="none" spc="0" baseline="0">
-                <a:solidFill>
-                  <a:srgbClr val="000000"/>
-                </a:solidFill>
-                <a:uFillTx/>
-              </a:defRPr>
-            </a:pPr>
-            <a:fld id="{B17F62CB-A6D3-42C7-9FE0-43D9137E7D6C}" type="datetime4">
-              <a:rPr lang="en-US" sz="900" b="0" i="0" u="none" strike="noStrike" kern="1200" cap="none" spc="0" baseline="0">
-                <a:solidFill>
-                  <a:srgbClr val="344A9A"/>
-                </a:solidFill>
-                <a:uFillTx/>
-                <a:latin typeface="Arial" pitchFamily="34"/>
-                <a:cs typeface="Arial" pitchFamily="34"/>
-              </a:rPr>
-              <a:pPr marL="0" marR="0" lvl="0" indent="0" algn="l" defTabSz="914400" rtl="0" fontAlgn="auto" hangingPunct="1">
-                <a:lnSpc>
-                  <a:spcPct val="100000"/>
-                </a:lnSpc>
-                <a:spcBef>
-                  <a:spcPts val="0"/>
-                </a:spcBef>
-                <a:spcAft>
-                  <a:spcPts val="0"/>
-                </a:spcAft>
-                <a:buNone/>
-                <a:tabLst/>
-                <a:defRPr sz="1800" b="0" i="0" u="none" strike="noStrike" kern="0" cap="none" spc="0" baseline="0">
-                  <a:solidFill>
-                    <a:srgbClr val="000000"/>
-                  </a:solidFill>
-                  <a:uFillTx/>
-                </a:defRPr>
-              </a:pPr>
-              <a:t>November 12, 2025</a:t>
-            </a:fld>
-            <a:endParaRPr lang="en-US" sz="900" b="0" i="0" u="none" strike="noStrike" kern="1200" cap="none" spc="0" baseline="0" dirty="0">
-              <a:solidFill>
-                <a:srgbClr val="344A9A"/>
-              </a:solidFill>
-              <a:uFillTx/>
-              <a:latin typeface="Arial" pitchFamily="34"/>
-              <a:cs typeface="Arial" pitchFamily="34"/>
-            </a:endParaRPr>
-          </a:p>
-        </p:txBody>
-      </p:sp>
-      <p:sp>
-        <p:nvSpPr>
-          <p:cNvPr id="3" name="Fußzeilenplatzhalter 4">
-            <a:extLst>
-              <a:ext uri="{FF2B5EF4-FFF2-40B4-BE49-F238E27FC236}">
-                <a16:creationId xmlns:a16="http://schemas.microsoft.com/office/drawing/2014/main" id="{7FB79E39-C4E2-3BDA-5765-4A2160EA8262}"/>
-              </a:ext>
-            </a:extLst>
-          </p:cNvPr>
-          <p:cNvSpPr txBox="1"/>
-          <p:nvPr/>
-        </p:nvSpPr>
-        <p:spPr>
-          <a:xfrm>
-            <a:off x="2980797" y="6462000"/>
-            <a:ext cx="6263996" cy="179999"/>
-          </a:xfrm>
-          <a:prstGeom prst="rect">
-            <a:avLst/>
-          </a:prstGeom>
-          <a:noFill/>
-          <a:ln cap="flat">
-            <a:noFill/>
-          </a:ln>
-        </p:spPr>
-        <p:txBody>
-          <a:bodyPr vert="horz" wrap="square" lIns="0" tIns="0" rIns="0" bIns="0" anchor="t" anchorCtr="0" compatLnSpc="1">
-            <a:noAutofit/>
-          </a:bodyPr>
-          <a:lstStyle/>
-          <a:p>
-            <a:pPr lvl="0" algn="r">
-              <a:defRPr sz="1800" b="0" i="0" u="none" strike="noStrike" kern="0" cap="none" spc="0" baseline="0">
-                <a:solidFill>
-                  <a:srgbClr val="000000"/>
-                </a:solidFill>
-                <a:uFillTx/>
-              </a:defRPr>
-            </a:pPr>
-            <a:r>
-              <a:rPr lang="en-US" sz="900" dirty="0">
-                <a:solidFill>
-                  <a:srgbClr val="344A9A"/>
-                </a:solidFill>
-                <a:latin typeface="Arial" pitchFamily="34"/>
-                <a:cs typeface="Arial" pitchFamily="34"/>
-              </a:rPr>
-              <a:t>Albert-Ludwigs-Universität Freiburg | </a:t>
-            </a:r>
-            <a:r>
-              <a:rPr lang="en-US" sz="900" dirty="0" err="1">
-                <a:solidFill>
-                  <a:srgbClr val="344A9A"/>
-                </a:solidFill>
-                <a:latin typeface="Arial" pitchFamily="34"/>
-                <a:cs typeface="Arial" pitchFamily="34"/>
-              </a:rPr>
-              <a:t>ReTI</a:t>
-            </a:r>
-            <a:r>
-              <a:rPr lang="en-US" sz="900" dirty="0">
-                <a:solidFill>
-                  <a:srgbClr val="344A9A"/>
-                </a:solidFill>
-                <a:latin typeface="Arial" pitchFamily="34"/>
-                <a:cs typeface="Arial" pitchFamily="34"/>
-              </a:rPr>
-              <a:t>-Tools: A </a:t>
-            </a:r>
-            <a:r>
-              <a:rPr lang="en-US" sz="900" dirty="0" err="1">
-                <a:solidFill>
-                  <a:srgbClr val="344A9A"/>
-                </a:solidFill>
-                <a:latin typeface="Arial" pitchFamily="34"/>
-                <a:cs typeface="Arial" pitchFamily="34"/>
-              </a:rPr>
-              <a:t>VSCode</a:t>
-            </a:r>
-            <a:r>
-              <a:rPr lang="en-US" sz="900" dirty="0">
-                <a:solidFill>
-                  <a:srgbClr val="344A9A"/>
-                </a:solidFill>
-                <a:latin typeface="Arial" pitchFamily="34"/>
-                <a:cs typeface="Arial" pitchFamily="34"/>
-              </a:rPr>
-              <a:t> Extension for </a:t>
-            </a:r>
-            <a:r>
-              <a:rPr lang="en-US" sz="900" dirty="0" err="1">
-                <a:solidFill>
-                  <a:srgbClr val="344A9A"/>
-                </a:solidFill>
-                <a:latin typeface="Arial" pitchFamily="34"/>
-                <a:cs typeface="Arial" pitchFamily="34"/>
-              </a:rPr>
-              <a:t>ReTI</a:t>
-            </a:r>
-            <a:r>
-              <a:rPr lang="en-US" sz="900" dirty="0">
-                <a:solidFill>
-                  <a:srgbClr val="344A9A"/>
-                </a:solidFill>
-                <a:latin typeface="Arial" pitchFamily="34"/>
-                <a:cs typeface="Arial" pitchFamily="34"/>
-              </a:rPr>
-              <a:t> Assembly Programming |</a:t>
-            </a:r>
-          </a:p>
-        </p:txBody>
-      </p:sp>
-      <p:sp>
-        <p:nvSpPr>
-          <p:cNvPr id="4" name="Foliennummernplatzhalter 5">
-            <a:extLst>
-              <a:ext uri="{FF2B5EF4-FFF2-40B4-BE49-F238E27FC236}">
-                <a16:creationId xmlns:a16="http://schemas.microsoft.com/office/drawing/2014/main" id="{96550627-6498-7D00-648F-9802DA0DFB60}"/>
-              </a:ext>
-            </a:extLst>
-          </p:cNvPr>
-          <p:cNvSpPr txBox="1"/>
-          <p:nvPr/>
-        </p:nvSpPr>
-        <p:spPr>
-          <a:xfrm>
-            <a:off x="11424010" y="6462311"/>
-            <a:ext cx="359999" cy="179999"/>
-          </a:xfrm>
-          <a:prstGeom prst="rect">
-            <a:avLst/>
-          </a:prstGeom>
-          <a:noFill/>
-          <a:ln cap="flat">
-            <a:noFill/>
-          </a:ln>
-        </p:spPr>
-        <p:txBody>
-          <a:bodyPr vert="horz" wrap="square" lIns="0" tIns="0" rIns="0" bIns="0" anchor="t" anchorCtr="0" compatLnSpc="1">
-            <a:noAutofit/>
-          </a:bodyPr>
-          <a:lstStyle/>
-          <a:p>
-            <a:pPr marL="0" marR="0" lvl="0" indent="0" algn="r" defTabSz="914400" rtl="0" fontAlgn="auto" hangingPunct="1">
-              <a:lnSpc>
-                <a:spcPct val="100000"/>
-              </a:lnSpc>
-              <a:spcBef>
-                <a:spcPts val="0"/>
-              </a:spcBef>
-              <a:spcAft>
-                <a:spcPts val="0"/>
-              </a:spcAft>
-              <a:buNone/>
-              <a:tabLst/>
-              <a:defRPr sz="1800" b="0" i="0" u="none" strike="noStrike" kern="0" cap="none" spc="0" baseline="0">
-                <a:solidFill>
-                  <a:srgbClr val="000000"/>
-                </a:solidFill>
-                <a:uFillTx/>
-              </a:defRPr>
-            </a:pPr>
-            <a:fld id="{554DAC00-2F27-4FC3-8A41-F99783442A22}" type="slidenum">
-              <a:rPr/>
-              <a:t>5</a:t>
-            </a:fld>
-            <a:endParaRPr lang="en-US" sz="900" b="0" i="0" u="none" strike="noStrike" kern="1200" cap="none" spc="0" baseline="0">
-              <a:solidFill>
-                <a:srgbClr val="344A9A"/>
-              </a:solidFill>
-              <a:uFillTx/>
-              <a:latin typeface="Arial" pitchFamily="34"/>
-              <a:cs typeface="Arial" pitchFamily="34"/>
-            </a:endParaRPr>
-          </a:p>
-        </p:txBody>
-      </p:sp>
-      <p:pic>
-        <p:nvPicPr>
-          <p:cNvPr id="5" name="Picture 9">
-            <a:extLst>
-              <a:ext uri="{FF2B5EF4-FFF2-40B4-BE49-F238E27FC236}">
-                <a16:creationId xmlns:a16="http://schemas.microsoft.com/office/drawing/2014/main" id="{82DEAFB8-A703-5E8B-6F1D-B3A704D9A43D}"/>
-              </a:ext>
-            </a:extLst>
-          </p:cNvPr>
-          <p:cNvPicPr>
-            <a:picLocks noChangeAspect="1"/>
-          </p:cNvPicPr>
-          <p:nvPr/>
-        </p:nvPicPr>
-        <p:blipFill>
-          <a:blip r:embed="rId3"/>
-          <a:srcRect l="3047" t="5084" r="4969" b="1627"/>
-          <a:stretch>
-            <a:fillRect/>
-          </a:stretch>
-        </p:blipFill>
-        <p:spPr>
-          <a:xfrm>
-            <a:off x="4112979" y="1606858"/>
-            <a:ext cx="5855114" cy="3644284"/>
-          </a:xfrm>
-          <a:prstGeom prst="rect">
-            <a:avLst/>
-          </a:prstGeom>
-          <a:noFill/>
-          <a:ln cap="flat">
-            <a:noFill/>
-          </a:ln>
-        </p:spPr>
-      </p:pic>
-      <p:sp>
-        <p:nvSpPr>
-          <p:cNvPr id="6" name="TextBox 10">
-            <a:extLst>
-              <a:ext uri="{FF2B5EF4-FFF2-40B4-BE49-F238E27FC236}">
-                <a16:creationId xmlns:a16="http://schemas.microsoft.com/office/drawing/2014/main" id="{529E8020-11E7-73F3-E1E7-66BB3778D567}"/>
-              </a:ext>
-            </a:extLst>
-          </p:cNvPr>
-          <p:cNvSpPr txBox="1"/>
-          <p:nvPr/>
-        </p:nvSpPr>
-        <p:spPr>
-          <a:xfrm>
-            <a:off x="4112979" y="5251146"/>
-            <a:ext cx="5855114" cy="261610"/>
-          </a:xfrm>
-          <a:prstGeom prst="rect">
-            <a:avLst/>
-          </a:prstGeom>
-          <a:noFill/>
-          <a:ln cap="flat">
-            <a:noFill/>
-          </a:ln>
-        </p:spPr>
-        <p:txBody>
-          <a:bodyPr vert="horz" wrap="square" lIns="91440" tIns="45720" rIns="91440" bIns="45720" anchor="t" anchorCtr="0" compatLnSpc="1">
-            <a:spAutoFit/>
-          </a:bodyPr>
-          <a:lstStyle/>
-          <a:p>
-            <a:pPr lvl="0">
-              <a:defRPr sz="1800" b="0" i="0" u="none" strike="noStrike" kern="0" cap="none" spc="0" baseline="0">
-                <a:solidFill>
-                  <a:srgbClr val="000000"/>
-                </a:solidFill>
-                <a:uFillTx/>
-              </a:defRPr>
-            </a:pPr>
-            <a:r>
-              <a:rPr lang="en-US" sz="1100" b="0" i="0" u="none" strike="noStrike" kern="1200" cap="none" spc="0" baseline="0" dirty="0">
-                <a:solidFill>
-                  <a:srgbClr val="344A9A"/>
-                </a:solidFill>
-                <a:uFillTx/>
-                <a:latin typeface="Arial"/>
-              </a:rPr>
-              <a:t>Fig </a:t>
-            </a:r>
-            <a:r>
-              <a:rPr lang="en-US" sz="1100" dirty="0">
-                <a:solidFill>
-                  <a:srgbClr val="344A9A"/>
-                </a:solidFill>
-                <a:latin typeface="Arial"/>
-              </a:rPr>
-              <a:t>4: Abstract </a:t>
-            </a:r>
-            <a:r>
-              <a:rPr lang="en-US" sz="1100" dirty="0" err="1">
-                <a:solidFill>
-                  <a:srgbClr val="344A9A"/>
-                </a:solidFill>
-                <a:latin typeface="Arial"/>
-              </a:rPr>
-              <a:t>ReTI</a:t>
-            </a:r>
-            <a:r>
-              <a:rPr lang="en-US" sz="1100" dirty="0">
-                <a:solidFill>
-                  <a:srgbClr val="344A9A"/>
-                </a:solidFill>
-                <a:latin typeface="Arial"/>
-              </a:rPr>
-              <a:t> </a:t>
-            </a:r>
-            <a:r>
-              <a:rPr lang="en-US" sz="1100" b="0" i="0" u="none" strike="noStrike" kern="1200" cap="none" spc="0" baseline="0" dirty="0">
-                <a:solidFill>
-                  <a:srgbClr val="344A9A"/>
-                </a:solidFill>
-                <a:uFillTx/>
-                <a:latin typeface="Arial"/>
-              </a:rPr>
-              <a:t>architecture </a:t>
-            </a:r>
-            <a:r>
-              <a:rPr lang="en-US" sz="1100" dirty="0">
-                <a:solidFill>
-                  <a:srgbClr val="344A9A"/>
-                </a:solidFill>
-              </a:rPr>
-              <a:t>[2]</a:t>
-            </a:r>
-            <a:endParaRPr lang="en-US" sz="1100" b="0" i="0" u="none" strike="noStrike" kern="1200" cap="none" spc="0" baseline="0" dirty="0">
-              <a:solidFill>
-                <a:srgbClr val="344A9A"/>
-              </a:solidFill>
-              <a:uFillTx/>
-              <a:latin typeface="Arial"/>
-            </a:endParaRPr>
-          </a:p>
-        </p:txBody>
-      </p:sp>
-      <p:pic>
-        <p:nvPicPr>
-          <p:cNvPr id="7" name="Picture 9">
-            <a:extLst>
-              <a:ext uri="{FF2B5EF4-FFF2-40B4-BE49-F238E27FC236}">
-                <a16:creationId xmlns:a16="http://schemas.microsoft.com/office/drawing/2014/main" id="{D61DA702-66A8-0B6B-6AE0-83CEAC797D36}"/>
-              </a:ext>
-            </a:extLst>
-          </p:cNvPr>
-          <p:cNvPicPr>
-            <a:picLocks noChangeAspect="1"/>
-          </p:cNvPicPr>
-          <p:nvPr/>
-        </p:nvPicPr>
-        <p:blipFill>
-          <a:blip r:embed="rId4"/>
-          <a:srcRect t="44639" r="77800" b="4607"/>
-          <a:stretch>
-            <a:fillRect/>
-          </a:stretch>
-        </p:blipFill>
-        <p:spPr>
-          <a:xfrm>
-            <a:off x="1282824" y="1758538"/>
-            <a:ext cx="1882165" cy="3340923"/>
-          </a:xfrm>
-          <a:prstGeom prst="rect">
-            <a:avLst/>
-          </a:prstGeom>
-          <a:noFill/>
-          <a:ln cap="flat">
-            <a:noFill/>
-          </a:ln>
-        </p:spPr>
-      </p:pic>
-      <p:sp>
-        <p:nvSpPr>
-          <p:cNvPr id="8" name="TextBox 10">
-            <a:extLst>
-              <a:ext uri="{FF2B5EF4-FFF2-40B4-BE49-F238E27FC236}">
-                <a16:creationId xmlns:a16="http://schemas.microsoft.com/office/drawing/2014/main" id="{FC4812B1-907C-6185-B019-9F5279579CFB}"/>
-              </a:ext>
-            </a:extLst>
-          </p:cNvPr>
-          <p:cNvSpPr txBox="1"/>
-          <p:nvPr/>
-        </p:nvSpPr>
-        <p:spPr>
-          <a:xfrm>
-            <a:off x="600907" y="5251142"/>
-            <a:ext cx="3245998" cy="430887"/>
-          </a:xfrm>
-          <a:prstGeom prst="rect">
-            <a:avLst/>
-          </a:prstGeom>
-          <a:noFill/>
-          <a:ln cap="flat">
-            <a:noFill/>
-          </a:ln>
-        </p:spPr>
-        <p:txBody>
-          <a:bodyPr vert="horz" wrap="square" lIns="91440" tIns="45720" rIns="91440" bIns="45720" anchor="t" anchorCtr="0" compatLnSpc="1">
-            <a:spAutoFit/>
-          </a:bodyPr>
-          <a:lstStyle/>
-          <a:p>
-            <a:pPr marL="0" marR="0" lvl="0" indent="0" algn="l" defTabSz="914400" rtl="0" fontAlgn="auto" hangingPunct="1">
-              <a:lnSpc>
-                <a:spcPct val="100000"/>
-              </a:lnSpc>
-              <a:spcBef>
-                <a:spcPts val="0"/>
-              </a:spcBef>
-              <a:spcAft>
-                <a:spcPts val="0"/>
-              </a:spcAft>
-              <a:buNone/>
-              <a:tabLst/>
-              <a:defRPr sz="1800" b="0" i="0" u="none" strike="noStrike" kern="0" cap="none" spc="0" baseline="0">
-                <a:solidFill>
-                  <a:srgbClr val="000000"/>
-                </a:solidFill>
-                <a:uFillTx/>
-              </a:defRPr>
-            </a:pPr>
-            <a:r>
-              <a:rPr lang="en-US" sz="1100" b="0" i="0" u="none" strike="noStrike" kern="1200" cap="none" spc="0" baseline="0" dirty="0">
-                <a:solidFill>
-                  <a:srgbClr val="344A9A"/>
-                </a:solidFill>
-                <a:uFillTx/>
-                <a:latin typeface="Arial"/>
-              </a:rPr>
-              <a:t>Fig: 3 Excerpt of a </a:t>
-            </a:r>
-            <a:r>
-              <a:rPr lang="en-US" sz="1100" b="0" i="0" u="none" strike="noStrike" kern="1200" cap="none" spc="0" baseline="0" dirty="0" err="1">
-                <a:solidFill>
-                  <a:srgbClr val="344A9A"/>
-                </a:solidFill>
-                <a:uFillTx/>
-                <a:latin typeface="Arial"/>
-              </a:rPr>
-              <a:t>ReTI</a:t>
-            </a:r>
-            <a:r>
-              <a:rPr lang="en-US" sz="1100" b="0" i="0" u="none" strike="noStrike" kern="1200" cap="none" spc="0" baseline="0" dirty="0">
-                <a:solidFill>
-                  <a:srgbClr val="344A9A"/>
-                </a:solidFill>
-                <a:uFillTx/>
-                <a:latin typeface="Arial"/>
-              </a:rPr>
-              <a:t> program that calculates Fibonacci numbers</a:t>
-            </a:r>
-          </a:p>
-        </p:txBody>
-      </p:sp>
-      <p:sp>
-        <p:nvSpPr>
-          <p:cNvPr id="9" name="Titel 6">
-            <a:extLst>
-              <a:ext uri="{FF2B5EF4-FFF2-40B4-BE49-F238E27FC236}">
-                <a16:creationId xmlns:a16="http://schemas.microsoft.com/office/drawing/2014/main" id="{049244EC-F49A-E530-60A3-922015CFD33A}"/>
-              </a:ext>
-            </a:extLst>
-          </p:cNvPr>
-          <p:cNvSpPr txBox="1">
-            <a:spLocks noGrp="1"/>
-          </p:cNvSpPr>
-          <p:nvPr>
-            <p:ph type="title"/>
-          </p:nvPr>
-        </p:nvSpPr>
-        <p:spPr>
-          <a:xfrm>
-            <a:off x="442917" y="365129"/>
-            <a:ext cx="11341102" cy="361709"/>
-          </a:xfrm>
-        </p:spPr>
-        <p:txBody>
-          <a:bodyPr/>
-          <a:lstStyle/>
-          <a:p>
-            <a:pPr lvl="0"/>
-            <a:r>
-              <a:rPr lang="en-US"/>
-              <a:t>ReTi-Architecture</a:t>
-            </a:r>
-            <a:endParaRPr lang="en-US">
-              <a:solidFill>
-                <a:srgbClr val="000000"/>
-              </a:solidFill>
-            </a:endParaRPr>
-          </a:p>
-        </p:txBody>
-      </p:sp>
-    </p:spTree>
-  </p:cSld>
-  <p:clrMapOvr>
-    <a:masterClrMapping/>
-  </p:clrMapOvr>
-</p:sld>
-</file>
-
-<file path=ppt/slides/slide6.xml><?xml version="1.0" encoding="utf-8"?>
-<p:sld xmlns:a="http://schemas.openxmlformats.org/drawingml/2006/main" xmlns:r="http://schemas.openxmlformats.org/officeDocument/2006/relationships" xmlns:p="http://schemas.openxmlformats.org/presentationml/2006/main">
-  <p:cSld>
-    <p:spTree>
-      <p:nvGrpSpPr>
-        <p:cNvPr id="1" name="">
-          <a:extLst>
-            <a:ext uri="{FF2B5EF4-FFF2-40B4-BE49-F238E27FC236}">
-              <a16:creationId xmlns:a16="http://schemas.microsoft.com/office/drawing/2014/main" id="{04F12B48-53A4-F710-2A77-1EFAD6D038B8}"/>
-            </a:ext>
-          </a:extLst>
-        </p:cNvPr>
-        <p:cNvGrpSpPr/>
-        <p:nvPr/>
-      </p:nvGrpSpPr>
-      <p:grpSpPr>
-        <a:xfrm>
-          <a:off x="0" y="0"/>
-          <a:ext cx="0" cy="0"/>
-          <a:chOff x="0" y="0"/>
-          <a:chExt cx="0" cy="0"/>
-        </a:xfrm>
-      </p:grpSpPr>
-      <p:sp>
-        <p:nvSpPr>
-          <p:cNvPr id="2" name="Datumsplatzhalter 3">
-            <a:extLst>
-              <a:ext uri="{FF2B5EF4-FFF2-40B4-BE49-F238E27FC236}">
-                <a16:creationId xmlns:a16="http://schemas.microsoft.com/office/drawing/2014/main" id="{16D84F0A-24CA-8294-5203-4E5D48206D5E}"/>
-              </a:ext>
-            </a:extLst>
-          </p:cNvPr>
-          <p:cNvSpPr txBox="1"/>
-          <p:nvPr/>
-        </p:nvSpPr>
-        <p:spPr>
-          <a:xfrm>
-            <a:off x="9248095" y="6462000"/>
-            <a:ext cx="1439997" cy="179999"/>
-          </a:xfrm>
-          <a:prstGeom prst="rect">
-            <a:avLst/>
-          </a:prstGeom>
-          <a:noFill/>
-          <a:ln cap="flat">
-            <a:noFill/>
-          </a:ln>
-        </p:spPr>
-        <p:txBody>
-          <a:bodyPr vert="horz" wrap="square" lIns="35999" tIns="0" rIns="0" bIns="0" anchor="t" anchorCtr="0" compatLnSpc="1">
-            <a:noAutofit/>
-          </a:bodyPr>
-          <a:lstStyle/>
-          <a:p>
-            <a:pPr marL="0" marR="0" lvl="0" indent="0" algn="l" defTabSz="914400" rtl="0" fontAlgn="auto" hangingPunct="1">
-              <a:lnSpc>
-                <a:spcPct val="100000"/>
-              </a:lnSpc>
-              <a:spcBef>
-                <a:spcPts val="0"/>
-              </a:spcBef>
-              <a:spcAft>
-                <a:spcPts val="0"/>
-              </a:spcAft>
-              <a:buNone/>
-              <a:tabLst/>
-              <a:defRPr sz="1800" b="0" i="0" u="none" strike="noStrike" kern="0" cap="none" spc="0" baseline="0">
-                <a:solidFill>
-                  <a:srgbClr val="000000"/>
-                </a:solidFill>
-                <a:uFillTx/>
-              </a:defRPr>
-            </a:pPr>
-            <a:fld id="{B17F62CB-A6D3-42C7-9FE0-43D9137E7D6C}" type="datetime4">
-              <a:rPr lang="en-US" sz="900" b="0" i="0" u="none" strike="noStrike" kern="1200" cap="none" spc="0" baseline="0">
-                <a:solidFill>
-                  <a:srgbClr val="344A9A"/>
-                </a:solidFill>
-                <a:uFillTx/>
-                <a:latin typeface="Arial" pitchFamily="34"/>
-                <a:cs typeface="Arial" pitchFamily="34"/>
-              </a:rPr>
-              <a:pPr marL="0" marR="0" lvl="0" indent="0" algn="l" defTabSz="914400" rtl="0" fontAlgn="auto" hangingPunct="1">
-                <a:lnSpc>
-                  <a:spcPct val="100000"/>
-                </a:lnSpc>
-                <a:spcBef>
-                  <a:spcPts val="0"/>
-                </a:spcBef>
-                <a:spcAft>
-                  <a:spcPts val="0"/>
-                </a:spcAft>
-                <a:buNone/>
-                <a:tabLst/>
-                <a:defRPr sz="1800" b="0" i="0" u="none" strike="noStrike" kern="0" cap="none" spc="0" baseline="0">
-                  <a:solidFill>
-                    <a:srgbClr val="000000"/>
-                  </a:solidFill>
-                  <a:uFillTx/>
-                </a:defRPr>
-              </a:pPr>
-              <a:t>November 12, 2025</a:t>
-            </a:fld>
-            <a:endParaRPr lang="en-US" sz="900" b="0" i="0" u="none" strike="noStrike" kern="1200" cap="none" spc="0" baseline="0">
-              <a:solidFill>
-                <a:srgbClr val="344A9A"/>
-              </a:solidFill>
-              <a:uFillTx/>
-              <a:latin typeface="Arial" pitchFamily="34"/>
-              <a:cs typeface="Arial" pitchFamily="34"/>
-            </a:endParaRPr>
-          </a:p>
-        </p:txBody>
-      </p:sp>
-      <p:sp>
-        <p:nvSpPr>
-          <p:cNvPr id="3" name="Fußzeilenplatzhalter 4">
-            <a:extLst>
-              <a:ext uri="{FF2B5EF4-FFF2-40B4-BE49-F238E27FC236}">
-                <a16:creationId xmlns:a16="http://schemas.microsoft.com/office/drawing/2014/main" id="{9ABE13ED-D017-3323-95AE-43443EED44A0}"/>
-              </a:ext>
-            </a:extLst>
-          </p:cNvPr>
-          <p:cNvSpPr txBox="1"/>
-          <p:nvPr/>
-        </p:nvSpPr>
-        <p:spPr>
-          <a:xfrm>
-            <a:off x="2980797" y="6462000"/>
-            <a:ext cx="6263996" cy="179999"/>
-          </a:xfrm>
-          <a:prstGeom prst="rect">
-            <a:avLst/>
-          </a:prstGeom>
-          <a:noFill/>
-          <a:ln cap="flat">
-            <a:noFill/>
-          </a:ln>
-        </p:spPr>
-        <p:txBody>
-          <a:bodyPr vert="horz" wrap="square" lIns="0" tIns="0" rIns="0" bIns="0" anchor="t" anchorCtr="0" compatLnSpc="1">
-            <a:noAutofit/>
-          </a:bodyPr>
-          <a:lstStyle/>
-          <a:p>
-            <a:pPr lvl="0" algn="r">
-              <a:defRPr sz="1800" b="0" i="0" u="none" strike="noStrike" kern="0" cap="none" spc="0" baseline="0">
-                <a:solidFill>
-                  <a:srgbClr val="000000"/>
-                </a:solidFill>
-                <a:uFillTx/>
-              </a:defRPr>
-            </a:pPr>
-            <a:r>
-              <a:rPr lang="en-US" sz="900" dirty="0">
-                <a:solidFill>
-                  <a:srgbClr val="344A9A"/>
-                </a:solidFill>
-                <a:latin typeface="Arial" pitchFamily="34"/>
-                <a:cs typeface="Arial" pitchFamily="34"/>
-              </a:rPr>
-              <a:t>Albert-Ludwigs-Universität Freiburg | </a:t>
-            </a:r>
-            <a:r>
-              <a:rPr lang="en-US" sz="900" dirty="0" err="1">
-                <a:solidFill>
-                  <a:srgbClr val="344A9A"/>
-                </a:solidFill>
-                <a:latin typeface="Arial" pitchFamily="34"/>
-                <a:cs typeface="Arial" pitchFamily="34"/>
-              </a:rPr>
-              <a:t>ReTI</a:t>
-            </a:r>
-            <a:r>
-              <a:rPr lang="en-US" sz="900" dirty="0">
-                <a:solidFill>
-                  <a:srgbClr val="344A9A"/>
-                </a:solidFill>
-                <a:latin typeface="Arial" pitchFamily="34"/>
-                <a:cs typeface="Arial" pitchFamily="34"/>
-              </a:rPr>
-              <a:t>-Tools: A </a:t>
-            </a:r>
-            <a:r>
-              <a:rPr lang="en-US" sz="900" dirty="0" err="1">
-                <a:solidFill>
-                  <a:srgbClr val="344A9A"/>
-                </a:solidFill>
-                <a:latin typeface="Arial" pitchFamily="34"/>
-                <a:cs typeface="Arial" pitchFamily="34"/>
-              </a:rPr>
-              <a:t>VSCode</a:t>
-            </a:r>
-            <a:r>
-              <a:rPr lang="en-US" sz="900" dirty="0">
-                <a:solidFill>
-                  <a:srgbClr val="344A9A"/>
-                </a:solidFill>
-                <a:latin typeface="Arial" pitchFamily="34"/>
-                <a:cs typeface="Arial" pitchFamily="34"/>
-              </a:rPr>
-              <a:t> Extension for </a:t>
-            </a:r>
-            <a:r>
-              <a:rPr lang="en-US" sz="900" dirty="0" err="1">
-                <a:solidFill>
-                  <a:srgbClr val="344A9A"/>
-                </a:solidFill>
-                <a:latin typeface="Arial" pitchFamily="34"/>
-                <a:cs typeface="Arial" pitchFamily="34"/>
-              </a:rPr>
-              <a:t>ReTI</a:t>
-            </a:r>
-            <a:r>
-              <a:rPr lang="en-US" sz="900" dirty="0">
-                <a:solidFill>
-                  <a:srgbClr val="344A9A"/>
-                </a:solidFill>
-                <a:latin typeface="Arial" pitchFamily="34"/>
-                <a:cs typeface="Arial" pitchFamily="34"/>
-              </a:rPr>
-              <a:t> Assembly Programming |</a:t>
-            </a:r>
-          </a:p>
-        </p:txBody>
-      </p:sp>
-      <p:sp>
-        <p:nvSpPr>
-          <p:cNvPr id="4" name="Foliennummernplatzhalter 5">
-            <a:extLst>
-              <a:ext uri="{FF2B5EF4-FFF2-40B4-BE49-F238E27FC236}">
-                <a16:creationId xmlns:a16="http://schemas.microsoft.com/office/drawing/2014/main" id="{A29BE55B-E2B0-78CB-3A44-6D02C8818A2C}"/>
-              </a:ext>
-            </a:extLst>
-          </p:cNvPr>
-          <p:cNvSpPr txBox="1"/>
-          <p:nvPr/>
-        </p:nvSpPr>
-        <p:spPr>
-          <a:xfrm>
-            <a:off x="11424010" y="6462311"/>
-            <a:ext cx="359999" cy="179999"/>
-          </a:xfrm>
-          <a:prstGeom prst="rect">
-            <a:avLst/>
-          </a:prstGeom>
-          <a:noFill/>
-          <a:ln cap="flat">
-            <a:noFill/>
-          </a:ln>
-        </p:spPr>
-        <p:txBody>
-          <a:bodyPr vert="horz" wrap="square" lIns="0" tIns="0" rIns="0" bIns="0" anchor="t" anchorCtr="0" compatLnSpc="1">
-            <a:noAutofit/>
-          </a:bodyPr>
-          <a:lstStyle/>
-          <a:p>
-            <a:pPr marL="0" marR="0" lvl="0" indent="0" algn="r" defTabSz="914400" rtl="0" fontAlgn="auto" hangingPunct="1">
-              <a:lnSpc>
-                <a:spcPct val="100000"/>
-              </a:lnSpc>
-              <a:spcBef>
-                <a:spcPts val="0"/>
-              </a:spcBef>
-              <a:spcAft>
-                <a:spcPts val="0"/>
-              </a:spcAft>
-              <a:buNone/>
-              <a:tabLst/>
-              <a:defRPr sz="1800" b="0" i="0" u="none" strike="noStrike" kern="0" cap="none" spc="0" baseline="0">
-                <a:solidFill>
-                  <a:srgbClr val="000000"/>
-                </a:solidFill>
-                <a:uFillTx/>
-              </a:defRPr>
-            </a:pPr>
-            <a:fld id="{554DAC00-2F27-4FC3-8A41-F99783442A22}" type="slidenum">
-              <a:rPr/>
-              <a:t>6</a:t>
             </a:fld>
             <a:endParaRPr lang="en-US" sz="900" b="0" i="0" u="none" strike="noStrike" kern="1200" cap="none" spc="0" baseline="0">
               <a:solidFill>
@@ -31149,6 +29315,1771 @@
 </p:sld>
 </file>
 
+<file path=ppt/slides/slide5.xml><?xml version="1.0" encoding="utf-8"?>
+<p:sld xmlns:a="http://schemas.openxmlformats.org/drawingml/2006/main" xmlns:r="http://schemas.openxmlformats.org/officeDocument/2006/relationships" xmlns:p="http://schemas.openxmlformats.org/presentationml/2006/main">
+  <p:cSld>
+    <p:spTree>
+      <p:nvGrpSpPr>
+        <p:cNvPr id="1" name="">
+          <a:extLst>
+            <a:ext uri="{FF2B5EF4-FFF2-40B4-BE49-F238E27FC236}">
+              <a16:creationId xmlns:a16="http://schemas.microsoft.com/office/drawing/2014/main" id="{45965FF6-631E-97C1-6E89-AA549BC98546}"/>
+            </a:ext>
+          </a:extLst>
+        </p:cNvPr>
+        <p:cNvGrpSpPr/>
+        <p:nvPr/>
+      </p:nvGrpSpPr>
+      <p:grpSpPr>
+        <a:xfrm>
+          <a:off x="0" y="0"/>
+          <a:ext cx="0" cy="0"/>
+          <a:chOff x="0" y="0"/>
+          <a:chExt cx="0" cy="0"/>
+        </a:xfrm>
+      </p:grpSpPr>
+      <p:sp>
+        <p:nvSpPr>
+          <p:cNvPr id="2" name="Titel 6">
+            <a:extLst>
+              <a:ext uri="{FF2B5EF4-FFF2-40B4-BE49-F238E27FC236}">
+                <a16:creationId xmlns:a16="http://schemas.microsoft.com/office/drawing/2014/main" id="{8BFE97E9-93EF-4738-A05A-62A3FC817CC0}"/>
+              </a:ext>
+            </a:extLst>
+          </p:cNvPr>
+          <p:cNvSpPr txBox="1">
+            <a:spLocks noGrp="1"/>
+          </p:cNvSpPr>
+          <p:nvPr>
+            <p:ph type="title"/>
+          </p:nvPr>
+        </p:nvSpPr>
+        <p:spPr>
+          <a:xfrm>
+            <a:off x="442917" y="365129"/>
+            <a:ext cx="11341102" cy="361709"/>
+          </a:xfrm>
+        </p:spPr>
+        <p:txBody>
+          <a:bodyPr/>
+          <a:lstStyle/>
+          <a:p>
+            <a:pPr lvl="0"/>
+            <a:r>
+              <a:rPr lang="en-US"/>
+              <a:t>Motivation</a:t>
+            </a:r>
+            <a:endParaRPr lang="en-US">
+              <a:solidFill>
+                <a:srgbClr val="000000"/>
+              </a:solidFill>
+            </a:endParaRPr>
+          </a:p>
+        </p:txBody>
+      </p:sp>
+      <p:sp>
+        <p:nvSpPr>
+          <p:cNvPr id="3" name="Datumsplatzhalter 3">
+            <a:extLst>
+              <a:ext uri="{FF2B5EF4-FFF2-40B4-BE49-F238E27FC236}">
+                <a16:creationId xmlns:a16="http://schemas.microsoft.com/office/drawing/2014/main" id="{E4E00250-2707-2073-A3A6-AC8FC895D014}"/>
+              </a:ext>
+            </a:extLst>
+          </p:cNvPr>
+          <p:cNvSpPr txBox="1"/>
+          <p:nvPr/>
+        </p:nvSpPr>
+        <p:spPr>
+          <a:xfrm>
+            <a:off x="9248095" y="6462000"/>
+            <a:ext cx="1439997" cy="179999"/>
+          </a:xfrm>
+          <a:prstGeom prst="rect">
+            <a:avLst/>
+          </a:prstGeom>
+          <a:noFill/>
+          <a:ln cap="flat">
+            <a:noFill/>
+          </a:ln>
+        </p:spPr>
+        <p:txBody>
+          <a:bodyPr vert="horz" wrap="square" lIns="35999" tIns="0" rIns="0" bIns="0" anchor="t" anchorCtr="0" compatLnSpc="1">
+            <a:noAutofit/>
+          </a:bodyPr>
+          <a:lstStyle/>
+          <a:p>
+            <a:pPr marL="0" marR="0" lvl="0" indent="0" algn="l" defTabSz="914400" rtl="0" fontAlgn="auto" hangingPunct="1">
+              <a:lnSpc>
+                <a:spcPct val="100000"/>
+              </a:lnSpc>
+              <a:spcBef>
+                <a:spcPts val="0"/>
+              </a:spcBef>
+              <a:spcAft>
+                <a:spcPts val="0"/>
+              </a:spcAft>
+              <a:buNone/>
+              <a:tabLst/>
+              <a:defRPr sz="1800" b="0" i="0" u="none" strike="noStrike" kern="0" cap="none" spc="0" baseline="0">
+                <a:solidFill>
+                  <a:srgbClr val="000000"/>
+                </a:solidFill>
+                <a:uFillTx/>
+              </a:defRPr>
+            </a:pPr>
+            <a:fld id="{27D67F97-4545-442D-B0E5-FFE75471992B}" type="datetime4">
+              <a:rPr lang="en-US" sz="900" b="0" i="0" u="none" strike="noStrike" kern="1200" cap="none" spc="0" baseline="0">
+                <a:solidFill>
+                  <a:srgbClr val="344A9A"/>
+                </a:solidFill>
+                <a:uFillTx/>
+                <a:latin typeface="Arial" pitchFamily="34"/>
+                <a:cs typeface="Arial" pitchFamily="34"/>
+              </a:rPr>
+              <a:pPr marL="0" marR="0" lvl="0" indent="0" algn="l" defTabSz="914400" rtl="0" fontAlgn="auto" hangingPunct="1">
+                <a:lnSpc>
+                  <a:spcPct val="100000"/>
+                </a:lnSpc>
+                <a:spcBef>
+                  <a:spcPts val="0"/>
+                </a:spcBef>
+                <a:spcAft>
+                  <a:spcPts val="0"/>
+                </a:spcAft>
+                <a:buNone/>
+                <a:tabLst/>
+                <a:defRPr sz="1800" b="0" i="0" u="none" strike="noStrike" kern="0" cap="none" spc="0" baseline="0">
+                  <a:solidFill>
+                    <a:srgbClr val="000000"/>
+                  </a:solidFill>
+                  <a:uFillTx/>
+                </a:defRPr>
+              </a:pPr>
+              <a:t>November 12, 2025</a:t>
+            </a:fld>
+            <a:endParaRPr lang="en-US" sz="900" b="0" i="0" u="none" strike="noStrike" kern="1200" cap="none" spc="0" baseline="0">
+              <a:solidFill>
+                <a:srgbClr val="344A9A"/>
+              </a:solidFill>
+              <a:uFillTx/>
+              <a:latin typeface="Arial" pitchFamily="34"/>
+              <a:cs typeface="Arial" pitchFamily="34"/>
+            </a:endParaRPr>
+          </a:p>
+        </p:txBody>
+      </p:sp>
+      <p:sp>
+        <p:nvSpPr>
+          <p:cNvPr id="4" name="Fußzeilenplatzhalter 4">
+            <a:extLst>
+              <a:ext uri="{FF2B5EF4-FFF2-40B4-BE49-F238E27FC236}">
+                <a16:creationId xmlns:a16="http://schemas.microsoft.com/office/drawing/2014/main" id="{9E088312-FBB9-EB7E-DA91-51C8EE2C56E5}"/>
+              </a:ext>
+            </a:extLst>
+          </p:cNvPr>
+          <p:cNvSpPr txBox="1"/>
+          <p:nvPr/>
+        </p:nvSpPr>
+        <p:spPr>
+          <a:xfrm>
+            <a:off x="2980797" y="6462000"/>
+            <a:ext cx="6263996" cy="179999"/>
+          </a:xfrm>
+          <a:prstGeom prst="rect">
+            <a:avLst/>
+          </a:prstGeom>
+          <a:noFill/>
+          <a:ln cap="flat">
+            <a:noFill/>
+          </a:ln>
+        </p:spPr>
+        <p:txBody>
+          <a:bodyPr vert="horz" wrap="square" lIns="0" tIns="0" rIns="0" bIns="0" anchor="t" anchorCtr="0" compatLnSpc="1">
+            <a:noAutofit/>
+          </a:bodyPr>
+          <a:lstStyle/>
+          <a:p>
+            <a:pPr lvl="0" algn="r">
+              <a:defRPr sz="1800" b="0" i="0" u="none" strike="noStrike" kern="0" cap="none" spc="0" baseline="0">
+                <a:solidFill>
+                  <a:srgbClr val="000000"/>
+                </a:solidFill>
+                <a:uFillTx/>
+              </a:defRPr>
+            </a:pPr>
+            <a:r>
+              <a:rPr lang="en-US" sz="900" dirty="0">
+                <a:solidFill>
+                  <a:srgbClr val="344A9A"/>
+                </a:solidFill>
+                <a:latin typeface="Arial" pitchFamily="34"/>
+                <a:cs typeface="Arial" pitchFamily="34"/>
+              </a:rPr>
+              <a:t>Albert-Ludwigs-Universität Freiburg | </a:t>
+            </a:r>
+            <a:r>
+              <a:rPr lang="en-US" sz="900" dirty="0" err="1">
+                <a:solidFill>
+                  <a:srgbClr val="344A9A"/>
+                </a:solidFill>
+                <a:latin typeface="Arial" pitchFamily="34"/>
+                <a:cs typeface="Arial" pitchFamily="34"/>
+              </a:rPr>
+              <a:t>ReTI</a:t>
+            </a:r>
+            <a:r>
+              <a:rPr lang="en-US" sz="900" dirty="0">
+                <a:solidFill>
+                  <a:srgbClr val="344A9A"/>
+                </a:solidFill>
+                <a:latin typeface="Arial" pitchFamily="34"/>
+                <a:cs typeface="Arial" pitchFamily="34"/>
+              </a:rPr>
+              <a:t>-Tools: A </a:t>
+            </a:r>
+            <a:r>
+              <a:rPr lang="en-US" sz="900" dirty="0" err="1">
+                <a:solidFill>
+                  <a:srgbClr val="344A9A"/>
+                </a:solidFill>
+                <a:latin typeface="Arial" pitchFamily="34"/>
+                <a:cs typeface="Arial" pitchFamily="34"/>
+              </a:rPr>
+              <a:t>VSCode</a:t>
+            </a:r>
+            <a:r>
+              <a:rPr lang="en-US" sz="900" dirty="0">
+                <a:solidFill>
+                  <a:srgbClr val="344A9A"/>
+                </a:solidFill>
+                <a:latin typeface="Arial" pitchFamily="34"/>
+                <a:cs typeface="Arial" pitchFamily="34"/>
+              </a:rPr>
+              <a:t> Extension for </a:t>
+            </a:r>
+            <a:r>
+              <a:rPr lang="en-US" sz="900" dirty="0" err="1">
+                <a:solidFill>
+                  <a:srgbClr val="344A9A"/>
+                </a:solidFill>
+                <a:latin typeface="Arial" pitchFamily="34"/>
+                <a:cs typeface="Arial" pitchFamily="34"/>
+              </a:rPr>
+              <a:t>ReTI</a:t>
+            </a:r>
+            <a:r>
+              <a:rPr lang="en-US" sz="900" dirty="0">
+                <a:solidFill>
+                  <a:srgbClr val="344A9A"/>
+                </a:solidFill>
+                <a:latin typeface="Arial" pitchFamily="34"/>
+                <a:cs typeface="Arial" pitchFamily="34"/>
+              </a:rPr>
+              <a:t> Assembly Programming |</a:t>
+            </a:r>
+          </a:p>
+        </p:txBody>
+      </p:sp>
+      <p:sp>
+        <p:nvSpPr>
+          <p:cNvPr id="5" name="Foliennummernplatzhalter 5">
+            <a:extLst>
+              <a:ext uri="{FF2B5EF4-FFF2-40B4-BE49-F238E27FC236}">
+                <a16:creationId xmlns:a16="http://schemas.microsoft.com/office/drawing/2014/main" id="{24D93C2B-FF16-BE4F-D541-C80828D0B38A}"/>
+              </a:ext>
+            </a:extLst>
+          </p:cNvPr>
+          <p:cNvSpPr txBox="1"/>
+          <p:nvPr/>
+        </p:nvSpPr>
+        <p:spPr>
+          <a:xfrm>
+            <a:off x="11424010" y="6462311"/>
+            <a:ext cx="359999" cy="179999"/>
+          </a:xfrm>
+          <a:prstGeom prst="rect">
+            <a:avLst/>
+          </a:prstGeom>
+          <a:noFill/>
+          <a:ln cap="flat">
+            <a:noFill/>
+          </a:ln>
+        </p:spPr>
+        <p:txBody>
+          <a:bodyPr vert="horz" wrap="square" lIns="0" tIns="0" rIns="0" bIns="0" anchor="t" anchorCtr="0" compatLnSpc="1">
+            <a:noAutofit/>
+          </a:bodyPr>
+          <a:lstStyle/>
+          <a:p>
+            <a:pPr marL="0" marR="0" lvl="0" indent="0" algn="r" defTabSz="914400" rtl="0" fontAlgn="auto" hangingPunct="1">
+              <a:lnSpc>
+                <a:spcPct val="100000"/>
+              </a:lnSpc>
+              <a:spcBef>
+                <a:spcPts val="0"/>
+              </a:spcBef>
+              <a:spcAft>
+                <a:spcPts val="0"/>
+              </a:spcAft>
+              <a:buNone/>
+              <a:tabLst/>
+              <a:defRPr sz="1800" b="0" i="0" u="none" strike="noStrike" kern="0" cap="none" spc="0" baseline="0">
+                <a:solidFill>
+                  <a:srgbClr val="000000"/>
+                </a:solidFill>
+                <a:uFillTx/>
+              </a:defRPr>
+            </a:pPr>
+            <a:fld id="{F90024A3-8795-48F5-A2E6-DADFA7309283}" type="slidenum">
+              <a:rPr/>
+              <a:t>5</a:t>
+            </a:fld>
+            <a:endParaRPr lang="en-US" sz="900" b="0" i="0" u="none" strike="noStrike" kern="1200" cap="none" spc="0" baseline="0">
+              <a:solidFill>
+                <a:srgbClr val="344A9A"/>
+              </a:solidFill>
+              <a:uFillTx/>
+              <a:latin typeface="Arial" pitchFamily="34"/>
+              <a:cs typeface="Arial" pitchFamily="34"/>
+            </a:endParaRPr>
+          </a:p>
+        </p:txBody>
+      </p:sp>
+      <p:sp>
+        <p:nvSpPr>
+          <p:cNvPr id="6" name="AutoShape 2">
+            <a:extLst>
+              <a:ext uri="{FF2B5EF4-FFF2-40B4-BE49-F238E27FC236}">
+                <a16:creationId xmlns:a16="http://schemas.microsoft.com/office/drawing/2014/main" id="{906DBD19-427E-08F5-AF6A-6B5BB4D73F74}"/>
+              </a:ext>
+            </a:extLst>
+          </p:cNvPr>
+          <p:cNvSpPr/>
+          <p:nvPr/>
+        </p:nvSpPr>
+        <p:spPr>
+          <a:xfrm>
+            <a:off x="5943600" y="3276596"/>
+            <a:ext cx="304796" cy="304796"/>
+          </a:xfrm>
+          <a:prstGeom prst="rect">
+            <a:avLst/>
+          </a:prstGeom>
+          <a:noFill/>
+          <a:ln cap="flat">
+            <a:noFill/>
+            <a:prstDash val="solid"/>
+          </a:ln>
+        </p:spPr>
+        <p:txBody>
+          <a:bodyPr vert="horz" wrap="square" lIns="91440" tIns="45720" rIns="91440" bIns="45720" anchor="t" anchorCtr="0" compatLnSpc="1">
+            <a:noAutofit/>
+          </a:bodyPr>
+          <a:lstStyle/>
+          <a:p>
+            <a:pPr marL="0" marR="0" lvl="0" indent="0" algn="l" defTabSz="914400" rtl="0" fontAlgn="auto" hangingPunct="1">
+              <a:lnSpc>
+                <a:spcPct val="100000"/>
+              </a:lnSpc>
+              <a:spcBef>
+                <a:spcPts val="0"/>
+              </a:spcBef>
+              <a:spcAft>
+                <a:spcPts val="0"/>
+              </a:spcAft>
+              <a:buNone/>
+              <a:tabLst/>
+              <a:defRPr sz="1800" b="0" i="0" u="none" strike="noStrike" kern="0" cap="none" spc="0" baseline="0">
+                <a:solidFill>
+                  <a:srgbClr val="000000"/>
+                </a:solidFill>
+                <a:uFillTx/>
+              </a:defRPr>
+            </a:pPr>
+            <a:endParaRPr lang="de-DE" sz="1800" b="0" i="0" u="none" strike="noStrike" kern="1200" cap="none" spc="0" baseline="0">
+              <a:solidFill>
+                <a:srgbClr val="000000"/>
+              </a:solidFill>
+              <a:uFillTx/>
+              <a:latin typeface="Calibri"/>
+            </a:endParaRPr>
+          </a:p>
+        </p:txBody>
+      </p:sp>
+      <p:sp>
+        <p:nvSpPr>
+          <p:cNvPr id="7" name="AutoShape 4">
+            <a:extLst>
+              <a:ext uri="{FF2B5EF4-FFF2-40B4-BE49-F238E27FC236}">
+                <a16:creationId xmlns:a16="http://schemas.microsoft.com/office/drawing/2014/main" id="{3ED6E21B-3CF7-F4CD-A7AE-94A83C35E10E}"/>
+              </a:ext>
+            </a:extLst>
+          </p:cNvPr>
+          <p:cNvSpPr/>
+          <p:nvPr/>
+        </p:nvSpPr>
+        <p:spPr>
+          <a:xfrm>
+            <a:off x="6096003" y="3429000"/>
+            <a:ext cx="304796" cy="304796"/>
+          </a:xfrm>
+          <a:prstGeom prst="rect">
+            <a:avLst/>
+          </a:prstGeom>
+          <a:noFill/>
+          <a:ln cap="flat">
+            <a:noFill/>
+            <a:prstDash val="solid"/>
+          </a:ln>
+        </p:spPr>
+        <p:txBody>
+          <a:bodyPr vert="horz" wrap="square" lIns="91440" tIns="45720" rIns="91440" bIns="45720" anchor="t" anchorCtr="0" compatLnSpc="1">
+            <a:noAutofit/>
+          </a:bodyPr>
+          <a:lstStyle/>
+          <a:p>
+            <a:pPr marL="0" marR="0" lvl="0" indent="0" algn="l" defTabSz="914400" rtl="0" fontAlgn="auto" hangingPunct="1">
+              <a:lnSpc>
+                <a:spcPct val="100000"/>
+              </a:lnSpc>
+              <a:spcBef>
+                <a:spcPts val="0"/>
+              </a:spcBef>
+              <a:spcAft>
+                <a:spcPts val="0"/>
+              </a:spcAft>
+              <a:buNone/>
+              <a:tabLst/>
+              <a:defRPr sz="1800" b="0" i="0" u="none" strike="noStrike" kern="0" cap="none" spc="0" baseline="0">
+                <a:solidFill>
+                  <a:srgbClr val="000000"/>
+                </a:solidFill>
+                <a:uFillTx/>
+              </a:defRPr>
+            </a:pPr>
+            <a:endParaRPr lang="de-DE" sz="1800" b="0" i="0" u="none" strike="noStrike" kern="1200" cap="none" spc="0" baseline="0">
+              <a:solidFill>
+                <a:srgbClr val="000000"/>
+              </a:solidFill>
+              <a:uFillTx/>
+              <a:latin typeface="Calibri"/>
+            </a:endParaRPr>
+          </a:p>
+        </p:txBody>
+      </p:sp>
+      <p:sp>
+        <p:nvSpPr>
+          <p:cNvPr id="8" name="AutoShape 6">
+            <a:extLst>
+              <a:ext uri="{FF2B5EF4-FFF2-40B4-BE49-F238E27FC236}">
+                <a16:creationId xmlns:a16="http://schemas.microsoft.com/office/drawing/2014/main" id="{78EB74D9-4C6E-7B51-D98E-A49754948B95}"/>
+              </a:ext>
+            </a:extLst>
+          </p:cNvPr>
+          <p:cNvSpPr/>
+          <p:nvPr/>
+        </p:nvSpPr>
+        <p:spPr>
+          <a:xfrm>
+            <a:off x="6248396" y="3581403"/>
+            <a:ext cx="304796" cy="304796"/>
+          </a:xfrm>
+          <a:prstGeom prst="rect">
+            <a:avLst/>
+          </a:prstGeom>
+          <a:noFill/>
+          <a:ln cap="flat">
+            <a:noFill/>
+            <a:prstDash val="solid"/>
+          </a:ln>
+        </p:spPr>
+        <p:txBody>
+          <a:bodyPr vert="horz" wrap="square" lIns="91440" tIns="45720" rIns="91440" bIns="45720" anchor="t" anchorCtr="0" compatLnSpc="1">
+            <a:noAutofit/>
+          </a:bodyPr>
+          <a:lstStyle/>
+          <a:p>
+            <a:pPr marL="0" marR="0" lvl="0" indent="0" algn="l" defTabSz="914400" rtl="0" fontAlgn="auto" hangingPunct="1">
+              <a:lnSpc>
+                <a:spcPct val="100000"/>
+              </a:lnSpc>
+              <a:spcBef>
+                <a:spcPts val="0"/>
+              </a:spcBef>
+              <a:spcAft>
+                <a:spcPts val="0"/>
+              </a:spcAft>
+              <a:buNone/>
+              <a:tabLst/>
+              <a:defRPr sz="1800" b="0" i="0" u="none" strike="noStrike" kern="0" cap="none" spc="0" baseline="0">
+                <a:solidFill>
+                  <a:srgbClr val="000000"/>
+                </a:solidFill>
+                <a:uFillTx/>
+              </a:defRPr>
+            </a:pPr>
+            <a:endParaRPr lang="de-DE" sz="1800" b="0" i="0" u="none" strike="noStrike" kern="1200" cap="none" spc="0" baseline="0">
+              <a:solidFill>
+                <a:srgbClr val="000000"/>
+              </a:solidFill>
+              <a:uFillTx/>
+              <a:latin typeface="Calibri"/>
+            </a:endParaRPr>
+          </a:p>
+        </p:txBody>
+      </p:sp>
+      <p:pic>
+        <p:nvPicPr>
+          <p:cNvPr id="23" name="Picture 22">
+            <a:extLst>
+              <a:ext uri="{FF2B5EF4-FFF2-40B4-BE49-F238E27FC236}">
+                <a16:creationId xmlns:a16="http://schemas.microsoft.com/office/drawing/2014/main" id="{4F8C6EDD-BCB3-2754-8E18-434759CD6FE9}"/>
+              </a:ext>
+            </a:extLst>
+          </p:cNvPr>
+          <p:cNvPicPr>
+            <a:picLocks noChangeAspect="1"/>
+          </p:cNvPicPr>
+          <p:nvPr/>
+        </p:nvPicPr>
+        <p:blipFill>
+          <a:blip r:embed="rId3">
+            <a:extLst>
+              <a:ext uri="{28A0092B-C50C-407E-A947-70E740481C1C}">
+                <a14:useLocalDpi xmlns:a14="http://schemas.microsoft.com/office/drawing/2010/main" val="0"/>
+              </a:ext>
+            </a:extLst>
+          </a:blip>
+          <a:stretch>
+            <a:fillRect/>
+          </a:stretch>
+        </p:blipFill>
+        <p:spPr>
+          <a:xfrm>
+            <a:off x="442917" y="822255"/>
+            <a:ext cx="9252228" cy="4213455"/>
+          </a:xfrm>
+          <a:prstGeom prst="rect">
+            <a:avLst/>
+          </a:prstGeom>
+        </p:spPr>
+      </p:pic>
+      <p:sp>
+        <p:nvSpPr>
+          <p:cNvPr id="24" name="TextBox 10">
+            <a:extLst>
+              <a:ext uri="{FF2B5EF4-FFF2-40B4-BE49-F238E27FC236}">
+                <a16:creationId xmlns:a16="http://schemas.microsoft.com/office/drawing/2014/main" id="{09E07E64-3439-B1F1-2925-9EA342CD0E72}"/>
+              </a:ext>
+            </a:extLst>
+          </p:cNvPr>
+          <p:cNvSpPr txBox="1"/>
+          <p:nvPr/>
+        </p:nvSpPr>
+        <p:spPr>
+          <a:xfrm>
+            <a:off x="6277228" y="4875922"/>
+            <a:ext cx="3417917" cy="253916"/>
+          </a:xfrm>
+          <a:prstGeom prst="rect">
+            <a:avLst/>
+          </a:prstGeom>
+          <a:noFill/>
+          <a:ln cap="flat">
+            <a:noFill/>
+          </a:ln>
+        </p:spPr>
+        <p:txBody>
+          <a:bodyPr vert="horz" wrap="square" lIns="91440" tIns="45720" rIns="91440" bIns="45720" anchor="t" anchorCtr="0" compatLnSpc="1">
+            <a:spAutoFit/>
+          </a:bodyPr>
+          <a:lstStyle/>
+          <a:p>
+            <a:pPr lvl="0">
+              <a:defRPr sz="1800" b="0" i="0" u="none" strike="noStrike" kern="0" cap="none" spc="0" baseline="0">
+                <a:solidFill>
+                  <a:srgbClr val="000000"/>
+                </a:solidFill>
+                <a:uFillTx/>
+              </a:defRPr>
+            </a:pPr>
+            <a:r>
+              <a:rPr lang="en-US" sz="1050" b="0" i="0" u="none" strike="noStrike" kern="1200" cap="none" spc="0" baseline="0" dirty="0">
+                <a:solidFill>
+                  <a:srgbClr val="344A9A"/>
+                </a:solidFill>
+                <a:uFillTx/>
+                <a:latin typeface="Arial"/>
+              </a:rPr>
+              <a:t>Fig. </a:t>
+            </a:r>
+            <a:r>
+              <a:rPr lang="en-US" sz="1050" dirty="0">
+                <a:solidFill>
+                  <a:srgbClr val="344A9A"/>
+                </a:solidFill>
+                <a:latin typeface="Arial"/>
+              </a:rPr>
+              <a:t>2 </a:t>
+            </a:r>
+            <a:r>
+              <a:rPr lang="en-US" sz="1050" b="0" i="0" u="none" strike="noStrike" kern="1200" cap="none" spc="0" baseline="0" dirty="0">
+                <a:solidFill>
+                  <a:srgbClr val="344A9A"/>
+                </a:solidFill>
+                <a:uFillTx/>
+                <a:latin typeface="Arial"/>
+              </a:rPr>
+              <a:t>: Screenshot of the Emulator by Michel Giehl [3]</a:t>
+            </a:r>
+          </a:p>
+        </p:txBody>
+      </p:sp>
+      <p:sp>
+        <p:nvSpPr>
+          <p:cNvPr id="28" name="Inhaltsplatzhalter 3">
+            <a:extLst>
+              <a:ext uri="{FF2B5EF4-FFF2-40B4-BE49-F238E27FC236}">
+                <a16:creationId xmlns:a16="http://schemas.microsoft.com/office/drawing/2014/main" id="{2FB06923-DC85-1A16-81DA-B8EBE1227ADC}"/>
+              </a:ext>
+            </a:extLst>
+          </p:cNvPr>
+          <p:cNvSpPr txBox="1">
+            <a:spLocks noGrp="1"/>
+          </p:cNvSpPr>
+          <p:nvPr>
+            <p:ph type="body" idx="4294967295"/>
+          </p:nvPr>
+        </p:nvSpPr>
+        <p:spPr>
+          <a:xfrm>
+            <a:off x="442917" y="5036140"/>
+            <a:ext cx="10460990" cy="1269518"/>
+          </a:xfrm>
+        </p:spPr>
+        <p:txBody>
+          <a:bodyPr/>
+          <a:lstStyle/>
+          <a:p>
+            <a:pPr marL="0" indent="0">
+              <a:buNone/>
+            </a:pPr>
+            <a:r>
+              <a:rPr lang="en-US" b="1" dirty="0">
+                <a:solidFill>
+                  <a:srgbClr val="344A9A"/>
+                </a:solidFill>
+                <a:latin typeface="Calibri"/>
+              </a:rPr>
+              <a:t>Emulator by Michel Giehl:</a:t>
+            </a:r>
+            <a:endParaRPr lang="en-US" dirty="0">
+              <a:solidFill>
+                <a:srgbClr val="344A9A"/>
+              </a:solidFill>
+              <a:latin typeface="Calibri"/>
+            </a:endParaRPr>
+          </a:p>
+          <a:p>
+            <a:r>
+              <a:rPr lang="en-US" dirty="0">
+                <a:solidFill>
+                  <a:srgbClr val="344A9A"/>
+                </a:solidFill>
+                <a:latin typeface="Calibri"/>
+              </a:rPr>
+              <a:t>Web app, as of Monday 10</a:t>
+            </a:r>
+            <a:r>
+              <a:rPr lang="en-US" baseline="30000" dirty="0">
+                <a:solidFill>
+                  <a:srgbClr val="344A9A"/>
+                </a:solidFill>
+                <a:latin typeface="Calibri"/>
+              </a:rPr>
+              <a:t>th</a:t>
+            </a:r>
+            <a:r>
+              <a:rPr lang="en-US" dirty="0">
+                <a:solidFill>
+                  <a:srgbClr val="344A9A"/>
+                </a:solidFill>
+                <a:latin typeface="Calibri"/>
+              </a:rPr>
+              <a:t> November, only accessible through Uni network</a:t>
+            </a:r>
+          </a:p>
+          <a:p>
+            <a:r>
+              <a:rPr lang="en-US" dirty="0">
+                <a:solidFill>
+                  <a:srgbClr val="344A9A"/>
+                </a:solidFill>
+                <a:latin typeface="Calibri"/>
+              </a:rPr>
+              <a:t>Doesn’t support interrupts</a:t>
+            </a:r>
+            <a:endParaRPr lang="en-US" dirty="0"/>
+          </a:p>
+        </p:txBody>
+      </p:sp>
+    </p:spTree>
+    <p:extLst>
+      <p:ext uri="{BB962C8B-B14F-4D97-AF65-F5344CB8AC3E}">
+        <p14:creationId xmlns:p14="http://schemas.microsoft.com/office/powerpoint/2010/main" val="3271750732"/>
+      </p:ext>
+    </p:extLst>
+  </p:cSld>
+  <p:clrMapOvr>
+    <a:masterClrMapping/>
+  </p:clrMapOvr>
+  <p:timing>
+    <p:tnLst>
+      <p:par>
+        <p:cTn id="1" dur="indefinite" restart="never" nodeType="tmRoot">
+          <p:childTnLst>
+            <p:seq concurrent="1" nextAc="seek">
+              <p:cTn id="2" dur="indefinite" nodeType="mainSeq">
+                <p:childTnLst>
+                  <p:par>
+                    <p:cTn id="3" fill="hold">
+                      <p:stCondLst>
+                        <p:cond delay="indefinite"/>
+                      </p:stCondLst>
+                      <p:childTnLst>
+                        <p:par>
+                          <p:cTn id="4" fill="hold">
+                            <p:stCondLst>
+                              <p:cond delay="0"/>
+                            </p:stCondLst>
+                            <p:childTnLst>
+                              <p:par>
+                                <p:cTn id="5" presetID="1" presetClass="entr" presetSubtype="0" fill="hold" grpId="0" nodeType="clickEffect">
+                                  <p:stCondLst>
+                                    <p:cond delay="0"/>
+                                  </p:stCondLst>
+                                  <p:childTnLst>
+                                    <p:set>
+                                      <p:cBhvr>
+                                        <p:cTn id="6" dur="1" fill="hold">
+                                          <p:stCondLst>
+                                            <p:cond delay="0"/>
+                                          </p:stCondLst>
+                                        </p:cTn>
+                                        <p:tgtEl>
+                                          <p:spTgt spid="28">
+                                            <p:txEl>
+                                              <p:pRg st="0" end="0"/>
+                                            </p:txEl>
+                                          </p:spTgt>
+                                        </p:tgtEl>
+                                        <p:attrNameLst>
+                                          <p:attrName>style.visibility</p:attrName>
+                                        </p:attrNameLst>
+                                      </p:cBhvr>
+                                      <p:to>
+                                        <p:strVal val="visible"/>
+                                      </p:to>
+                                    </p:set>
+                                  </p:childTnLst>
+                                </p:cTn>
+                              </p:par>
+                            </p:childTnLst>
+                          </p:cTn>
+                        </p:par>
+                      </p:childTnLst>
+                    </p:cTn>
+                  </p:par>
+                  <p:par>
+                    <p:cTn id="7" fill="hold">
+                      <p:stCondLst>
+                        <p:cond delay="indefinite"/>
+                      </p:stCondLst>
+                      <p:childTnLst>
+                        <p:par>
+                          <p:cTn id="8" fill="hold">
+                            <p:stCondLst>
+                              <p:cond delay="0"/>
+                            </p:stCondLst>
+                            <p:childTnLst>
+                              <p:par>
+                                <p:cTn id="9" presetID="1" presetClass="entr" presetSubtype="0" fill="hold" grpId="0" nodeType="clickEffect">
+                                  <p:stCondLst>
+                                    <p:cond delay="0"/>
+                                  </p:stCondLst>
+                                  <p:childTnLst>
+                                    <p:set>
+                                      <p:cBhvr>
+                                        <p:cTn id="10" dur="1" fill="hold">
+                                          <p:stCondLst>
+                                            <p:cond delay="0"/>
+                                          </p:stCondLst>
+                                        </p:cTn>
+                                        <p:tgtEl>
+                                          <p:spTgt spid="28">
+                                            <p:txEl>
+                                              <p:pRg st="1" end="1"/>
+                                            </p:txEl>
+                                          </p:spTgt>
+                                        </p:tgtEl>
+                                        <p:attrNameLst>
+                                          <p:attrName>style.visibility</p:attrName>
+                                        </p:attrNameLst>
+                                      </p:cBhvr>
+                                      <p:to>
+                                        <p:strVal val="visible"/>
+                                      </p:to>
+                                    </p:set>
+                                  </p:childTnLst>
+                                </p:cTn>
+                              </p:par>
+                            </p:childTnLst>
+                          </p:cTn>
+                        </p:par>
+                      </p:childTnLst>
+                    </p:cTn>
+                  </p:par>
+                  <p:par>
+                    <p:cTn id="11" fill="hold">
+                      <p:stCondLst>
+                        <p:cond delay="indefinite"/>
+                      </p:stCondLst>
+                      <p:childTnLst>
+                        <p:par>
+                          <p:cTn id="12" fill="hold">
+                            <p:stCondLst>
+                              <p:cond delay="0"/>
+                            </p:stCondLst>
+                            <p:childTnLst>
+                              <p:par>
+                                <p:cTn id="13" presetID="1" presetClass="entr" presetSubtype="0" fill="hold" grpId="0" nodeType="clickEffect">
+                                  <p:stCondLst>
+                                    <p:cond delay="0"/>
+                                  </p:stCondLst>
+                                  <p:childTnLst>
+                                    <p:set>
+                                      <p:cBhvr>
+                                        <p:cTn id="14" dur="1" fill="hold">
+                                          <p:stCondLst>
+                                            <p:cond delay="0"/>
+                                          </p:stCondLst>
+                                        </p:cTn>
+                                        <p:tgtEl>
+                                          <p:spTgt spid="28">
+                                            <p:txEl>
+                                              <p:pRg st="2" end="2"/>
+                                            </p:txEl>
+                                          </p:spTgt>
+                                        </p:tgtEl>
+                                        <p:attrNameLst>
+                                          <p:attrName>style.visibility</p:attrName>
+                                        </p:attrNameLst>
+                                      </p:cBhvr>
+                                      <p:to>
+                                        <p:strVal val="visible"/>
+                                      </p:to>
+                                    </p:set>
+                                  </p:childTnLst>
+                                </p:cTn>
+                              </p:par>
+                            </p:childTnLst>
+                          </p:cTn>
+                        </p:par>
+                      </p:childTnLst>
+                    </p:cTn>
+                  </p:par>
+                </p:childTnLst>
+              </p:cTn>
+              <p:prevCondLst>
+                <p:cond evt="onPrev" delay="0">
+                  <p:tgtEl>
+                    <p:sldTgt/>
+                  </p:tgtEl>
+                </p:cond>
+              </p:prevCondLst>
+              <p:nextCondLst>
+                <p:cond evt="onNext" delay="0">
+                  <p:tgtEl>
+                    <p:sldTgt/>
+                  </p:tgtEl>
+                </p:cond>
+              </p:nextCondLst>
+            </p:seq>
+          </p:childTnLst>
+        </p:cTn>
+      </p:par>
+    </p:tnLst>
+    <p:bldLst>
+      <p:bldP spid="28" grpId="0" build="p"/>
+    </p:bldLst>
+  </p:timing>
+</p:sld>
+</file>
+
+<file path=ppt/slides/slide6.xml><?xml version="1.0" encoding="utf-8"?>
+<p:sld xmlns:a="http://schemas.openxmlformats.org/drawingml/2006/main" xmlns:r="http://schemas.openxmlformats.org/officeDocument/2006/relationships" xmlns:p="http://schemas.openxmlformats.org/presentationml/2006/main">
+  <p:cSld name="Slide8">
+    <p:spTree>
+      <p:nvGrpSpPr>
+        <p:cNvPr id="1" name=""/>
+        <p:cNvGrpSpPr/>
+        <p:nvPr/>
+      </p:nvGrpSpPr>
+      <p:grpSpPr>
+        <a:xfrm>
+          <a:off x="0" y="0"/>
+          <a:ext cx="0" cy="0"/>
+          <a:chOff x="0" y="0"/>
+          <a:chExt cx="0" cy="0"/>
+        </a:xfrm>
+      </p:grpSpPr>
+      <p:sp>
+        <p:nvSpPr>
+          <p:cNvPr id="2" name="Titel 6">
+            <a:extLst>
+              <a:ext uri="{FF2B5EF4-FFF2-40B4-BE49-F238E27FC236}">
+                <a16:creationId xmlns:a16="http://schemas.microsoft.com/office/drawing/2014/main" id="{6CA760F3-0AF4-A986-DD94-DA8B601214FF}"/>
+              </a:ext>
+            </a:extLst>
+          </p:cNvPr>
+          <p:cNvSpPr txBox="1">
+            <a:spLocks noGrp="1"/>
+          </p:cNvSpPr>
+          <p:nvPr>
+            <p:ph type="title"/>
+          </p:nvPr>
+        </p:nvSpPr>
+        <p:spPr>
+          <a:xfrm>
+            <a:off x="442917" y="365129"/>
+            <a:ext cx="11341102" cy="361709"/>
+          </a:xfrm>
+        </p:spPr>
+        <p:txBody>
+          <a:bodyPr/>
+          <a:lstStyle/>
+          <a:p>
+            <a:pPr lvl="0"/>
+            <a:r>
+              <a:rPr lang="en-US"/>
+              <a:t>Motivation</a:t>
+            </a:r>
+            <a:endParaRPr lang="en-US">
+              <a:solidFill>
+                <a:srgbClr val="000000"/>
+              </a:solidFill>
+            </a:endParaRPr>
+          </a:p>
+        </p:txBody>
+      </p:sp>
+      <p:sp>
+        <p:nvSpPr>
+          <p:cNvPr id="3" name="Datumsplatzhalter 3">
+            <a:extLst>
+              <a:ext uri="{FF2B5EF4-FFF2-40B4-BE49-F238E27FC236}">
+                <a16:creationId xmlns:a16="http://schemas.microsoft.com/office/drawing/2014/main" id="{700A7EAA-C623-6B35-8354-5432F79D1980}"/>
+              </a:ext>
+            </a:extLst>
+          </p:cNvPr>
+          <p:cNvSpPr txBox="1"/>
+          <p:nvPr/>
+        </p:nvSpPr>
+        <p:spPr>
+          <a:xfrm>
+            <a:off x="9248095" y="6462000"/>
+            <a:ext cx="1439997" cy="179999"/>
+          </a:xfrm>
+          <a:prstGeom prst="rect">
+            <a:avLst/>
+          </a:prstGeom>
+          <a:noFill/>
+          <a:ln cap="flat">
+            <a:noFill/>
+          </a:ln>
+        </p:spPr>
+        <p:txBody>
+          <a:bodyPr vert="horz" wrap="square" lIns="35999" tIns="0" rIns="0" bIns="0" anchor="t" anchorCtr="0" compatLnSpc="1">
+            <a:noAutofit/>
+          </a:bodyPr>
+          <a:lstStyle/>
+          <a:p>
+            <a:pPr marL="0" marR="0" lvl="0" indent="0" algn="l" defTabSz="914400" rtl="0" fontAlgn="auto" hangingPunct="1">
+              <a:lnSpc>
+                <a:spcPct val="100000"/>
+              </a:lnSpc>
+              <a:spcBef>
+                <a:spcPts val="0"/>
+              </a:spcBef>
+              <a:spcAft>
+                <a:spcPts val="0"/>
+              </a:spcAft>
+              <a:buNone/>
+              <a:tabLst/>
+              <a:defRPr sz="1800" b="0" i="0" u="none" strike="noStrike" kern="0" cap="none" spc="0" baseline="0">
+                <a:solidFill>
+                  <a:srgbClr val="000000"/>
+                </a:solidFill>
+                <a:uFillTx/>
+              </a:defRPr>
+            </a:pPr>
+            <a:fld id="{27D67F97-4545-442D-B0E5-FFE75471992B}" type="datetime4">
+              <a:rPr lang="en-US" sz="900" b="0" i="0" u="none" strike="noStrike" kern="1200" cap="none" spc="0" baseline="0">
+                <a:solidFill>
+                  <a:srgbClr val="344A9A"/>
+                </a:solidFill>
+                <a:uFillTx/>
+                <a:latin typeface="Arial" pitchFamily="34"/>
+                <a:cs typeface="Arial" pitchFamily="34"/>
+              </a:rPr>
+              <a:pPr marL="0" marR="0" lvl="0" indent="0" algn="l" defTabSz="914400" rtl="0" fontAlgn="auto" hangingPunct="1">
+                <a:lnSpc>
+                  <a:spcPct val="100000"/>
+                </a:lnSpc>
+                <a:spcBef>
+                  <a:spcPts val="0"/>
+                </a:spcBef>
+                <a:spcAft>
+                  <a:spcPts val="0"/>
+                </a:spcAft>
+                <a:buNone/>
+                <a:tabLst/>
+                <a:defRPr sz="1800" b="0" i="0" u="none" strike="noStrike" kern="0" cap="none" spc="0" baseline="0">
+                  <a:solidFill>
+                    <a:srgbClr val="000000"/>
+                  </a:solidFill>
+                  <a:uFillTx/>
+                </a:defRPr>
+              </a:pPr>
+              <a:t>November 12, 2025</a:t>
+            </a:fld>
+            <a:endParaRPr lang="en-US" sz="900" b="0" i="0" u="none" strike="noStrike" kern="1200" cap="none" spc="0" baseline="0">
+              <a:solidFill>
+                <a:srgbClr val="344A9A"/>
+              </a:solidFill>
+              <a:uFillTx/>
+              <a:latin typeface="Arial" pitchFamily="34"/>
+              <a:cs typeface="Arial" pitchFamily="34"/>
+            </a:endParaRPr>
+          </a:p>
+        </p:txBody>
+      </p:sp>
+      <p:sp>
+        <p:nvSpPr>
+          <p:cNvPr id="4" name="Fußzeilenplatzhalter 4">
+            <a:extLst>
+              <a:ext uri="{FF2B5EF4-FFF2-40B4-BE49-F238E27FC236}">
+                <a16:creationId xmlns:a16="http://schemas.microsoft.com/office/drawing/2014/main" id="{5369D3B9-D244-AF0A-C79F-49190350A44A}"/>
+              </a:ext>
+            </a:extLst>
+          </p:cNvPr>
+          <p:cNvSpPr txBox="1"/>
+          <p:nvPr/>
+        </p:nvSpPr>
+        <p:spPr>
+          <a:xfrm>
+            <a:off x="2980797" y="6462000"/>
+            <a:ext cx="6263996" cy="179999"/>
+          </a:xfrm>
+          <a:prstGeom prst="rect">
+            <a:avLst/>
+          </a:prstGeom>
+          <a:noFill/>
+          <a:ln cap="flat">
+            <a:noFill/>
+          </a:ln>
+        </p:spPr>
+        <p:txBody>
+          <a:bodyPr vert="horz" wrap="square" lIns="0" tIns="0" rIns="0" bIns="0" anchor="t" anchorCtr="0" compatLnSpc="1">
+            <a:noAutofit/>
+          </a:bodyPr>
+          <a:lstStyle/>
+          <a:p>
+            <a:pPr lvl="0" algn="r">
+              <a:defRPr sz="1800" b="0" i="0" u="none" strike="noStrike" kern="0" cap="none" spc="0" baseline="0">
+                <a:solidFill>
+                  <a:srgbClr val="000000"/>
+                </a:solidFill>
+                <a:uFillTx/>
+              </a:defRPr>
+            </a:pPr>
+            <a:r>
+              <a:rPr lang="en-US" sz="900" dirty="0">
+                <a:solidFill>
+                  <a:srgbClr val="344A9A"/>
+                </a:solidFill>
+                <a:latin typeface="Arial" pitchFamily="34"/>
+                <a:cs typeface="Arial" pitchFamily="34"/>
+              </a:rPr>
+              <a:t>Albert-Ludwigs-Universität Freiburg | </a:t>
+            </a:r>
+            <a:r>
+              <a:rPr lang="en-US" sz="900" dirty="0" err="1">
+                <a:solidFill>
+                  <a:srgbClr val="344A9A"/>
+                </a:solidFill>
+                <a:latin typeface="Arial" pitchFamily="34"/>
+                <a:cs typeface="Arial" pitchFamily="34"/>
+              </a:rPr>
+              <a:t>ReTI</a:t>
+            </a:r>
+            <a:r>
+              <a:rPr lang="en-US" sz="900" dirty="0">
+                <a:solidFill>
+                  <a:srgbClr val="344A9A"/>
+                </a:solidFill>
+                <a:latin typeface="Arial" pitchFamily="34"/>
+                <a:cs typeface="Arial" pitchFamily="34"/>
+              </a:rPr>
+              <a:t>-Tools: A </a:t>
+            </a:r>
+            <a:r>
+              <a:rPr lang="en-US" sz="900" dirty="0" err="1">
+                <a:solidFill>
+                  <a:srgbClr val="344A9A"/>
+                </a:solidFill>
+                <a:latin typeface="Arial" pitchFamily="34"/>
+                <a:cs typeface="Arial" pitchFamily="34"/>
+              </a:rPr>
+              <a:t>VSCode</a:t>
+            </a:r>
+            <a:r>
+              <a:rPr lang="en-US" sz="900" dirty="0">
+                <a:solidFill>
+                  <a:srgbClr val="344A9A"/>
+                </a:solidFill>
+                <a:latin typeface="Arial" pitchFamily="34"/>
+                <a:cs typeface="Arial" pitchFamily="34"/>
+              </a:rPr>
+              <a:t> Extension for </a:t>
+            </a:r>
+            <a:r>
+              <a:rPr lang="en-US" sz="900" dirty="0" err="1">
+                <a:solidFill>
+                  <a:srgbClr val="344A9A"/>
+                </a:solidFill>
+                <a:latin typeface="Arial" pitchFamily="34"/>
+                <a:cs typeface="Arial" pitchFamily="34"/>
+              </a:rPr>
+              <a:t>ReTI</a:t>
+            </a:r>
+            <a:r>
+              <a:rPr lang="en-US" sz="900" dirty="0">
+                <a:solidFill>
+                  <a:srgbClr val="344A9A"/>
+                </a:solidFill>
+                <a:latin typeface="Arial" pitchFamily="34"/>
+                <a:cs typeface="Arial" pitchFamily="34"/>
+              </a:rPr>
+              <a:t> Assembly Programming |</a:t>
+            </a:r>
+          </a:p>
+        </p:txBody>
+      </p:sp>
+      <p:sp>
+        <p:nvSpPr>
+          <p:cNvPr id="5" name="Foliennummernplatzhalter 5">
+            <a:extLst>
+              <a:ext uri="{FF2B5EF4-FFF2-40B4-BE49-F238E27FC236}">
+                <a16:creationId xmlns:a16="http://schemas.microsoft.com/office/drawing/2014/main" id="{653B225A-F092-B1A4-33DD-5F3E4A0B83EF}"/>
+              </a:ext>
+            </a:extLst>
+          </p:cNvPr>
+          <p:cNvSpPr txBox="1"/>
+          <p:nvPr/>
+        </p:nvSpPr>
+        <p:spPr>
+          <a:xfrm>
+            <a:off x="11424010" y="6462311"/>
+            <a:ext cx="359999" cy="179999"/>
+          </a:xfrm>
+          <a:prstGeom prst="rect">
+            <a:avLst/>
+          </a:prstGeom>
+          <a:noFill/>
+          <a:ln cap="flat">
+            <a:noFill/>
+          </a:ln>
+        </p:spPr>
+        <p:txBody>
+          <a:bodyPr vert="horz" wrap="square" lIns="0" tIns="0" rIns="0" bIns="0" anchor="t" anchorCtr="0" compatLnSpc="1">
+            <a:noAutofit/>
+          </a:bodyPr>
+          <a:lstStyle/>
+          <a:p>
+            <a:pPr marL="0" marR="0" lvl="0" indent="0" algn="r" defTabSz="914400" rtl="0" fontAlgn="auto" hangingPunct="1">
+              <a:lnSpc>
+                <a:spcPct val="100000"/>
+              </a:lnSpc>
+              <a:spcBef>
+                <a:spcPts val="0"/>
+              </a:spcBef>
+              <a:spcAft>
+                <a:spcPts val="0"/>
+              </a:spcAft>
+              <a:buNone/>
+              <a:tabLst/>
+              <a:defRPr sz="1800" b="0" i="0" u="none" strike="noStrike" kern="0" cap="none" spc="0" baseline="0">
+                <a:solidFill>
+                  <a:srgbClr val="000000"/>
+                </a:solidFill>
+                <a:uFillTx/>
+              </a:defRPr>
+            </a:pPr>
+            <a:fld id="{F90024A3-8795-48F5-A2E6-DADFA7309283}" type="slidenum">
+              <a:rPr/>
+              <a:t>6</a:t>
+            </a:fld>
+            <a:endParaRPr lang="en-US" sz="900" b="0" i="0" u="none" strike="noStrike" kern="1200" cap="none" spc="0" baseline="0">
+              <a:solidFill>
+                <a:srgbClr val="344A9A"/>
+              </a:solidFill>
+              <a:uFillTx/>
+              <a:latin typeface="Arial" pitchFamily="34"/>
+              <a:cs typeface="Arial" pitchFamily="34"/>
+            </a:endParaRPr>
+          </a:p>
+        </p:txBody>
+      </p:sp>
+      <p:sp>
+        <p:nvSpPr>
+          <p:cNvPr id="6" name="AutoShape 2">
+            <a:extLst>
+              <a:ext uri="{FF2B5EF4-FFF2-40B4-BE49-F238E27FC236}">
+                <a16:creationId xmlns:a16="http://schemas.microsoft.com/office/drawing/2014/main" id="{9F03BB43-EE4B-C10C-E303-CF56B4DB2B8A}"/>
+              </a:ext>
+            </a:extLst>
+          </p:cNvPr>
+          <p:cNvSpPr/>
+          <p:nvPr/>
+        </p:nvSpPr>
+        <p:spPr>
+          <a:xfrm>
+            <a:off x="5943600" y="3276596"/>
+            <a:ext cx="304796" cy="304796"/>
+          </a:xfrm>
+          <a:prstGeom prst="rect">
+            <a:avLst/>
+          </a:prstGeom>
+          <a:noFill/>
+          <a:ln cap="flat">
+            <a:noFill/>
+            <a:prstDash val="solid"/>
+          </a:ln>
+        </p:spPr>
+        <p:txBody>
+          <a:bodyPr vert="horz" wrap="square" lIns="91440" tIns="45720" rIns="91440" bIns="45720" anchor="t" anchorCtr="0" compatLnSpc="1">
+            <a:noAutofit/>
+          </a:bodyPr>
+          <a:lstStyle/>
+          <a:p>
+            <a:pPr marL="0" marR="0" lvl="0" indent="0" algn="l" defTabSz="914400" rtl="0" fontAlgn="auto" hangingPunct="1">
+              <a:lnSpc>
+                <a:spcPct val="100000"/>
+              </a:lnSpc>
+              <a:spcBef>
+                <a:spcPts val="0"/>
+              </a:spcBef>
+              <a:spcAft>
+                <a:spcPts val="0"/>
+              </a:spcAft>
+              <a:buNone/>
+              <a:tabLst/>
+              <a:defRPr sz="1800" b="0" i="0" u="none" strike="noStrike" kern="0" cap="none" spc="0" baseline="0">
+                <a:solidFill>
+                  <a:srgbClr val="000000"/>
+                </a:solidFill>
+                <a:uFillTx/>
+              </a:defRPr>
+            </a:pPr>
+            <a:endParaRPr lang="de-DE" sz="1800" b="0" i="0" u="none" strike="noStrike" kern="1200" cap="none" spc="0" baseline="0">
+              <a:solidFill>
+                <a:srgbClr val="000000"/>
+              </a:solidFill>
+              <a:uFillTx/>
+              <a:latin typeface="Calibri"/>
+            </a:endParaRPr>
+          </a:p>
+        </p:txBody>
+      </p:sp>
+      <p:sp>
+        <p:nvSpPr>
+          <p:cNvPr id="7" name="AutoShape 4">
+            <a:extLst>
+              <a:ext uri="{FF2B5EF4-FFF2-40B4-BE49-F238E27FC236}">
+                <a16:creationId xmlns:a16="http://schemas.microsoft.com/office/drawing/2014/main" id="{A25180CC-3D38-7EA1-B59E-B8BD964C550D}"/>
+              </a:ext>
+            </a:extLst>
+          </p:cNvPr>
+          <p:cNvSpPr/>
+          <p:nvPr/>
+        </p:nvSpPr>
+        <p:spPr>
+          <a:xfrm>
+            <a:off x="6096003" y="3429000"/>
+            <a:ext cx="304796" cy="304796"/>
+          </a:xfrm>
+          <a:prstGeom prst="rect">
+            <a:avLst/>
+          </a:prstGeom>
+          <a:noFill/>
+          <a:ln cap="flat">
+            <a:noFill/>
+            <a:prstDash val="solid"/>
+          </a:ln>
+        </p:spPr>
+        <p:txBody>
+          <a:bodyPr vert="horz" wrap="square" lIns="91440" tIns="45720" rIns="91440" bIns="45720" anchor="t" anchorCtr="0" compatLnSpc="1">
+            <a:noAutofit/>
+          </a:bodyPr>
+          <a:lstStyle/>
+          <a:p>
+            <a:pPr marL="0" marR="0" lvl="0" indent="0" algn="l" defTabSz="914400" rtl="0" fontAlgn="auto" hangingPunct="1">
+              <a:lnSpc>
+                <a:spcPct val="100000"/>
+              </a:lnSpc>
+              <a:spcBef>
+                <a:spcPts val="0"/>
+              </a:spcBef>
+              <a:spcAft>
+                <a:spcPts val="0"/>
+              </a:spcAft>
+              <a:buNone/>
+              <a:tabLst/>
+              <a:defRPr sz="1800" b="0" i="0" u="none" strike="noStrike" kern="0" cap="none" spc="0" baseline="0">
+                <a:solidFill>
+                  <a:srgbClr val="000000"/>
+                </a:solidFill>
+                <a:uFillTx/>
+              </a:defRPr>
+            </a:pPr>
+            <a:endParaRPr lang="de-DE" sz="1800" b="0" i="0" u="none" strike="noStrike" kern="1200" cap="none" spc="0" baseline="0">
+              <a:solidFill>
+                <a:srgbClr val="000000"/>
+              </a:solidFill>
+              <a:uFillTx/>
+              <a:latin typeface="Calibri"/>
+            </a:endParaRPr>
+          </a:p>
+        </p:txBody>
+      </p:sp>
+      <p:sp>
+        <p:nvSpPr>
+          <p:cNvPr id="8" name="AutoShape 6">
+            <a:extLst>
+              <a:ext uri="{FF2B5EF4-FFF2-40B4-BE49-F238E27FC236}">
+                <a16:creationId xmlns:a16="http://schemas.microsoft.com/office/drawing/2014/main" id="{616C9CB9-4344-113F-646A-77104F1709C4}"/>
+              </a:ext>
+            </a:extLst>
+          </p:cNvPr>
+          <p:cNvSpPr/>
+          <p:nvPr/>
+        </p:nvSpPr>
+        <p:spPr>
+          <a:xfrm>
+            <a:off x="6248396" y="3581403"/>
+            <a:ext cx="304796" cy="304796"/>
+          </a:xfrm>
+          <a:prstGeom prst="rect">
+            <a:avLst/>
+          </a:prstGeom>
+          <a:noFill/>
+          <a:ln cap="flat">
+            <a:noFill/>
+            <a:prstDash val="solid"/>
+          </a:ln>
+        </p:spPr>
+        <p:txBody>
+          <a:bodyPr vert="horz" wrap="square" lIns="91440" tIns="45720" rIns="91440" bIns="45720" anchor="t" anchorCtr="0" compatLnSpc="1">
+            <a:noAutofit/>
+          </a:bodyPr>
+          <a:lstStyle/>
+          <a:p>
+            <a:pPr marL="0" marR="0" lvl="0" indent="0" algn="l" defTabSz="914400" rtl="0" fontAlgn="auto" hangingPunct="1">
+              <a:lnSpc>
+                <a:spcPct val="100000"/>
+              </a:lnSpc>
+              <a:spcBef>
+                <a:spcPts val="0"/>
+              </a:spcBef>
+              <a:spcAft>
+                <a:spcPts val="0"/>
+              </a:spcAft>
+              <a:buNone/>
+              <a:tabLst/>
+              <a:defRPr sz="1800" b="0" i="0" u="none" strike="noStrike" kern="0" cap="none" spc="0" baseline="0">
+                <a:solidFill>
+                  <a:srgbClr val="000000"/>
+                </a:solidFill>
+                <a:uFillTx/>
+              </a:defRPr>
+            </a:pPr>
+            <a:endParaRPr lang="de-DE" sz="1800" b="0" i="0" u="none" strike="noStrike" kern="1200" cap="none" spc="0" baseline="0">
+              <a:solidFill>
+                <a:srgbClr val="000000"/>
+              </a:solidFill>
+              <a:uFillTx/>
+              <a:latin typeface="Calibri"/>
+            </a:endParaRPr>
+          </a:p>
+        </p:txBody>
+      </p:sp>
+      <p:sp>
+        <p:nvSpPr>
+          <p:cNvPr id="15" name="TextBox 10">
+            <a:extLst>
+              <a:ext uri="{FF2B5EF4-FFF2-40B4-BE49-F238E27FC236}">
+                <a16:creationId xmlns:a16="http://schemas.microsoft.com/office/drawing/2014/main" id="{D1C72C52-B0BA-BEA5-D186-2D77C2C03C85}"/>
+              </a:ext>
+            </a:extLst>
+          </p:cNvPr>
+          <p:cNvSpPr txBox="1"/>
+          <p:nvPr/>
+        </p:nvSpPr>
+        <p:spPr>
+          <a:xfrm>
+            <a:off x="4747619" y="4934115"/>
+            <a:ext cx="5351828" cy="253916"/>
+          </a:xfrm>
+          <a:prstGeom prst="rect">
+            <a:avLst/>
+          </a:prstGeom>
+          <a:noFill/>
+          <a:ln cap="flat">
+            <a:noFill/>
+          </a:ln>
+        </p:spPr>
+        <p:txBody>
+          <a:bodyPr vert="horz" wrap="square" lIns="91440" tIns="45720" rIns="91440" bIns="45720" anchor="t" anchorCtr="0" compatLnSpc="1">
+            <a:spAutoFit/>
+          </a:bodyPr>
+          <a:lstStyle/>
+          <a:p>
+            <a:pPr lvl="0">
+              <a:defRPr sz="1800" b="0" i="0" u="none" strike="noStrike" kern="0" cap="none" spc="0" baseline="0">
+                <a:solidFill>
+                  <a:srgbClr val="000000"/>
+                </a:solidFill>
+                <a:uFillTx/>
+              </a:defRPr>
+            </a:pPr>
+            <a:r>
+              <a:rPr lang="en-US" sz="1050" b="0" i="0" u="none" strike="noStrike" kern="1200" cap="none" spc="0" baseline="0" dirty="0">
+                <a:solidFill>
+                  <a:srgbClr val="344A9A"/>
+                </a:solidFill>
+                <a:uFillTx/>
+                <a:latin typeface="Arial"/>
+              </a:rPr>
+              <a:t>Fig.</a:t>
+            </a:r>
+            <a:r>
+              <a:rPr lang="en-US" sz="1050" dirty="0">
+                <a:solidFill>
+                  <a:srgbClr val="344A9A"/>
+                </a:solidFill>
+                <a:latin typeface="Arial"/>
+              </a:rPr>
+              <a:t> 3 </a:t>
+            </a:r>
+            <a:r>
+              <a:rPr lang="en-US" sz="1050" b="0" i="0" u="none" strike="noStrike" kern="1200" cap="none" spc="0" baseline="0" dirty="0">
+                <a:solidFill>
+                  <a:srgbClr val="344A9A"/>
+                </a:solidFill>
+                <a:uFillTx/>
+                <a:latin typeface="Arial"/>
+              </a:rPr>
+              <a:t>: Screenshot of the Emulator by Jürgen Mattheis [1]</a:t>
+            </a:r>
+          </a:p>
+        </p:txBody>
+      </p:sp>
+      <p:pic>
+        <p:nvPicPr>
+          <p:cNvPr id="18" name="Picture 17">
+            <a:extLst>
+              <a:ext uri="{FF2B5EF4-FFF2-40B4-BE49-F238E27FC236}">
+                <a16:creationId xmlns:a16="http://schemas.microsoft.com/office/drawing/2014/main" id="{FEE79DDD-F484-A1D9-A5F0-4D3F870D4522}"/>
+              </a:ext>
+            </a:extLst>
+          </p:cNvPr>
+          <p:cNvPicPr>
+            <a:picLocks noChangeAspect="1"/>
+          </p:cNvPicPr>
+          <p:nvPr/>
+        </p:nvPicPr>
+        <p:blipFill>
+          <a:blip r:embed="rId3">
+            <a:extLst>
+              <a:ext uri="{28A0092B-C50C-407E-A947-70E740481C1C}">
+                <a14:useLocalDpi xmlns:a14="http://schemas.microsoft.com/office/drawing/2010/main" val="0"/>
+              </a:ext>
+            </a:extLst>
+          </a:blip>
+          <a:srcRect/>
+          <a:stretch/>
+        </p:blipFill>
+        <p:spPr>
+          <a:xfrm>
+            <a:off x="271293" y="854301"/>
+            <a:ext cx="8067422" cy="4128018"/>
+          </a:xfrm>
+          <a:prstGeom prst="rect">
+            <a:avLst/>
+          </a:prstGeom>
+        </p:spPr>
+      </p:pic>
+      <p:sp>
+        <p:nvSpPr>
+          <p:cNvPr id="25" name="Inhaltsplatzhalter 3">
+            <a:extLst>
+              <a:ext uri="{FF2B5EF4-FFF2-40B4-BE49-F238E27FC236}">
+                <a16:creationId xmlns:a16="http://schemas.microsoft.com/office/drawing/2014/main" id="{D3DDC8A7-84C2-4CD6-3391-4603D3DFF46A}"/>
+              </a:ext>
+            </a:extLst>
+          </p:cNvPr>
+          <p:cNvSpPr txBox="1">
+            <a:spLocks noGrp="1"/>
+          </p:cNvSpPr>
+          <p:nvPr>
+            <p:ph type="body" idx="4294967295"/>
+          </p:nvPr>
+        </p:nvSpPr>
+        <p:spPr>
+          <a:xfrm>
+            <a:off x="271294" y="5015884"/>
+            <a:ext cx="8067421" cy="1562100"/>
+          </a:xfrm>
+        </p:spPr>
+        <p:txBody>
+          <a:bodyPr/>
+          <a:lstStyle/>
+          <a:p>
+            <a:pPr marL="0" indent="0">
+              <a:buNone/>
+            </a:pPr>
+            <a:r>
+              <a:rPr lang="en-US" b="1" dirty="0">
+                <a:solidFill>
+                  <a:srgbClr val="344A9A"/>
+                </a:solidFill>
+                <a:latin typeface="Calibri"/>
+              </a:rPr>
+              <a:t>Emulator by Jürgen Mattheis:</a:t>
+            </a:r>
+          </a:p>
+          <a:p>
+            <a:r>
+              <a:rPr lang="en-US" dirty="0">
+                <a:solidFill>
+                  <a:srgbClr val="344A9A"/>
+                </a:solidFill>
+                <a:latin typeface="Calibri"/>
+              </a:rPr>
+              <a:t>OS-dependent (only Linux support)</a:t>
+            </a:r>
+          </a:p>
+          <a:p>
+            <a:r>
+              <a:rPr lang="en-US" dirty="0">
+                <a:solidFill>
+                  <a:srgbClr val="344A9A"/>
+                </a:solidFill>
+                <a:latin typeface="Calibri"/>
+              </a:rPr>
+              <a:t>Workflow requires switching between editor and debugger</a:t>
+            </a:r>
+          </a:p>
+        </p:txBody>
+      </p:sp>
+    </p:spTree>
+  </p:cSld>
+  <p:clrMapOvr>
+    <a:masterClrMapping/>
+  </p:clrMapOvr>
+  <p:timing>
+    <p:tnLst>
+      <p:par>
+        <p:cTn id="1" dur="indefinite" restart="never" nodeType="tmRoot">
+          <p:childTnLst>
+            <p:seq concurrent="1" nextAc="seek">
+              <p:cTn id="2" dur="indefinite" nodeType="mainSeq">
+                <p:childTnLst>
+                  <p:par>
+                    <p:cTn id="3" fill="hold">
+                      <p:stCondLst>
+                        <p:cond delay="indefinite"/>
+                      </p:stCondLst>
+                      <p:childTnLst>
+                        <p:par>
+                          <p:cTn id="4" fill="hold">
+                            <p:stCondLst>
+                              <p:cond delay="0"/>
+                            </p:stCondLst>
+                            <p:childTnLst>
+                              <p:par>
+                                <p:cTn id="5" presetID="1" presetClass="entr" presetSubtype="0" fill="hold" grpId="0" nodeType="clickEffect">
+                                  <p:stCondLst>
+                                    <p:cond delay="0"/>
+                                  </p:stCondLst>
+                                  <p:childTnLst>
+                                    <p:set>
+                                      <p:cBhvr>
+                                        <p:cTn id="6" dur="1" fill="hold">
+                                          <p:stCondLst>
+                                            <p:cond delay="0"/>
+                                          </p:stCondLst>
+                                        </p:cTn>
+                                        <p:tgtEl>
+                                          <p:spTgt spid="25">
+                                            <p:txEl>
+                                              <p:pRg st="0" end="0"/>
+                                            </p:txEl>
+                                          </p:spTgt>
+                                        </p:tgtEl>
+                                        <p:attrNameLst>
+                                          <p:attrName>style.visibility</p:attrName>
+                                        </p:attrNameLst>
+                                      </p:cBhvr>
+                                      <p:to>
+                                        <p:strVal val="visible"/>
+                                      </p:to>
+                                    </p:set>
+                                  </p:childTnLst>
+                                </p:cTn>
+                              </p:par>
+                            </p:childTnLst>
+                          </p:cTn>
+                        </p:par>
+                      </p:childTnLst>
+                    </p:cTn>
+                  </p:par>
+                  <p:par>
+                    <p:cTn id="7" fill="hold">
+                      <p:stCondLst>
+                        <p:cond delay="indefinite"/>
+                      </p:stCondLst>
+                      <p:childTnLst>
+                        <p:par>
+                          <p:cTn id="8" fill="hold">
+                            <p:stCondLst>
+                              <p:cond delay="0"/>
+                            </p:stCondLst>
+                            <p:childTnLst>
+                              <p:par>
+                                <p:cTn id="9" presetID="1" presetClass="entr" presetSubtype="0" fill="hold" grpId="0" nodeType="clickEffect">
+                                  <p:stCondLst>
+                                    <p:cond delay="0"/>
+                                  </p:stCondLst>
+                                  <p:childTnLst>
+                                    <p:set>
+                                      <p:cBhvr>
+                                        <p:cTn id="10" dur="1" fill="hold">
+                                          <p:stCondLst>
+                                            <p:cond delay="0"/>
+                                          </p:stCondLst>
+                                        </p:cTn>
+                                        <p:tgtEl>
+                                          <p:spTgt spid="25">
+                                            <p:txEl>
+                                              <p:pRg st="1" end="1"/>
+                                            </p:txEl>
+                                          </p:spTgt>
+                                        </p:tgtEl>
+                                        <p:attrNameLst>
+                                          <p:attrName>style.visibility</p:attrName>
+                                        </p:attrNameLst>
+                                      </p:cBhvr>
+                                      <p:to>
+                                        <p:strVal val="visible"/>
+                                      </p:to>
+                                    </p:set>
+                                  </p:childTnLst>
+                                </p:cTn>
+                              </p:par>
+                            </p:childTnLst>
+                          </p:cTn>
+                        </p:par>
+                      </p:childTnLst>
+                    </p:cTn>
+                  </p:par>
+                  <p:par>
+                    <p:cTn id="11" fill="hold">
+                      <p:stCondLst>
+                        <p:cond delay="indefinite"/>
+                      </p:stCondLst>
+                      <p:childTnLst>
+                        <p:par>
+                          <p:cTn id="12" fill="hold">
+                            <p:stCondLst>
+                              <p:cond delay="0"/>
+                            </p:stCondLst>
+                            <p:childTnLst>
+                              <p:par>
+                                <p:cTn id="13" presetID="1" presetClass="entr" presetSubtype="0" fill="hold" grpId="0" nodeType="clickEffect">
+                                  <p:stCondLst>
+                                    <p:cond delay="0"/>
+                                  </p:stCondLst>
+                                  <p:childTnLst>
+                                    <p:set>
+                                      <p:cBhvr>
+                                        <p:cTn id="14" dur="1" fill="hold">
+                                          <p:stCondLst>
+                                            <p:cond delay="0"/>
+                                          </p:stCondLst>
+                                        </p:cTn>
+                                        <p:tgtEl>
+                                          <p:spTgt spid="25">
+                                            <p:txEl>
+                                              <p:pRg st="2" end="2"/>
+                                            </p:txEl>
+                                          </p:spTgt>
+                                        </p:tgtEl>
+                                        <p:attrNameLst>
+                                          <p:attrName>style.visibility</p:attrName>
+                                        </p:attrNameLst>
+                                      </p:cBhvr>
+                                      <p:to>
+                                        <p:strVal val="visible"/>
+                                      </p:to>
+                                    </p:set>
+                                  </p:childTnLst>
+                                </p:cTn>
+                              </p:par>
+                            </p:childTnLst>
+                          </p:cTn>
+                        </p:par>
+                      </p:childTnLst>
+                    </p:cTn>
+                  </p:par>
+                </p:childTnLst>
+              </p:cTn>
+              <p:prevCondLst>
+                <p:cond evt="onPrev" delay="0">
+                  <p:tgtEl>
+                    <p:sldTgt/>
+                  </p:tgtEl>
+                </p:cond>
+              </p:prevCondLst>
+              <p:nextCondLst>
+                <p:cond evt="onNext" delay="0">
+                  <p:tgtEl>
+                    <p:sldTgt/>
+                  </p:tgtEl>
+                </p:cond>
+              </p:nextCondLst>
+            </p:seq>
+          </p:childTnLst>
+        </p:cTn>
+      </p:par>
+    </p:tnLst>
+    <p:bldLst>
+      <p:bldP spid="25" grpId="0" build="p"/>
+    </p:bldLst>
+  </p:timing>
+</p:sld>
+</file>
+
 <file path=ppt/slides/slide7.xml><?xml version="1.0" encoding="utf-8"?>
 <p:sld xmlns:a="http://schemas.openxmlformats.org/drawingml/2006/main" xmlns:r="http://schemas.openxmlformats.org/officeDocument/2006/relationships" xmlns:p="http://schemas.openxmlformats.org/presentationml/2006/main">
   <p:cSld name="Slide11">
@@ -31421,7 +31352,7 @@
                 </a:solidFill>
                 <a:latin typeface="Calibri"/>
               </a:rPr>
-              <a:t>Extend existing VS Code extension:</a:t>
+              <a:t>Extend existing VS Code extension [6]:</a:t>
             </a:r>
           </a:p>
           <a:p>
@@ -31430,7 +31361,7 @@
               <a:rPr lang="en-US" dirty="0">
                 <a:latin typeface="Calibri"/>
               </a:rPr>
-              <a:t>Most used IDE</a:t>
+              <a:t>Most popular editor/IDE</a:t>
             </a:r>
           </a:p>
           <a:p>
@@ -31438,7 +31369,7 @@
               <a:rPr lang="en-US" dirty="0">
                 <a:latin typeface="Calibri"/>
               </a:rPr>
-              <a:t>OS-independent</a:t>
+              <a:t>OS-independent (available for Linux, Mac, Windows)</a:t>
             </a:r>
           </a:p>
           <a:p>
@@ -31446,7 +31377,7 @@
               <a:rPr lang="en-US" dirty="0">
                 <a:latin typeface="Calibri"/>
               </a:rPr>
-              <a:t>Same tool for both lectures</a:t>
+              <a:t>Make it a single tool supporting both lectures</a:t>
             </a:r>
           </a:p>
           <a:p>
@@ -31468,23 +31399,95 @@
               <a:rPr lang="en-US" dirty="0">
                 <a:latin typeface="Calibri"/>
               </a:rPr>
-              <a:t>Emulator</a:t>
-            </a:r>
-          </a:p>
-          <a:p>
+              <a:t>Emulator (implement </a:t>
+            </a:r>
+            <a:r>
+              <a:rPr lang="en-US" dirty="0" err="1">
+                <a:latin typeface="Calibri"/>
+              </a:rPr>
+              <a:t>ReTI</a:t>
+            </a:r>
             <a:r>
               <a:rPr lang="en-US" dirty="0">
                 <a:latin typeface="Calibri"/>
               </a:rPr>
-              <a:t>Debugger</a:t>
-            </a:r>
-          </a:p>
-          <a:p>
+              <a:t>-II alongside </a:t>
+            </a:r>
+            <a:r>
+              <a:rPr lang="en-US" dirty="0" err="1">
+                <a:latin typeface="Calibri"/>
+              </a:rPr>
+              <a:t>ReTI</a:t>
+            </a:r>
             <a:r>
               <a:rPr lang="en-US" dirty="0">
                 <a:latin typeface="Calibri"/>
               </a:rPr>
-              <a:t>Language Server</a:t>
+              <a:t>-I)</a:t>
+            </a:r>
+          </a:p>
+          <a:p>
+            <a:r>
+              <a:rPr lang="en-US" dirty="0">
+                <a:latin typeface="Calibri"/>
+              </a:rPr>
+              <a:t>Debugger (implement </a:t>
+            </a:r>
+            <a:r>
+              <a:rPr lang="en-US" dirty="0" err="1">
+                <a:latin typeface="Calibri"/>
+              </a:rPr>
+              <a:t>ReTI</a:t>
+            </a:r>
+            <a:r>
+              <a:rPr lang="en-US" dirty="0">
+                <a:latin typeface="Calibri"/>
+              </a:rPr>
+              <a:t>-II alongside </a:t>
+            </a:r>
+            <a:r>
+              <a:rPr lang="en-US" dirty="0" err="1">
+                <a:latin typeface="Calibri"/>
+              </a:rPr>
+              <a:t>ReTI</a:t>
+            </a:r>
+            <a:r>
+              <a:rPr lang="en-US" dirty="0">
+                <a:latin typeface="Calibri"/>
+              </a:rPr>
+              <a:t>-I)</a:t>
+            </a:r>
+          </a:p>
+          <a:p>
+            <a:r>
+              <a:rPr lang="en-US" dirty="0">
+                <a:latin typeface="Calibri"/>
+              </a:rPr>
+              <a:t>Language Server (implement </a:t>
+            </a:r>
+            <a:r>
+              <a:rPr lang="en-US" dirty="0" err="1">
+                <a:latin typeface="Calibri"/>
+              </a:rPr>
+              <a:t>ReTI</a:t>
+            </a:r>
+            <a:r>
+              <a:rPr lang="en-US" dirty="0">
+                <a:latin typeface="Calibri"/>
+              </a:rPr>
+              <a:t>-II alongside </a:t>
+            </a:r>
+            <a:r>
+              <a:rPr lang="en-US" dirty="0" err="1">
+                <a:latin typeface="Calibri"/>
+              </a:rPr>
+              <a:t>ReTI</a:t>
+            </a:r>
+            <a:r>
+              <a:rPr lang="en-US" dirty="0">
+                <a:latin typeface="Calibri"/>
+              </a:rPr>
+              <a:t>-I)</a:t>
             </a:r>
           </a:p>
           <a:p>
@@ -31498,7 +31501,7 @@
                 </a:solidFill>
                 <a:latin typeface="Calibri"/>
               </a:rPr>
-              <a:t>Additionally:</a:t>
+              <a:t>Identified additional requirement:</a:t>
             </a:r>
           </a:p>
           <a:p>
@@ -31550,7 +31553,23 @@
             </a:r>
             <a:r>
               <a:rPr lang="en-US" dirty="0"/>
-              <a:t>Improve accessibility and responsiveness to provide a better educational experience.</a:t>
+              <a:t>Improve </a:t>
+            </a:r>
+            <a:r>
+              <a:rPr lang="en-US" b="1" dirty="0"/>
+              <a:t>accessibility</a:t>
+            </a:r>
+            <a:r>
+              <a:rPr lang="en-US" dirty="0"/>
+              <a:t> and </a:t>
+            </a:r>
+            <a:r>
+              <a:rPr lang="en-US" b="1" dirty="0"/>
+              <a:t>responsiveness</a:t>
+            </a:r>
+            <a:r>
+              <a:rPr lang="en-US" dirty="0"/>
+              <a:t> to provide a better educational experience.</a:t>
             </a:r>
           </a:p>
         </p:txBody>
@@ -32808,7 +32827,7 @@
                 <a:uFillTx/>
                 <a:latin typeface="Arial"/>
               </a:rPr>
-              <a:t>Fig. 5: </a:t>
+              <a:t>Fig. 4: </a:t>
             </a:r>
             <a:r>
               <a:rPr lang="en-US" sz="1100" dirty="0">
@@ -33196,7 +33215,7 @@
                 <a:uFillTx/>
                 <a:latin typeface="Arial"/>
               </a:rPr>
-              <a:t>Fig 7</a:t>
+              <a:t>Fig </a:t>
             </a:r>
             <a:r>
               <a:rPr lang="en-US" sz="1100" dirty="0">
@@ -33205,7 +33224,7 @@
                 </a:solidFill>
                 <a:latin typeface="Arial"/>
               </a:rPr>
-              <a:t>: Example Usage of the </a:t>
+              <a:t>6: Example Usage of the </a:t>
             </a:r>
             <a:r>
               <a:rPr lang="en-US" sz="1100" dirty="0" err="1">
@@ -33400,7 +33419,7 @@
                 <a:uFillTx/>
                 <a:latin typeface="Arial"/>
               </a:rPr>
-              <a:t>Fig 6</a:t>
+              <a:t>Fig 5</a:t>
             </a:r>
             <a:r>
               <a:rPr lang="en-US" sz="1100" dirty="0">
